--- a/设计.pptx
+++ b/设计.pptx
@@ -21,10 +21,18 @@
     <p:sldId id="268" r:id="rId15"/>
     <p:sldId id="274" r:id="rId16"/>
     <p:sldId id="275" r:id="rId17"/>
-    <p:sldId id="270" r:id="rId18"/>
-    <p:sldId id="272" r:id="rId19"/>
-    <p:sldId id="271" r:id="rId20"/>
-    <p:sldId id="273" r:id="rId21"/>
+    <p:sldId id="276" r:id="rId18"/>
+    <p:sldId id="270" r:id="rId19"/>
+    <p:sldId id="272" r:id="rId20"/>
+    <p:sldId id="271" r:id="rId21"/>
+    <p:sldId id="273" r:id="rId22"/>
+    <p:sldId id="277" r:id="rId23"/>
+    <p:sldId id="278" r:id="rId24"/>
+    <p:sldId id="279" r:id="rId25"/>
+    <p:sldId id="280" r:id="rId26"/>
+    <p:sldId id="281" r:id="rId27"/>
+    <p:sldId id="282" r:id="rId28"/>
+    <p:sldId id="283" r:id="rId29"/>
   </p:sldIdLst>
   <p:sldSz cx="12192000" cy="6858000"/>
   <p:notesSz cx="6858000" cy="9144000"/>
@@ -142,6 +150,18 @@
 </p:presentation>
 </file>
 
+<file path=ppt/commentAuthors.xml><?xml version="1.0" encoding="utf-8"?>
+<p:cmAuthorLst xmlns:a="http://schemas.openxmlformats.org/drawingml/2006/main" xmlns:r="http://schemas.openxmlformats.org/officeDocument/2006/relationships" xmlns:p="http://schemas.openxmlformats.org/presentationml/2006/main">
+  <p:cmAuthor id="1" name="宇洁 邱" initials="宇洁" lastIdx="1" clrIdx="0">
+    <p:extLst>
+      <p:ext uri="{19B8F6BF-5375-455C-9EA6-DF929625EA0E}">
+        <p15:presenceInfo xmlns:p15="http://schemas.microsoft.com/office/powerpoint/2012/main" userId="cb14d7b9ee5e2368" providerId="Windows Live"/>
+      </p:ext>
+    </p:extLst>
+  </p:cmAuthor>
+</p:cmAuthorLst>
+</file>
+
 <file path=ppt/slideLayouts/slideLayout1.xml><?xml version="1.0" encoding="utf-8"?>
 <p:sldLayout xmlns:a="http://schemas.openxmlformats.org/drawingml/2006/main" xmlns:r="http://schemas.openxmlformats.org/officeDocument/2006/relationships" xmlns:p="http://schemas.openxmlformats.org/presentationml/2006/main" type="title" preserve="1">
   <p:cSld name="标题幻灯片">
@@ -184,10 +204,9 @@
           </a:lstStyle>
           <a:p>
             <a:r>
-              <a:rPr lang="zh-CN" altLang="en-US" smtClean="0"/>
+              <a:rPr lang="zh-CN" altLang="en-US"/>
               <a:t>单击此处编辑母版标题样式</a:t>
             </a:r>
-            <a:endParaRPr lang="zh-CN" altLang="en-US"/>
           </a:p>
         </p:txBody>
       </p:sp>
@@ -249,10 +268,9 @@
           </a:lstStyle>
           <a:p>
             <a:r>
-              <a:rPr lang="zh-CN" altLang="en-US" smtClean="0"/>
+              <a:rPr lang="zh-CN" altLang="en-US"/>
               <a:t>单击以编辑母版副标题样式</a:t>
             </a:r>
-            <a:endParaRPr lang="zh-CN" altLang="en-US"/>
           </a:p>
         </p:txBody>
       </p:sp>
@@ -273,7 +291,7 @@
           <a:p>
             <a:fld id="{F87617FB-8A08-49EA-AAB1-E559B965B279}" type="datetimeFigureOut">
               <a:rPr lang="zh-CN" altLang="en-US" smtClean="0"/>
-              <a:t>2021/1/14</a:t>
+              <a:t>2021/7/4</a:t>
             </a:fld>
             <a:endParaRPr lang="zh-CN" altLang="en-US"/>
           </a:p>
@@ -367,10 +385,9 @@
           <a:lstStyle/>
           <a:p>
             <a:r>
-              <a:rPr lang="zh-CN" altLang="en-US" smtClean="0"/>
+              <a:rPr lang="zh-CN" altLang="en-US"/>
               <a:t>单击此处编辑母版标题样式</a:t>
             </a:r>
-            <a:endParaRPr lang="zh-CN" altLang="en-US"/>
           </a:p>
         </p:txBody>
       </p:sp>
@@ -391,38 +408,37 @@
           <a:p>
             <a:pPr lvl="0"/>
             <a:r>
-              <a:rPr lang="zh-CN" altLang="en-US" smtClean="0"/>
+              <a:rPr lang="zh-CN" altLang="en-US"/>
               <a:t>编辑母版文本样式</a:t>
             </a:r>
           </a:p>
           <a:p>
             <a:pPr lvl="1"/>
             <a:r>
-              <a:rPr lang="zh-CN" altLang="en-US" smtClean="0"/>
+              <a:rPr lang="zh-CN" altLang="en-US"/>
               <a:t>第二级</a:t>
             </a:r>
           </a:p>
           <a:p>
             <a:pPr lvl="2"/>
             <a:r>
-              <a:rPr lang="zh-CN" altLang="en-US" smtClean="0"/>
+              <a:rPr lang="zh-CN" altLang="en-US"/>
               <a:t>第三级</a:t>
             </a:r>
           </a:p>
           <a:p>
             <a:pPr lvl="3"/>
             <a:r>
-              <a:rPr lang="zh-CN" altLang="en-US" smtClean="0"/>
+              <a:rPr lang="zh-CN" altLang="en-US"/>
               <a:t>第四级</a:t>
             </a:r>
           </a:p>
           <a:p>
             <a:pPr lvl="4"/>
             <a:r>
-              <a:rPr lang="zh-CN" altLang="en-US" smtClean="0"/>
+              <a:rPr lang="zh-CN" altLang="en-US"/>
               <a:t>第五级</a:t>
             </a:r>
-            <a:endParaRPr lang="zh-CN" altLang="en-US"/>
           </a:p>
         </p:txBody>
       </p:sp>
@@ -443,7 +459,7 @@
           <a:p>
             <a:fld id="{F87617FB-8A08-49EA-AAB1-E559B965B279}" type="datetimeFigureOut">
               <a:rPr lang="zh-CN" altLang="en-US" smtClean="0"/>
-              <a:t>2021/1/14</a:t>
+              <a:t>2021/7/4</a:t>
             </a:fld>
             <a:endParaRPr lang="zh-CN" altLang="en-US"/>
           </a:p>
@@ -542,10 +558,9 @@
           <a:lstStyle/>
           <a:p>
             <a:r>
-              <a:rPr lang="zh-CN" altLang="en-US" smtClean="0"/>
+              <a:rPr lang="zh-CN" altLang="en-US"/>
               <a:t>单击此处编辑母版标题样式</a:t>
             </a:r>
-            <a:endParaRPr lang="zh-CN" altLang="en-US"/>
           </a:p>
         </p:txBody>
       </p:sp>
@@ -571,38 +586,37 @@
           <a:p>
             <a:pPr lvl="0"/>
             <a:r>
-              <a:rPr lang="zh-CN" altLang="en-US" smtClean="0"/>
+              <a:rPr lang="zh-CN" altLang="en-US"/>
               <a:t>编辑母版文本样式</a:t>
             </a:r>
           </a:p>
           <a:p>
             <a:pPr lvl="1"/>
             <a:r>
-              <a:rPr lang="zh-CN" altLang="en-US" smtClean="0"/>
+              <a:rPr lang="zh-CN" altLang="en-US"/>
               <a:t>第二级</a:t>
             </a:r>
           </a:p>
           <a:p>
             <a:pPr lvl="2"/>
             <a:r>
-              <a:rPr lang="zh-CN" altLang="en-US" smtClean="0"/>
+              <a:rPr lang="zh-CN" altLang="en-US"/>
               <a:t>第三级</a:t>
             </a:r>
           </a:p>
           <a:p>
             <a:pPr lvl="3"/>
             <a:r>
-              <a:rPr lang="zh-CN" altLang="en-US" smtClean="0"/>
+              <a:rPr lang="zh-CN" altLang="en-US"/>
               <a:t>第四级</a:t>
             </a:r>
           </a:p>
           <a:p>
             <a:pPr lvl="4"/>
             <a:r>
-              <a:rPr lang="zh-CN" altLang="en-US" smtClean="0"/>
+              <a:rPr lang="zh-CN" altLang="en-US"/>
               <a:t>第五级</a:t>
             </a:r>
-            <a:endParaRPr lang="zh-CN" altLang="en-US"/>
           </a:p>
         </p:txBody>
       </p:sp>
@@ -623,7 +637,7 @@
           <a:p>
             <a:fld id="{F87617FB-8A08-49EA-AAB1-E559B965B279}" type="datetimeFigureOut">
               <a:rPr lang="zh-CN" altLang="en-US" smtClean="0"/>
-              <a:t>2021/1/14</a:t>
+              <a:t>2021/7/4</a:t>
             </a:fld>
             <a:endParaRPr lang="zh-CN" altLang="en-US"/>
           </a:p>
@@ -717,10 +731,9 @@
           <a:lstStyle/>
           <a:p>
             <a:r>
-              <a:rPr lang="zh-CN" altLang="en-US" smtClean="0"/>
+              <a:rPr lang="zh-CN" altLang="en-US"/>
               <a:t>单击此处编辑母版标题样式</a:t>
             </a:r>
-            <a:endParaRPr lang="zh-CN" altLang="en-US"/>
           </a:p>
         </p:txBody>
       </p:sp>
@@ -741,38 +754,37 @@
           <a:p>
             <a:pPr lvl="0"/>
             <a:r>
-              <a:rPr lang="zh-CN" altLang="en-US" smtClean="0"/>
+              <a:rPr lang="zh-CN" altLang="en-US"/>
               <a:t>编辑母版文本样式</a:t>
             </a:r>
           </a:p>
           <a:p>
             <a:pPr lvl="1"/>
             <a:r>
-              <a:rPr lang="zh-CN" altLang="en-US" smtClean="0"/>
+              <a:rPr lang="zh-CN" altLang="en-US"/>
               <a:t>第二级</a:t>
             </a:r>
           </a:p>
           <a:p>
             <a:pPr lvl="2"/>
             <a:r>
-              <a:rPr lang="zh-CN" altLang="en-US" smtClean="0"/>
+              <a:rPr lang="zh-CN" altLang="en-US"/>
               <a:t>第三级</a:t>
             </a:r>
           </a:p>
           <a:p>
             <a:pPr lvl="3"/>
             <a:r>
-              <a:rPr lang="zh-CN" altLang="en-US" smtClean="0"/>
+              <a:rPr lang="zh-CN" altLang="en-US"/>
               <a:t>第四级</a:t>
             </a:r>
           </a:p>
           <a:p>
             <a:pPr lvl="4"/>
             <a:r>
-              <a:rPr lang="zh-CN" altLang="en-US" smtClean="0"/>
+              <a:rPr lang="zh-CN" altLang="en-US"/>
               <a:t>第五级</a:t>
             </a:r>
-            <a:endParaRPr lang="zh-CN" altLang="en-US"/>
           </a:p>
         </p:txBody>
       </p:sp>
@@ -793,7 +805,7 @@
           <a:p>
             <a:fld id="{F87617FB-8A08-49EA-AAB1-E559B965B279}" type="datetimeFigureOut">
               <a:rPr lang="zh-CN" altLang="en-US" smtClean="0"/>
-              <a:t>2021/1/14</a:t>
+              <a:t>2021/7/4</a:t>
             </a:fld>
             <a:endParaRPr lang="zh-CN" altLang="en-US"/>
           </a:p>
@@ -896,10 +908,9 @@
           </a:lstStyle>
           <a:p>
             <a:r>
-              <a:rPr lang="zh-CN" altLang="en-US" smtClean="0"/>
+              <a:rPr lang="zh-CN" altLang="en-US"/>
               <a:t>单击此处编辑母版标题样式</a:t>
             </a:r>
-            <a:endParaRPr lang="zh-CN" altLang="en-US"/>
           </a:p>
         </p:txBody>
       </p:sp>
@@ -1016,7 +1027,7 @@
           <a:p>
             <a:pPr lvl="0"/>
             <a:r>
-              <a:rPr lang="zh-CN" altLang="en-US" smtClean="0"/>
+              <a:rPr lang="zh-CN" altLang="en-US"/>
               <a:t>编辑母版文本样式</a:t>
             </a:r>
           </a:p>
@@ -1039,7 +1050,7 @@
           <a:p>
             <a:fld id="{F87617FB-8A08-49EA-AAB1-E559B965B279}" type="datetimeFigureOut">
               <a:rPr lang="zh-CN" altLang="en-US" smtClean="0"/>
-              <a:t>2021/1/14</a:t>
+              <a:t>2021/7/4</a:t>
             </a:fld>
             <a:endParaRPr lang="zh-CN" altLang="en-US"/>
           </a:p>
@@ -1133,10 +1144,9 @@
           <a:lstStyle/>
           <a:p>
             <a:r>
-              <a:rPr lang="zh-CN" altLang="en-US" smtClean="0"/>
+              <a:rPr lang="zh-CN" altLang="en-US"/>
               <a:t>单击此处编辑母版标题样式</a:t>
             </a:r>
-            <a:endParaRPr lang="zh-CN" altLang="en-US"/>
           </a:p>
         </p:txBody>
       </p:sp>
@@ -1162,38 +1172,37 @@
           <a:p>
             <a:pPr lvl="0"/>
             <a:r>
-              <a:rPr lang="zh-CN" altLang="en-US" smtClean="0"/>
+              <a:rPr lang="zh-CN" altLang="en-US"/>
               <a:t>编辑母版文本样式</a:t>
             </a:r>
           </a:p>
           <a:p>
             <a:pPr lvl="1"/>
             <a:r>
-              <a:rPr lang="zh-CN" altLang="en-US" smtClean="0"/>
+              <a:rPr lang="zh-CN" altLang="en-US"/>
               <a:t>第二级</a:t>
             </a:r>
           </a:p>
           <a:p>
             <a:pPr lvl="2"/>
             <a:r>
-              <a:rPr lang="zh-CN" altLang="en-US" smtClean="0"/>
+              <a:rPr lang="zh-CN" altLang="en-US"/>
               <a:t>第三级</a:t>
             </a:r>
           </a:p>
           <a:p>
             <a:pPr lvl="3"/>
             <a:r>
-              <a:rPr lang="zh-CN" altLang="en-US" smtClean="0"/>
+              <a:rPr lang="zh-CN" altLang="en-US"/>
               <a:t>第四级</a:t>
             </a:r>
           </a:p>
           <a:p>
             <a:pPr lvl="4"/>
             <a:r>
-              <a:rPr lang="zh-CN" altLang="en-US" smtClean="0"/>
+              <a:rPr lang="zh-CN" altLang="en-US"/>
               <a:t>第五级</a:t>
             </a:r>
-            <a:endParaRPr lang="zh-CN" altLang="en-US"/>
           </a:p>
         </p:txBody>
       </p:sp>
@@ -1219,38 +1228,37 @@
           <a:p>
             <a:pPr lvl="0"/>
             <a:r>
-              <a:rPr lang="zh-CN" altLang="en-US" smtClean="0"/>
+              <a:rPr lang="zh-CN" altLang="en-US"/>
               <a:t>编辑母版文本样式</a:t>
             </a:r>
           </a:p>
           <a:p>
             <a:pPr lvl="1"/>
             <a:r>
-              <a:rPr lang="zh-CN" altLang="en-US" smtClean="0"/>
+              <a:rPr lang="zh-CN" altLang="en-US"/>
               <a:t>第二级</a:t>
             </a:r>
           </a:p>
           <a:p>
             <a:pPr lvl="2"/>
             <a:r>
-              <a:rPr lang="zh-CN" altLang="en-US" smtClean="0"/>
+              <a:rPr lang="zh-CN" altLang="en-US"/>
               <a:t>第三级</a:t>
             </a:r>
           </a:p>
           <a:p>
             <a:pPr lvl="3"/>
             <a:r>
-              <a:rPr lang="zh-CN" altLang="en-US" smtClean="0"/>
+              <a:rPr lang="zh-CN" altLang="en-US"/>
               <a:t>第四级</a:t>
             </a:r>
           </a:p>
           <a:p>
             <a:pPr lvl="4"/>
             <a:r>
-              <a:rPr lang="zh-CN" altLang="en-US" smtClean="0"/>
+              <a:rPr lang="zh-CN" altLang="en-US"/>
               <a:t>第五级</a:t>
             </a:r>
-            <a:endParaRPr lang="zh-CN" altLang="en-US"/>
           </a:p>
         </p:txBody>
       </p:sp>
@@ -1271,7 +1279,7 @@
           <a:p>
             <a:fld id="{F87617FB-8A08-49EA-AAB1-E559B965B279}" type="datetimeFigureOut">
               <a:rPr lang="zh-CN" altLang="en-US" smtClean="0"/>
-              <a:t>2021/1/14</a:t>
+              <a:t>2021/7/4</a:t>
             </a:fld>
             <a:endParaRPr lang="zh-CN" altLang="en-US"/>
           </a:p>
@@ -1370,10 +1378,9 @@
           <a:lstStyle/>
           <a:p>
             <a:r>
-              <a:rPr lang="zh-CN" altLang="en-US" smtClean="0"/>
+              <a:rPr lang="zh-CN" altLang="en-US"/>
               <a:t>单击此处编辑母版标题样式</a:t>
             </a:r>
-            <a:endParaRPr lang="zh-CN" altLang="en-US"/>
           </a:p>
         </p:txBody>
       </p:sp>
@@ -1436,7 +1443,7 @@
           <a:p>
             <a:pPr lvl="0"/>
             <a:r>
-              <a:rPr lang="zh-CN" altLang="en-US" smtClean="0"/>
+              <a:rPr lang="zh-CN" altLang="en-US"/>
               <a:t>编辑母版文本样式</a:t>
             </a:r>
           </a:p>
@@ -1464,38 +1471,37 @@
           <a:p>
             <a:pPr lvl="0"/>
             <a:r>
-              <a:rPr lang="zh-CN" altLang="en-US" smtClean="0"/>
+              <a:rPr lang="zh-CN" altLang="en-US"/>
               <a:t>编辑母版文本样式</a:t>
             </a:r>
           </a:p>
           <a:p>
             <a:pPr lvl="1"/>
             <a:r>
-              <a:rPr lang="zh-CN" altLang="en-US" smtClean="0"/>
+              <a:rPr lang="zh-CN" altLang="en-US"/>
               <a:t>第二级</a:t>
             </a:r>
           </a:p>
           <a:p>
             <a:pPr lvl="2"/>
             <a:r>
-              <a:rPr lang="zh-CN" altLang="en-US" smtClean="0"/>
+              <a:rPr lang="zh-CN" altLang="en-US"/>
               <a:t>第三级</a:t>
             </a:r>
           </a:p>
           <a:p>
             <a:pPr lvl="3"/>
             <a:r>
-              <a:rPr lang="zh-CN" altLang="en-US" smtClean="0"/>
+              <a:rPr lang="zh-CN" altLang="en-US"/>
               <a:t>第四级</a:t>
             </a:r>
           </a:p>
           <a:p>
             <a:pPr lvl="4"/>
             <a:r>
-              <a:rPr lang="zh-CN" altLang="en-US" smtClean="0"/>
+              <a:rPr lang="zh-CN" altLang="en-US"/>
               <a:t>第五级</a:t>
             </a:r>
-            <a:endParaRPr lang="zh-CN" altLang="en-US"/>
           </a:p>
         </p:txBody>
       </p:sp>
@@ -1558,7 +1564,7 @@
           <a:p>
             <a:pPr lvl="0"/>
             <a:r>
-              <a:rPr lang="zh-CN" altLang="en-US" smtClean="0"/>
+              <a:rPr lang="zh-CN" altLang="en-US"/>
               <a:t>编辑母版文本样式</a:t>
             </a:r>
           </a:p>
@@ -1586,38 +1592,37 @@
           <a:p>
             <a:pPr lvl="0"/>
             <a:r>
-              <a:rPr lang="zh-CN" altLang="en-US" smtClean="0"/>
+              <a:rPr lang="zh-CN" altLang="en-US"/>
               <a:t>编辑母版文本样式</a:t>
             </a:r>
           </a:p>
           <a:p>
             <a:pPr lvl="1"/>
             <a:r>
-              <a:rPr lang="zh-CN" altLang="en-US" smtClean="0"/>
+              <a:rPr lang="zh-CN" altLang="en-US"/>
               <a:t>第二级</a:t>
             </a:r>
           </a:p>
           <a:p>
             <a:pPr lvl="2"/>
             <a:r>
-              <a:rPr lang="zh-CN" altLang="en-US" smtClean="0"/>
+              <a:rPr lang="zh-CN" altLang="en-US"/>
               <a:t>第三级</a:t>
             </a:r>
           </a:p>
           <a:p>
             <a:pPr lvl="3"/>
             <a:r>
-              <a:rPr lang="zh-CN" altLang="en-US" smtClean="0"/>
+              <a:rPr lang="zh-CN" altLang="en-US"/>
               <a:t>第四级</a:t>
             </a:r>
           </a:p>
           <a:p>
             <a:pPr lvl="4"/>
             <a:r>
-              <a:rPr lang="zh-CN" altLang="en-US" smtClean="0"/>
+              <a:rPr lang="zh-CN" altLang="en-US"/>
               <a:t>第五级</a:t>
             </a:r>
-            <a:endParaRPr lang="zh-CN" altLang="en-US"/>
           </a:p>
         </p:txBody>
       </p:sp>
@@ -1638,7 +1643,7 @@
           <a:p>
             <a:fld id="{F87617FB-8A08-49EA-AAB1-E559B965B279}" type="datetimeFigureOut">
               <a:rPr lang="zh-CN" altLang="en-US" smtClean="0"/>
-              <a:t>2021/1/14</a:t>
+              <a:t>2021/7/4</a:t>
             </a:fld>
             <a:endParaRPr lang="zh-CN" altLang="en-US"/>
           </a:p>
@@ -1732,10 +1737,9 @@
           <a:lstStyle/>
           <a:p>
             <a:r>
-              <a:rPr lang="zh-CN" altLang="en-US" smtClean="0"/>
+              <a:rPr lang="zh-CN" altLang="en-US"/>
               <a:t>单击此处编辑母版标题样式</a:t>
             </a:r>
-            <a:endParaRPr lang="zh-CN" altLang="en-US"/>
           </a:p>
         </p:txBody>
       </p:sp>
@@ -1756,7 +1760,7 @@
           <a:p>
             <a:fld id="{F87617FB-8A08-49EA-AAB1-E559B965B279}" type="datetimeFigureOut">
               <a:rPr lang="zh-CN" altLang="en-US" smtClean="0"/>
-              <a:t>2021/1/14</a:t>
+              <a:t>2021/7/4</a:t>
             </a:fld>
             <a:endParaRPr lang="zh-CN" altLang="en-US"/>
           </a:p>
@@ -1851,7 +1855,7 @@
           <a:p>
             <a:fld id="{F87617FB-8A08-49EA-AAB1-E559B965B279}" type="datetimeFigureOut">
               <a:rPr lang="zh-CN" altLang="en-US" smtClean="0"/>
-              <a:t>2021/1/14</a:t>
+              <a:t>2021/7/4</a:t>
             </a:fld>
             <a:endParaRPr lang="zh-CN" altLang="en-US"/>
           </a:p>
@@ -1954,10 +1958,9 @@
           </a:lstStyle>
           <a:p>
             <a:r>
-              <a:rPr lang="zh-CN" altLang="en-US" smtClean="0"/>
+              <a:rPr lang="zh-CN" altLang="en-US"/>
               <a:t>单击此处编辑母版标题样式</a:t>
             </a:r>
-            <a:endParaRPr lang="zh-CN" altLang="en-US"/>
           </a:p>
         </p:txBody>
       </p:sp>
@@ -2011,38 +2014,37 @@
           <a:p>
             <a:pPr lvl="0"/>
             <a:r>
-              <a:rPr lang="zh-CN" altLang="en-US" smtClean="0"/>
+              <a:rPr lang="zh-CN" altLang="en-US"/>
               <a:t>编辑母版文本样式</a:t>
             </a:r>
           </a:p>
           <a:p>
             <a:pPr lvl="1"/>
             <a:r>
-              <a:rPr lang="zh-CN" altLang="en-US" smtClean="0"/>
+              <a:rPr lang="zh-CN" altLang="en-US"/>
               <a:t>第二级</a:t>
             </a:r>
           </a:p>
           <a:p>
             <a:pPr lvl="2"/>
             <a:r>
-              <a:rPr lang="zh-CN" altLang="en-US" smtClean="0"/>
+              <a:rPr lang="zh-CN" altLang="en-US"/>
               <a:t>第三级</a:t>
             </a:r>
           </a:p>
           <a:p>
             <a:pPr lvl="3"/>
             <a:r>
-              <a:rPr lang="zh-CN" altLang="en-US" smtClean="0"/>
+              <a:rPr lang="zh-CN" altLang="en-US"/>
               <a:t>第四级</a:t>
             </a:r>
           </a:p>
           <a:p>
             <a:pPr lvl="4"/>
             <a:r>
-              <a:rPr lang="zh-CN" altLang="en-US" smtClean="0"/>
+              <a:rPr lang="zh-CN" altLang="en-US"/>
               <a:t>第五级</a:t>
             </a:r>
-            <a:endParaRPr lang="zh-CN" altLang="en-US"/>
           </a:p>
         </p:txBody>
       </p:sp>
@@ -2105,7 +2107,7 @@
           <a:p>
             <a:pPr lvl="0"/>
             <a:r>
-              <a:rPr lang="zh-CN" altLang="en-US" smtClean="0"/>
+              <a:rPr lang="zh-CN" altLang="en-US"/>
               <a:t>编辑母版文本样式</a:t>
             </a:r>
           </a:p>
@@ -2128,7 +2130,7 @@
           <a:p>
             <a:fld id="{F87617FB-8A08-49EA-AAB1-E559B965B279}" type="datetimeFigureOut">
               <a:rPr lang="zh-CN" altLang="en-US" smtClean="0"/>
-              <a:t>2021/1/14</a:t>
+              <a:t>2021/7/4</a:t>
             </a:fld>
             <a:endParaRPr lang="zh-CN" altLang="en-US"/>
           </a:p>
@@ -2231,10 +2233,9 @@
           </a:lstStyle>
           <a:p>
             <a:r>
-              <a:rPr lang="zh-CN" altLang="en-US" smtClean="0"/>
+              <a:rPr lang="zh-CN" altLang="en-US"/>
               <a:t>单击此处编辑母版标题样式</a:t>
             </a:r>
-            <a:endParaRPr lang="zh-CN" altLang="en-US"/>
           </a:p>
         </p:txBody>
       </p:sp>
@@ -2358,7 +2359,7 @@
           <a:p>
             <a:pPr lvl="0"/>
             <a:r>
-              <a:rPr lang="zh-CN" altLang="en-US" smtClean="0"/>
+              <a:rPr lang="zh-CN" altLang="en-US"/>
               <a:t>编辑母版文本样式</a:t>
             </a:r>
           </a:p>
@@ -2381,7 +2382,7 @@
           <a:p>
             <a:fld id="{F87617FB-8A08-49EA-AAB1-E559B965B279}" type="datetimeFigureOut">
               <a:rPr lang="zh-CN" altLang="en-US" smtClean="0"/>
-              <a:t>2021/1/14</a:t>
+              <a:t>2021/7/4</a:t>
             </a:fld>
             <a:endParaRPr lang="zh-CN" altLang="en-US"/>
           </a:p>
@@ -2490,10 +2491,9 @@
           <a:lstStyle/>
           <a:p>
             <a:r>
-              <a:rPr lang="zh-CN" altLang="en-US" smtClean="0"/>
+              <a:rPr lang="zh-CN" altLang="en-US"/>
               <a:t>单击此处编辑母版标题样式</a:t>
             </a:r>
-            <a:endParaRPr lang="zh-CN" altLang="en-US"/>
           </a:p>
         </p:txBody>
       </p:sp>
@@ -2524,38 +2524,37 @@
           <a:p>
             <a:pPr lvl="0"/>
             <a:r>
-              <a:rPr lang="zh-CN" altLang="en-US" smtClean="0"/>
+              <a:rPr lang="zh-CN" altLang="en-US"/>
               <a:t>编辑母版文本样式</a:t>
             </a:r>
           </a:p>
           <a:p>
             <a:pPr lvl="1"/>
             <a:r>
-              <a:rPr lang="zh-CN" altLang="en-US" smtClean="0"/>
+              <a:rPr lang="zh-CN" altLang="en-US"/>
               <a:t>第二级</a:t>
             </a:r>
           </a:p>
           <a:p>
             <a:pPr lvl="2"/>
             <a:r>
-              <a:rPr lang="zh-CN" altLang="en-US" smtClean="0"/>
+              <a:rPr lang="zh-CN" altLang="en-US"/>
               <a:t>第三级</a:t>
             </a:r>
           </a:p>
           <a:p>
             <a:pPr lvl="3"/>
             <a:r>
-              <a:rPr lang="zh-CN" altLang="en-US" smtClean="0"/>
+              <a:rPr lang="zh-CN" altLang="en-US"/>
               <a:t>第四级</a:t>
             </a:r>
           </a:p>
           <a:p>
             <a:pPr lvl="4"/>
             <a:r>
-              <a:rPr lang="zh-CN" altLang="en-US" smtClean="0"/>
+              <a:rPr lang="zh-CN" altLang="en-US"/>
               <a:t>第五级</a:t>
             </a:r>
-            <a:endParaRPr lang="zh-CN" altLang="en-US"/>
           </a:p>
         </p:txBody>
       </p:sp>
@@ -2594,7 +2593,7 @@
           <a:p>
             <a:fld id="{F87617FB-8A08-49EA-AAB1-E559B965B279}" type="datetimeFigureOut">
               <a:rPr lang="zh-CN" altLang="en-US" smtClean="0"/>
-              <a:t>2021/1/14</a:t>
+              <a:t>2021/7/4</a:t>
             </a:fld>
             <a:endParaRPr lang="zh-CN" altLang="en-US"/>
           </a:p>
@@ -3478,7 +3477,7 @@
           <a:p>
             <a:pPr algn="ctr"/>
             <a:r>
-              <a:rPr lang="zh-CN" altLang="en-US" sz="1100" dirty="0" smtClean="0">
+              <a:rPr lang="zh-CN" altLang="en-US" sz="1100" dirty="0">
                 <a:solidFill>
                   <a:srgbClr val="18282E"/>
                 </a:solidFill>
@@ -3487,13 +3486,6 @@
               </a:rPr>
               <a:t>车辆入库</a:t>
             </a:r>
-            <a:endParaRPr lang="zh-CN" altLang="en-US" sz="1100" dirty="0">
-              <a:solidFill>
-                <a:srgbClr val="18282E"/>
-              </a:solidFill>
-              <a:latin typeface="微软雅黑" panose="020B0503020204020204" pitchFamily="34" charset="-122"/>
-              <a:ea typeface="微软雅黑" panose="020B0503020204020204" pitchFamily="34" charset="-122"/>
-            </a:endParaRPr>
           </a:p>
         </p:txBody>
       </p:sp>
@@ -3521,7 +3513,7 @@
           <a:p>
             <a:pPr algn="ctr"/>
             <a:r>
-              <a:rPr lang="zh-CN" altLang="en-US" sz="1100" dirty="0" smtClean="0">
+              <a:rPr lang="zh-CN" altLang="en-US" sz="1100" dirty="0">
                 <a:solidFill>
                   <a:srgbClr val="18282E"/>
                 </a:solidFill>
@@ -3530,13 +3522,6 @@
               </a:rPr>
               <a:t>车辆销售</a:t>
             </a:r>
-            <a:endParaRPr lang="zh-CN" altLang="en-US" sz="1100" dirty="0">
-              <a:solidFill>
-                <a:srgbClr val="18282E"/>
-              </a:solidFill>
-              <a:latin typeface="微软雅黑" panose="020B0503020204020204" pitchFamily="34" charset="-122"/>
-              <a:ea typeface="微软雅黑" panose="020B0503020204020204" pitchFamily="34" charset="-122"/>
-            </a:endParaRPr>
           </a:p>
         </p:txBody>
       </p:sp>
@@ -3564,7 +3549,7 @@
           <a:p>
             <a:pPr algn="ctr"/>
             <a:r>
-              <a:rPr lang="zh-CN" altLang="en-US" sz="1100" dirty="0" smtClean="0">
+              <a:rPr lang="zh-CN" altLang="en-US" sz="1100" dirty="0">
                 <a:solidFill>
                   <a:srgbClr val="18282E"/>
                 </a:solidFill>
@@ -3573,13 +3558,6 @@
               </a:rPr>
               <a:t>统计报表</a:t>
             </a:r>
-            <a:endParaRPr lang="zh-CN" altLang="en-US" sz="1100" dirty="0">
-              <a:solidFill>
-                <a:srgbClr val="18282E"/>
-              </a:solidFill>
-              <a:latin typeface="微软雅黑" panose="020B0503020204020204" pitchFamily="34" charset="-122"/>
-              <a:ea typeface="微软雅黑" panose="020B0503020204020204" pitchFamily="34" charset="-122"/>
-            </a:endParaRPr>
           </a:p>
         </p:txBody>
       </p:sp>
@@ -3607,7 +3585,7 @@
           <a:p>
             <a:pPr algn="ctr"/>
             <a:r>
-              <a:rPr lang="zh-CN" altLang="en-US" sz="1100" dirty="0" smtClean="0">
+              <a:rPr lang="zh-CN" altLang="en-US" sz="1100" dirty="0">
                 <a:solidFill>
                   <a:srgbClr val="18282E"/>
                 </a:solidFill>
@@ -3616,13 +3594,6 @@
               </a:rPr>
               <a:t>版权信息</a:t>
             </a:r>
-            <a:endParaRPr lang="zh-CN" altLang="en-US" sz="1100" dirty="0">
-              <a:solidFill>
-                <a:srgbClr val="18282E"/>
-              </a:solidFill>
-              <a:latin typeface="微软雅黑" panose="020B0503020204020204" pitchFamily="34" charset="-122"/>
-              <a:ea typeface="微软雅黑" panose="020B0503020204020204" pitchFamily="34" charset="-122"/>
-            </a:endParaRPr>
           </a:p>
         </p:txBody>
       </p:sp>
@@ -4092,7 +4063,7 @@
           <a:p>
             <a:pPr algn="ctr"/>
             <a:r>
-              <a:rPr lang="zh-CN" altLang="en-US" sz="1600" dirty="0" smtClean="0">
+              <a:rPr lang="zh-CN" altLang="en-US" sz="1600" dirty="0">
                 <a:solidFill>
                   <a:schemeClr val="bg1"/>
                 </a:solidFill>
@@ -4101,13 +4072,6 @@
               </a:rPr>
               <a:t>万达鑫名车</a:t>
             </a:r>
-            <a:endParaRPr lang="zh-CN" altLang="en-US" sz="1600" dirty="0">
-              <a:solidFill>
-                <a:schemeClr val="bg1"/>
-              </a:solidFill>
-              <a:latin typeface="黑体" panose="02010609060101010101" pitchFamily="49" charset="-122"/>
-              <a:ea typeface="黑体" panose="02010609060101010101" pitchFamily="49" charset="-122"/>
-            </a:endParaRPr>
           </a:p>
         </p:txBody>
       </p:sp>
@@ -4133,7 +4097,7 @@
           <a:lstStyle/>
           <a:p>
             <a:r>
-              <a:rPr lang="en-US" altLang="zh-CN" dirty="0" smtClean="0"/>
+              <a:rPr lang="en-US" altLang="zh-CN" dirty="0"/>
               <a:t>fa-bars</a:t>
             </a:r>
             <a:endParaRPr lang="zh-CN" altLang="en-US" dirty="0"/>
@@ -4395,7 +4359,7 @@
             <a:p>
               <a:pPr algn="ctr"/>
               <a:r>
-                <a:rPr lang="zh-CN" altLang="en-US" sz="1100" dirty="0" smtClean="0">
+                <a:rPr lang="zh-CN" altLang="en-US" sz="1100" dirty="0">
                   <a:solidFill>
                     <a:srgbClr val="18282E"/>
                   </a:solidFill>
@@ -4404,13 +4368,6 @@
                 </a:rPr>
                 <a:t>车辆列表</a:t>
               </a:r>
-              <a:endParaRPr lang="zh-CN" altLang="en-US" sz="1100" dirty="0">
-                <a:solidFill>
-                  <a:srgbClr val="18282E"/>
-                </a:solidFill>
-                <a:latin typeface="微软雅黑" panose="020B0503020204020204" pitchFamily="34" charset="-122"/>
-                <a:ea typeface="微软雅黑" panose="020B0503020204020204" pitchFamily="34" charset="-122"/>
-              </a:endParaRPr>
             </a:p>
           </p:txBody>
         </p:sp>
@@ -4522,117 +4479,116 @@
           <a:lstStyle/>
           <a:p>
             <a:r>
-              <a:rPr lang="en-US" altLang="zh-CN" dirty="0" err="1" smtClean="0"/>
+              <a:rPr lang="en-US" altLang="zh-CN" dirty="0" err="1"/>
               <a:t>vehicleNum</a:t>
             </a:r>
             <a:r>
-              <a:rPr lang="en-US" altLang="zh-CN" dirty="0" smtClean="0"/>
+              <a:rPr lang="en-US" altLang="zh-CN" dirty="0"/>
               <a:t>: string</a:t>
             </a:r>
           </a:p>
           <a:p>
             <a:r>
-              <a:rPr lang="en-US" altLang="zh-CN" dirty="0" err="1" smtClean="0"/>
+              <a:rPr lang="en-US" altLang="zh-CN" dirty="0" err="1"/>
               <a:t>licensePlate</a:t>
             </a:r>
             <a:r>
-              <a:rPr lang="en-US" altLang="zh-CN" dirty="0" smtClean="0"/>
+              <a:rPr lang="en-US" altLang="zh-CN" dirty="0"/>
               <a:t>: string</a:t>
             </a:r>
           </a:p>
           <a:p>
             <a:r>
-              <a:rPr lang="en-US" altLang="zh-CN" dirty="0" err="1" smtClean="0"/>
+              <a:rPr lang="en-US" altLang="zh-CN" dirty="0" err="1"/>
               <a:t>vehicleBrand</a:t>
             </a:r>
             <a:r>
-              <a:rPr lang="en-US" altLang="zh-CN" dirty="0" smtClean="0"/>
+              <a:rPr lang="en-US" altLang="zh-CN" dirty="0"/>
               <a:t>: string</a:t>
             </a:r>
           </a:p>
           <a:p>
             <a:r>
-              <a:rPr lang="en-US" altLang="zh-CN" dirty="0" err="1" smtClean="0"/>
+              <a:rPr lang="en-US" altLang="zh-CN" dirty="0" err="1"/>
               <a:t>registrationDate</a:t>
             </a:r>
             <a:r>
-              <a:rPr lang="en-US" altLang="zh-CN" dirty="0" smtClean="0"/>
+              <a:rPr lang="en-US" altLang="zh-CN" dirty="0"/>
               <a:t>: date</a:t>
             </a:r>
           </a:p>
           <a:p>
             <a:r>
-              <a:rPr lang="en-US" altLang="zh-CN" dirty="0" err="1" smtClean="0"/>
+              <a:rPr lang="en-US" altLang="zh-CN" dirty="0" err="1"/>
               <a:t>vehicleColor</a:t>
             </a:r>
             <a:r>
-              <a:rPr lang="en-US" altLang="zh-CN" dirty="0" smtClean="0"/>
+              <a:rPr lang="en-US" altLang="zh-CN" dirty="0"/>
               <a:t>: string</a:t>
             </a:r>
           </a:p>
           <a:p>
             <a:r>
-              <a:rPr lang="en-US" altLang="zh-CN" dirty="0" err="1" smtClean="0"/>
+              <a:rPr lang="en-US" altLang="zh-CN" dirty="0" err="1"/>
               <a:t>purchaseDate</a:t>
             </a:r>
             <a:r>
-              <a:rPr lang="en-US" altLang="zh-CN" dirty="0" smtClean="0"/>
+              <a:rPr lang="en-US" altLang="zh-CN" dirty="0"/>
               <a:t>: date</a:t>
             </a:r>
           </a:p>
           <a:p>
             <a:r>
-              <a:rPr lang="en-US" altLang="zh-CN" dirty="0" err="1" smtClean="0"/>
+              <a:rPr lang="en-US" altLang="zh-CN" dirty="0" err="1"/>
               <a:t>purchasePrice</a:t>
             </a:r>
             <a:r>
-              <a:rPr lang="en-US" altLang="zh-CN" dirty="0" smtClean="0"/>
+              <a:rPr lang="en-US" altLang="zh-CN" dirty="0"/>
               <a:t>: Integer</a:t>
             </a:r>
           </a:p>
           <a:p>
             <a:r>
-              <a:rPr lang="en-US" altLang="zh-CN" dirty="0" err="1" smtClean="0"/>
+              <a:rPr lang="en-US" altLang="zh-CN" dirty="0" err="1"/>
               <a:t>vehicleNote</a:t>
             </a:r>
             <a:r>
-              <a:rPr lang="en-US" altLang="zh-CN" dirty="0" smtClean="0"/>
+              <a:rPr lang="en-US" altLang="zh-CN" dirty="0"/>
               <a:t>: </a:t>
             </a:r>
             <a:r>
-              <a:rPr lang="en-US" altLang="zh-CN" dirty="0" err="1" smtClean="0"/>
+              <a:rPr lang="en-US" altLang="zh-CN" dirty="0" err="1"/>
               <a:t>sring</a:t>
             </a:r>
-            <a:endParaRPr lang="en-US" altLang="zh-CN" dirty="0" smtClean="0"/>
-          </a:p>
-          <a:p>
-            <a:r>
-              <a:rPr lang="en-US" altLang="zh-CN" dirty="0" err="1" smtClean="0"/>
+            <a:endParaRPr lang="en-US" altLang="zh-CN" dirty="0"/>
+          </a:p>
+          <a:p>
+            <a:r>
+              <a:rPr lang="en-US" altLang="zh-CN" dirty="0" err="1"/>
               <a:t>vehicleImg</a:t>
             </a:r>
             <a:r>
-              <a:rPr lang="en-US" altLang="zh-CN" dirty="0" smtClean="0"/>
+              <a:rPr lang="en-US" altLang="zh-CN" dirty="0"/>
               <a:t>: </a:t>
             </a:r>
             <a:r>
-              <a:rPr lang="en-US" altLang="zh-CN" dirty="0" err="1" smtClean="0"/>
+              <a:rPr lang="en-US" altLang="zh-CN" dirty="0" err="1"/>
               <a:t>imgFile</a:t>
             </a:r>
-            <a:endParaRPr lang="en-US" altLang="zh-CN" dirty="0" smtClean="0"/>
-          </a:p>
-          <a:p>
-            <a:r>
-              <a:rPr lang="en-US" altLang="zh-CN" dirty="0" err="1" smtClean="0"/>
+            <a:endParaRPr lang="en-US" altLang="zh-CN" dirty="0"/>
+          </a:p>
+          <a:p>
+            <a:r>
+              <a:rPr lang="en-US" altLang="zh-CN" dirty="0" err="1"/>
               <a:t>repairState</a:t>
             </a:r>
             <a:r>
-              <a:rPr lang="en-US" altLang="zh-CN" dirty="0" smtClean="0"/>
+              <a:rPr lang="en-US" altLang="zh-CN" dirty="0"/>
               <a:t>: Boolean</a:t>
             </a:r>
+          </a:p>
+          <a:p>
             <a:endParaRPr lang="en-US" altLang="zh-CN" dirty="0"/>
-          </a:p>
-          <a:p>
-            <a:endParaRPr lang="en-US" altLang="zh-CN" dirty="0" smtClean="0"/>
           </a:p>
         </p:txBody>
       </p:sp>
@@ -4658,21 +4614,21 @@
           <a:lstStyle/>
           <a:p>
             <a:r>
-              <a:rPr lang="en-US" altLang="zh-CN" dirty="0" err="1" smtClean="0"/>
+              <a:rPr lang="en-US" altLang="zh-CN" dirty="0" err="1"/>
               <a:t>partnerName</a:t>
             </a:r>
             <a:r>
-              <a:rPr lang="en-US" altLang="zh-CN" dirty="0" smtClean="0"/>
+              <a:rPr lang="en-US" altLang="zh-CN" dirty="0"/>
               <a:t>:</a:t>
             </a:r>
           </a:p>
           <a:p>
             <a:r>
-              <a:rPr lang="en-US" altLang="zh-CN" dirty="0" err="1" smtClean="0"/>
+              <a:rPr lang="en-US" altLang="zh-CN" dirty="0" err="1"/>
               <a:t>partnerPrice</a:t>
             </a:r>
             <a:r>
-              <a:rPr lang="en-US" altLang="zh-CN" dirty="0" smtClean="0"/>
+              <a:rPr lang="en-US" altLang="zh-CN" dirty="0"/>
               <a:t>:</a:t>
             </a:r>
             <a:endParaRPr lang="zh-CN" altLang="en-US" dirty="0"/>
@@ -4702,13 +4658,13 @@
           <a:lstStyle/>
           <a:p>
             <a:r>
-              <a:rPr lang="en-US" altLang="zh-CN" dirty="0" smtClean="0"/>
+              <a:rPr lang="en-US" altLang="zh-CN" dirty="0"/>
               <a:t>POST:</a:t>
             </a:r>
           </a:p>
           <a:p>
             <a:r>
-              <a:rPr lang="en-US" altLang="zh-CN" dirty="0" smtClean="0"/>
+              <a:rPr lang="en-US" altLang="zh-CN" dirty="0"/>
               <a:t>ok </a:t>
             </a:r>
             <a:endParaRPr lang="zh-CN" altLang="en-US" dirty="0"/>
@@ -4738,7 +4694,7 @@
           <a:lstStyle/>
           <a:p>
             <a:r>
-              <a:rPr lang="en-US" altLang="zh-CN" dirty="0" smtClean="0"/>
+              <a:rPr lang="en-US" altLang="zh-CN" dirty="0"/>
               <a:t>GET</a:t>
             </a:r>
           </a:p>
@@ -4774,13 +4730,13 @@
           <a:lstStyle/>
           <a:p>
             <a:r>
-              <a:rPr lang="en-US" altLang="zh-CN" dirty="0" smtClean="0"/>
+              <a:rPr lang="en-US" altLang="zh-CN" dirty="0"/>
               <a:t>PUT</a:t>
             </a:r>
           </a:p>
           <a:p>
             <a:r>
-              <a:rPr lang="en-US" altLang="zh-CN" dirty="0" smtClean="0"/>
+              <a:rPr lang="en-US" altLang="zh-CN" dirty="0"/>
               <a:t>ok</a:t>
             </a:r>
             <a:endParaRPr lang="zh-CN" altLang="en-US" dirty="0"/>
@@ -4810,13 +4766,13 @@
           <a:lstStyle/>
           <a:p>
             <a:r>
-              <a:rPr lang="en-US" altLang="zh-CN" dirty="0" smtClean="0"/>
+              <a:rPr lang="en-US" altLang="zh-CN" dirty="0"/>
               <a:t>DELETE</a:t>
             </a:r>
           </a:p>
           <a:p>
             <a:r>
-              <a:rPr lang="en-US" altLang="zh-CN" dirty="0" smtClean="0"/>
+              <a:rPr lang="en-US" altLang="zh-CN" dirty="0"/>
               <a:t>ok</a:t>
             </a:r>
             <a:endParaRPr lang="zh-CN" altLang="en-US" dirty="0"/>
@@ -4862,13 +4818,6 @@
   <p:clrMapOvr>
     <a:masterClrMapping/>
   </p:clrMapOvr>
-  <p:timing>
-    <p:tnLst>
-      <p:par>
-        <p:cTn id="1" dur="indefinite" restart="never" nodeType="tmRoot"/>
-      </p:par>
-    </p:tnLst>
-  </p:timing>
 </p:sld>
 </file>
 
@@ -4912,10 +4861,9 @@
           <a:lstStyle/>
           <a:p>
             <a:r>
-              <a:rPr lang="zh-CN" altLang="en-US" dirty="0" smtClean="0"/>
+              <a:rPr lang="zh-CN" altLang="en-US" dirty="0"/>
               <a:t>整备项目</a:t>
             </a:r>
-            <a:endParaRPr lang="zh-CN" altLang="en-US" dirty="0"/>
           </a:p>
         </p:txBody>
       </p:sp>
@@ -4991,57 +4939,56 @@
           <a:lstStyle/>
           <a:p>
             <a:r>
-              <a:rPr lang="en-US" altLang="zh-CN" dirty="0" err="1" smtClean="0"/>
+              <a:rPr lang="en-US" altLang="zh-CN" dirty="0" err="1"/>
               <a:t>vehicleNum</a:t>
             </a:r>
             <a:r>
-              <a:rPr lang="en-US" altLang="zh-CN" dirty="0" smtClean="0"/>
+              <a:rPr lang="en-US" altLang="zh-CN" dirty="0"/>
               <a:t>: String</a:t>
             </a:r>
           </a:p>
           <a:p>
-            <a:endParaRPr lang="en-US" altLang="zh-CN" dirty="0" smtClean="0"/>
-          </a:p>
-          <a:p>
-            <a:r>
-              <a:rPr lang="en-US" altLang="zh-CN" dirty="0" err="1" smtClean="0"/>
+            <a:endParaRPr lang="en-US" altLang="zh-CN" dirty="0"/>
+          </a:p>
+          <a:p>
+            <a:r>
+              <a:rPr lang="en-US" altLang="zh-CN" dirty="0" err="1"/>
               <a:t>repairItem</a:t>
             </a:r>
             <a:r>
-              <a:rPr lang="en-US" altLang="zh-CN" dirty="0" smtClean="0"/>
+              <a:rPr lang="en-US" altLang="zh-CN" dirty="0"/>
               <a:t>:  String</a:t>
             </a:r>
           </a:p>
           <a:p>
             <a:r>
-              <a:rPr lang="en-US" altLang="zh-CN" dirty="0" err="1" smtClean="0"/>
+              <a:rPr lang="en-US" altLang="zh-CN" dirty="0" err="1"/>
               <a:t>repairPrice</a:t>
             </a:r>
             <a:r>
-              <a:rPr lang="en-US" altLang="zh-CN" dirty="0" smtClean="0"/>
+              <a:rPr lang="en-US" altLang="zh-CN" dirty="0"/>
               <a:t>: </a:t>
             </a:r>
           </a:p>
           <a:p>
             <a:r>
-              <a:rPr lang="en-US" altLang="zh-CN" dirty="0" err="1" smtClean="0"/>
+              <a:rPr lang="en-US" altLang="zh-CN" dirty="0" err="1"/>
               <a:t>handlerName</a:t>
             </a:r>
             <a:r>
-              <a:rPr lang="en-US" altLang="zh-CN" dirty="0" smtClean="0"/>
+              <a:rPr lang="en-US" altLang="zh-CN" dirty="0"/>
               <a:t>: </a:t>
             </a:r>
           </a:p>
           <a:p>
             <a:r>
-              <a:rPr lang="en-US" altLang="zh-CN" dirty="0" err="1" smtClean="0"/>
+              <a:rPr lang="en-US" altLang="zh-CN" dirty="0" err="1"/>
               <a:t>handleDate</a:t>
             </a:r>
             <a:r>
-              <a:rPr lang="en-US" altLang="zh-CN" dirty="0" smtClean="0"/>
+              <a:rPr lang="en-US" altLang="zh-CN" dirty="0"/>
               <a:t>: Date</a:t>
             </a:r>
-            <a:endParaRPr lang="en-US" altLang="zh-CN" dirty="0"/>
           </a:p>
         </p:txBody>
       </p:sp>
@@ -5068,23 +5015,23 @@
           <a:lstStyle/>
           <a:p>
             <a:r>
-              <a:rPr lang="en-US" altLang="zh-CN" dirty="0" smtClean="0"/>
+              <a:rPr lang="en-US" altLang="zh-CN" dirty="0"/>
               <a:t>POST</a:t>
             </a:r>
             <a:r>
-              <a:rPr lang="zh-CN" altLang="en-US" dirty="0" smtClean="0"/>
+              <a:rPr lang="zh-CN" altLang="en-US" dirty="0"/>
               <a:t>和</a:t>
             </a:r>
             <a:r>
-              <a:rPr lang="en-US" altLang="zh-CN" dirty="0" smtClean="0"/>
+              <a:rPr lang="en-US" altLang="zh-CN" dirty="0"/>
               <a:t>GET</a:t>
             </a:r>
             <a:r>
-              <a:rPr lang="zh-CN" altLang="en-US" dirty="0" smtClean="0"/>
+              <a:rPr lang="zh-CN" altLang="en-US" dirty="0"/>
               <a:t>都是一个列表加</a:t>
             </a:r>
             <a:r>
-              <a:rPr lang="en-US" altLang="zh-CN" dirty="0" smtClean="0"/>
+              <a:rPr lang="en-US" altLang="zh-CN" dirty="0"/>
               <a:t>id</a:t>
             </a:r>
             <a:endParaRPr lang="zh-CN" altLang="en-US" dirty="0"/>
@@ -5114,7 +5061,7 @@
           <a:lstStyle/>
           <a:p>
             <a:r>
-              <a:rPr lang="en-US" altLang="zh-CN" b="1" dirty="0" smtClean="0"/>
+              <a:rPr lang="en-US" altLang="zh-CN" b="1" dirty="0"/>
               <a:t>GET POST PUT</a:t>
             </a:r>
             <a:endParaRPr lang="zh-CN" altLang="en-US" b="1" dirty="0"/>
@@ -5171,13 +5118,6 @@
   <p:clrMapOvr>
     <a:masterClrMapping/>
   </p:clrMapOvr>
-  <p:timing>
-    <p:tnLst>
-      <p:par>
-        <p:cTn id="1" dur="indefinite" restart="never" nodeType="tmRoot"/>
-      </p:par>
-    </p:tnLst>
-  </p:timing>
 </p:sld>
 </file>
 
@@ -5269,7 +5209,7 @@
           <a:lstStyle/>
           <a:p>
             <a:r>
-              <a:rPr lang="en-US" altLang="zh-CN" dirty="0" smtClean="0"/>
+              <a:rPr lang="en-US" altLang="zh-CN" dirty="0"/>
               <a:t>GET</a:t>
             </a:r>
             <a:endParaRPr lang="zh-CN" altLang="en-US" dirty="0"/>
@@ -5353,7 +5293,7 @@
           <a:lstStyle/>
           <a:p>
             <a:r>
-              <a:rPr lang="en-US" altLang="zh-CN" dirty="0" smtClean="0"/>
+              <a:rPr lang="en-US" altLang="zh-CN" dirty="0"/>
               <a:t>GET</a:t>
             </a:r>
           </a:p>
@@ -5362,7 +5302,7 @@
           </a:p>
           <a:p>
             <a:r>
-              <a:rPr lang="en-US" altLang="zh-CN" dirty="0" smtClean="0"/>
+              <a:rPr lang="en-US" altLang="zh-CN" dirty="0"/>
               <a:t>vehicle Info</a:t>
             </a:r>
             <a:endParaRPr lang="zh-CN" altLang="en-US" dirty="0"/>
@@ -5392,19 +5332,18 @@
           <a:lstStyle/>
           <a:p>
             <a:r>
-              <a:rPr lang="en-US" altLang="zh-CN" dirty="0" smtClean="0"/>
+              <a:rPr lang="en-US" altLang="zh-CN" dirty="0"/>
               <a:t>POST</a:t>
             </a:r>
           </a:p>
           <a:p>
-            <a:endParaRPr lang="en-US" altLang="zh-CN" dirty="0" smtClean="0"/>
-          </a:p>
-          <a:p>
-            <a:r>
-              <a:rPr lang="zh-CN" altLang="en-US" dirty="0" smtClean="0"/>
+            <a:endParaRPr lang="en-US" altLang="zh-CN" dirty="0"/>
+          </a:p>
+          <a:p>
+            <a:r>
+              <a:rPr lang="zh-CN" altLang="en-US" dirty="0"/>
               <a:t>销售信息</a:t>
             </a:r>
-            <a:endParaRPr lang="zh-CN" altLang="en-US" dirty="0"/>
           </a:p>
         </p:txBody>
       </p:sp>
@@ -5431,19 +5370,18 @@
           <a:lstStyle/>
           <a:p>
             <a:r>
-              <a:rPr lang="en-US" altLang="zh-CN" dirty="0" smtClean="0"/>
+              <a:rPr lang="en-US" altLang="zh-CN" dirty="0"/>
               <a:t>PUT</a:t>
             </a:r>
           </a:p>
           <a:p>
-            <a:endParaRPr lang="en-US" altLang="zh-CN" dirty="0" smtClean="0"/>
-          </a:p>
-          <a:p>
-            <a:r>
-              <a:rPr lang="zh-CN" altLang="en-US" dirty="0" smtClean="0"/>
+            <a:endParaRPr lang="en-US" altLang="zh-CN" dirty="0"/>
+          </a:p>
+          <a:p>
+            <a:r>
+              <a:rPr lang="zh-CN" altLang="en-US" dirty="0"/>
               <a:t>修改销售</a:t>
             </a:r>
-            <a:endParaRPr lang="zh-CN" altLang="en-US" dirty="0"/>
           </a:p>
         </p:txBody>
       </p:sp>
@@ -5470,7 +5408,7 @@
           <a:lstStyle/>
           <a:p>
             <a:r>
-              <a:rPr lang="en-US" altLang="zh-CN" dirty="0" smtClean="0"/>
+              <a:rPr lang="en-US" altLang="zh-CN" dirty="0"/>
               <a:t>DELETE</a:t>
             </a:r>
           </a:p>
@@ -5559,21 +5497,21 @@
           <a:lstStyle/>
           <a:p>
             <a:r>
-              <a:rPr lang="en-US" altLang="zh-CN" dirty="0" err="1" smtClean="0"/>
+              <a:rPr lang="en-US" altLang="zh-CN" dirty="0" err="1"/>
               <a:t>totalSales</a:t>
             </a:r>
             <a:r>
-              <a:rPr lang="en-US" altLang="zh-CN" dirty="0" smtClean="0"/>
+              <a:rPr lang="en-US" altLang="zh-CN" dirty="0"/>
               <a:t>: Integer</a:t>
             </a:r>
           </a:p>
           <a:p>
             <a:r>
-              <a:rPr lang="en-US" altLang="zh-CN" dirty="0" err="1" smtClean="0"/>
+              <a:rPr lang="en-US" altLang="zh-CN" dirty="0" err="1"/>
               <a:t>totalProfit</a:t>
             </a:r>
             <a:r>
-              <a:rPr lang="en-US" altLang="zh-CN" dirty="0" smtClean="0"/>
+              <a:rPr lang="en-US" altLang="zh-CN" dirty="0"/>
               <a:t>: Integer</a:t>
             </a:r>
           </a:p>
@@ -5582,21 +5520,21 @@
           </a:p>
           <a:p>
             <a:r>
-              <a:rPr lang="en-US" altLang="zh-CN" dirty="0" err="1" smtClean="0"/>
+              <a:rPr lang="en-US" altLang="zh-CN" dirty="0" err="1"/>
               <a:t>totalNotSold</a:t>
             </a:r>
             <a:r>
-              <a:rPr lang="en-US" altLang="zh-CN" dirty="0" smtClean="0"/>
+              <a:rPr lang="en-US" altLang="zh-CN" dirty="0"/>
               <a:t>: Integer</a:t>
             </a:r>
           </a:p>
           <a:p>
             <a:r>
-              <a:rPr lang="en-US" altLang="zh-CN" dirty="0" err="1" smtClean="0"/>
+              <a:rPr lang="en-US" altLang="zh-CN" dirty="0" err="1"/>
               <a:t>totalSold</a:t>
             </a:r>
             <a:r>
-              <a:rPr lang="en-US" altLang="zh-CN" dirty="0" smtClean="0"/>
+              <a:rPr lang="en-US" altLang="zh-CN" dirty="0"/>
               <a:t>: Integer</a:t>
             </a:r>
             <a:endParaRPr lang="zh-CN" altLang="en-US" dirty="0"/>
@@ -5626,77 +5564,37 @@
           <a:p>
             <a:r>
               <a:rPr lang="en-US" altLang="zh-CN" dirty="0"/>
-              <a:t>{"code":200</a:t>
-            </a:r>
-            <a:r>
-              <a:rPr lang="en-US" altLang="zh-CN" dirty="0" smtClean="0"/>
-              <a:t>,</a:t>
-            </a:r>
-          </a:p>
-          <a:p>
-            <a:r>
-              <a:rPr lang="en-US" altLang="zh-CN" dirty="0" smtClean="0"/>
-              <a:t>"</a:t>
-            </a:r>
+              <a:t>{"code":200,</a:t>
+            </a:r>
+          </a:p>
+          <a:p>
             <a:r>
               <a:rPr lang="en-US" altLang="zh-CN" dirty="0"/>
-              <a:t>data</a:t>
-            </a:r>
-            <a:r>
-              <a:rPr lang="en-US" altLang="zh-CN" dirty="0" smtClean="0"/>
-              <a:t>":</a:t>
-            </a:r>
-          </a:p>
-          <a:p>
-            <a:r>
-              <a:rPr lang="en-US" altLang="zh-CN" dirty="0" smtClean="0"/>
-              <a:t>{"</a:t>
-            </a:r>
+              <a:t>"data":</a:t>
+            </a:r>
+          </a:p>
+          <a:p>
             <a:r>
               <a:rPr lang="en-US" altLang="zh-CN" dirty="0"/>
-              <a:t>totalSales":123</a:t>
-            </a:r>
-            <a:r>
-              <a:rPr lang="en-US" altLang="zh-CN" dirty="0" smtClean="0"/>
-              <a:t>,</a:t>
-            </a:r>
-          </a:p>
-          <a:p>
-            <a:r>
-              <a:rPr lang="en-US" altLang="zh-CN" dirty="0" smtClean="0"/>
-              <a:t>"</a:t>
-            </a:r>
+              <a:t>{"totalSales":123,</a:t>
+            </a:r>
+          </a:p>
+          <a:p>
             <a:r>
               <a:rPr lang="en-US" altLang="zh-CN" dirty="0"/>
-              <a:t>totalProfit":456</a:t>
-            </a:r>
-            <a:r>
-              <a:rPr lang="en-US" altLang="zh-CN" dirty="0" smtClean="0"/>
-              <a:t>,</a:t>
-            </a:r>
-          </a:p>
-          <a:p>
-            <a:r>
-              <a:rPr lang="en-US" altLang="zh-CN" dirty="0" smtClean="0"/>
-              <a:t>"</a:t>
-            </a:r>
+              <a:t>"totalProfit":456,</a:t>
+            </a:r>
+          </a:p>
+          <a:p>
             <a:r>
               <a:rPr lang="en-US" altLang="zh-CN" dirty="0"/>
-              <a:t>totalNotSold":89</a:t>
-            </a:r>
-            <a:r>
-              <a:rPr lang="en-US" altLang="zh-CN" dirty="0" smtClean="0"/>
-              <a:t>,</a:t>
-            </a:r>
-          </a:p>
-          <a:p>
-            <a:r>
-              <a:rPr lang="en-US" altLang="zh-CN" dirty="0" smtClean="0"/>
-              <a:t>"</a:t>
-            </a:r>
+              <a:t>"totalNotSold":89,</a:t>
+            </a:r>
+          </a:p>
+          <a:p>
             <a:r>
               <a:rPr lang="en-US" altLang="zh-CN" dirty="0"/>
-              <a:t>totalSold":89}}</a:t>
+              <a:t>"totalSold":89}}</a:t>
             </a:r>
             <a:endParaRPr lang="zh-CN" altLang="en-US" dirty="0"/>
           </a:p>
@@ -6075,10 +5973,9 @@
           <a:p>
             <a:pPr algn="ctr"/>
             <a:r>
-              <a:rPr lang="zh-CN" altLang="en-US" sz="3200" dirty="0" smtClean="0"/>
+              <a:rPr lang="zh-CN" altLang="en-US" sz="3200" dirty="0"/>
               <a:t>数据库方案设计</a:t>
             </a:r>
-            <a:endParaRPr lang="zh-CN" altLang="en-US" sz="3200" dirty="0"/>
           </a:p>
         </p:txBody>
       </p:sp>
@@ -6114,6 +6011,86 @@
       </p:grpSpPr>
       <p:sp>
         <p:nvSpPr>
+          <p:cNvPr id="2" name="标题 1">
+            <a:extLst>
+              <a:ext uri="{FF2B5EF4-FFF2-40B4-BE49-F238E27FC236}">
+                <a16:creationId xmlns:a16="http://schemas.microsoft.com/office/drawing/2014/main" id="{5E35178A-2EBA-1649-8522-1507BD46977D}"/>
+              </a:ext>
+            </a:extLst>
+          </p:cNvPr>
+          <p:cNvSpPr>
+            <a:spLocks noGrp="1"/>
+          </p:cNvSpPr>
+          <p:nvPr>
+            <p:ph type="title"/>
+          </p:nvPr>
+        </p:nvSpPr>
+        <p:spPr/>
+        <p:txBody>
+          <a:bodyPr/>
+          <a:lstStyle/>
+          <a:p>
+            <a:endParaRPr kumimoji="1" lang="zh-CN" altLang="en-US"/>
+          </a:p>
+        </p:txBody>
+      </p:sp>
+      <p:sp>
+        <p:nvSpPr>
+          <p:cNvPr id="3" name="内容占位符 2">
+            <a:extLst>
+              <a:ext uri="{FF2B5EF4-FFF2-40B4-BE49-F238E27FC236}">
+                <a16:creationId xmlns:a16="http://schemas.microsoft.com/office/drawing/2014/main" id="{7333F7C4-A2A7-8E49-A6C2-40ACBB0D49C6}"/>
+              </a:ext>
+            </a:extLst>
+          </p:cNvPr>
+          <p:cNvSpPr>
+            <a:spLocks noGrp="1"/>
+          </p:cNvSpPr>
+          <p:nvPr>
+            <p:ph idx="1"/>
+          </p:nvPr>
+        </p:nvSpPr>
+        <p:spPr/>
+        <p:txBody>
+          <a:bodyPr/>
+          <a:lstStyle/>
+          <a:p>
+            <a:endParaRPr kumimoji="1" lang="zh-CN" altLang="en-US"/>
+          </a:p>
+        </p:txBody>
+      </p:sp>
+    </p:spTree>
+    <p:extLst>
+      <p:ext uri="{BB962C8B-B14F-4D97-AF65-F5344CB8AC3E}">
+        <p14:creationId xmlns:p14="http://schemas.microsoft.com/office/powerpoint/2010/main" val="160046295"/>
+      </p:ext>
+    </p:extLst>
+  </p:cSld>
+  <p:clrMapOvr>
+    <a:masterClrMapping/>
+  </p:clrMapOvr>
+</p:sld>
+</file>
+
+<file path=ppt/slides/slide18.xml><?xml version="1.0" encoding="utf-8"?>
+<p:sld xmlns:a="http://schemas.openxmlformats.org/drawingml/2006/main" xmlns:r="http://schemas.openxmlformats.org/officeDocument/2006/relationships" xmlns:p="http://schemas.openxmlformats.org/presentationml/2006/main">
+  <p:cSld>
+    <p:spTree>
+      <p:nvGrpSpPr>
+        <p:cNvPr id="1" name=""/>
+        <p:cNvGrpSpPr/>
+        <p:nvPr/>
+      </p:nvGrpSpPr>
+      <p:grpSpPr>
+        <a:xfrm>
+          <a:off x="0" y="0"/>
+          <a:ext cx="0" cy="0"/>
+          <a:chOff x="0" y="0"/>
+          <a:chExt cx="0" cy="0"/>
+        </a:xfrm>
+      </p:grpSpPr>
+      <p:sp>
+        <p:nvSpPr>
           <p:cNvPr id="4" name="文本框 3"/>
           <p:cNvSpPr txBox="1"/>
           <p:nvPr/>
@@ -6135,10 +6112,9 @@
           <a:lstStyle/>
           <a:p>
             <a:r>
-              <a:rPr lang="zh-CN" altLang="en-US" dirty="0" smtClean="0"/>
+              <a:rPr lang="zh-CN" altLang="en-US" dirty="0"/>
               <a:t>数据库的设计</a:t>
             </a:r>
-            <a:endParaRPr lang="zh-CN" altLang="en-US" dirty="0"/>
           </a:p>
         </p:txBody>
       </p:sp>
@@ -6273,7 +6249,7 @@
                     <a:lstStyle/>
                     <a:p>
                       <a:r>
-                        <a:rPr lang="en-US" altLang="zh-CN" dirty="0" smtClean="0"/>
+                        <a:rPr lang="en-US" altLang="zh-CN" dirty="0"/>
                         <a:t>id</a:t>
                       </a:r>
                       <a:endParaRPr lang="zh-CN" altLang="en-US" dirty="0"/>
@@ -6287,7 +6263,7 @@
                     <a:lstStyle/>
                     <a:p>
                       <a:r>
-                        <a:rPr lang="en-US" altLang="zh-CN" dirty="0" err="1" smtClean="0"/>
+                        <a:rPr lang="en-US" altLang="zh-CN" dirty="0" err="1"/>
                         <a:t>vehicleNumber</a:t>
                       </a:r>
                       <a:endParaRPr lang="zh-CN" altLang="en-US" dirty="0"/>
@@ -6301,7 +6277,7 @@
                     <a:lstStyle/>
                     <a:p>
                       <a:r>
-                        <a:rPr lang="en-US" altLang="zh-CN" dirty="0" err="1" smtClean="0"/>
+                        <a:rPr lang="en-US" altLang="zh-CN" dirty="0" err="1"/>
                         <a:t>licensePlate</a:t>
                       </a:r>
                       <a:endParaRPr lang="zh-CN" altLang="en-US" dirty="0"/>
@@ -6315,7 +6291,7 @@
                     <a:lstStyle/>
                     <a:p>
                       <a:r>
-                        <a:rPr lang="en-US" altLang="zh-CN" dirty="0" err="1" smtClean="0"/>
+                        <a:rPr lang="en-US" altLang="zh-CN" dirty="0" err="1"/>
                         <a:t>vehicleBrand</a:t>
                       </a:r>
                       <a:endParaRPr lang="zh-CN" altLang="en-US" dirty="0"/>
@@ -6329,7 +6305,7 @@
                     <a:lstStyle/>
                     <a:p>
                       <a:r>
-                        <a:rPr lang="en-US" altLang="zh-CN" dirty="0" err="1" smtClean="0"/>
+                        <a:rPr lang="en-US" altLang="zh-CN" dirty="0" err="1"/>
                         <a:t>registrationDate</a:t>
                       </a:r>
                       <a:endParaRPr lang="zh-CN" altLang="en-US" dirty="0"/>
@@ -6343,7 +6319,7 @@
                     <a:lstStyle/>
                     <a:p>
                       <a:r>
-                        <a:rPr lang="en-US" altLang="zh-CN" dirty="0" err="1" smtClean="0"/>
+                        <a:rPr lang="en-US" altLang="zh-CN" dirty="0" err="1"/>
                         <a:t>vehicleColor</a:t>
                       </a:r>
                       <a:endParaRPr lang="zh-CN" altLang="en-US" dirty="0"/>
@@ -6357,7 +6333,7 @@
                     <a:lstStyle/>
                     <a:p>
                       <a:r>
-                        <a:rPr lang="en-US" altLang="zh-CN" dirty="0" err="1" smtClean="0"/>
+                        <a:rPr lang="en-US" altLang="zh-CN" dirty="0" err="1"/>
                         <a:t>purchaseDate</a:t>
                       </a:r>
                       <a:endParaRPr lang="zh-CN" altLang="en-US" dirty="0"/>
@@ -6371,7 +6347,7 @@
                     <a:lstStyle/>
                     <a:p>
                       <a:r>
-                        <a:rPr lang="en-US" altLang="zh-CN" dirty="0" err="1" smtClean="0"/>
+                        <a:rPr lang="en-US" altLang="zh-CN" dirty="0" err="1"/>
                         <a:t>purchasePrice</a:t>
                       </a:r>
                       <a:endParaRPr lang="zh-CN" altLang="en-US" dirty="0"/>
@@ -6385,7 +6361,7 @@
                     <a:lstStyle/>
                     <a:p>
                       <a:r>
-                        <a:rPr lang="en-US" altLang="zh-CN" dirty="0" err="1" smtClean="0"/>
+                        <a:rPr lang="en-US" altLang="zh-CN" dirty="0" err="1"/>
                         <a:t>vehicleNote</a:t>
                       </a:r>
                       <a:endParaRPr lang="zh-CN" altLang="en-US" dirty="0"/>
@@ -6399,7 +6375,7 @@
                     <a:lstStyle/>
                     <a:p>
                       <a:r>
-                        <a:rPr lang="en-US" altLang="zh-CN" dirty="0" err="1" smtClean="0"/>
+                        <a:rPr lang="en-US" altLang="zh-CN" dirty="0" err="1"/>
                         <a:t>repairState</a:t>
                       </a:r>
                       <a:endParaRPr lang="zh-CN" altLang="en-US" dirty="0"/>
@@ -6413,7 +6389,7 @@
                     <a:lstStyle/>
                     <a:p>
                       <a:r>
-                        <a:rPr lang="en-US" altLang="zh-CN" dirty="0" err="1" smtClean="0"/>
+                        <a:rPr lang="en-US" altLang="zh-CN" dirty="0" err="1"/>
                         <a:t>saleState</a:t>
                       </a:r>
                       <a:endParaRPr lang="zh-CN" altLang="en-US" dirty="0"/>
@@ -6427,7 +6403,7 @@
                     <a:lstStyle/>
                     <a:p>
                       <a:r>
-                        <a:rPr lang="en-US" altLang="zh-CN" dirty="0" err="1" smtClean="0"/>
+                        <a:rPr lang="en-US" altLang="zh-CN" dirty="0" err="1"/>
                         <a:t>stockDate</a:t>
                       </a:r>
                       <a:endParaRPr lang="zh-CN" altLang="en-US" dirty="0"/>
@@ -6441,7 +6417,7 @@
                     <a:lstStyle/>
                     <a:p>
                       <a:r>
-                        <a:rPr lang="en-US" altLang="zh-CN" dirty="0" err="1" smtClean="0"/>
+                        <a:rPr lang="en-US" altLang="zh-CN" dirty="0" err="1"/>
                         <a:t>partner_id</a:t>
                       </a:r>
                       <a:endParaRPr lang="zh-CN" altLang="en-US" dirty="0"/>
@@ -6456,7 +6432,7 @@
                     <a:p>
                       <a:pPr marL="0" algn="l" defTabSz="914400" rtl="0" eaLnBrk="1" latinLnBrk="0" hangingPunct="1"/>
                       <a:r>
-                        <a:rPr lang="en-US" altLang="zh-CN" sz="1800" b="1" kern="1200" dirty="0" err="1" smtClean="0">
+                        <a:rPr lang="en-US" altLang="zh-CN" sz="1800" b="1" kern="1200" dirty="0" err="1">
                           <a:solidFill>
                             <a:schemeClr val="lt1"/>
                           </a:solidFill>
@@ -6491,14 +6467,13 @@
                     <a:lstStyle/>
                     <a:p>
                       <a:r>
-                        <a:rPr lang="en-US" altLang="zh-CN" dirty="0" smtClean="0"/>
+                        <a:rPr lang="en-US" altLang="zh-CN" dirty="0"/>
                         <a:t>id</a:t>
                       </a:r>
                       <a:r>
-                        <a:rPr lang="zh-CN" altLang="en-US" dirty="0" smtClean="0"/>
+                        <a:rPr lang="zh-CN" altLang="en-US" dirty="0"/>
                         <a:t>自增</a:t>
                       </a:r>
-                      <a:endParaRPr lang="zh-CN" altLang="en-US" dirty="0"/>
                     </a:p>
                   </a:txBody>
                   <a:tcPr/>
@@ -6509,10 +6484,9 @@
                     <a:lstStyle/>
                     <a:p>
                       <a:r>
-                        <a:rPr lang="zh-CN" altLang="en-US" dirty="0" smtClean="0"/>
+                        <a:rPr lang="zh-CN" altLang="en-US" dirty="0"/>
                         <a:t>车辆编码</a:t>
                       </a:r>
-                      <a:endParaRPr lang="zh-CN" altLang="en-US" dirty="0"/>
                     </a:p>
                   </a:txBody>
                   <a:tcPr/>
@@ -6523,10 +6497,9 @@
                     <a:lstStyle/>
                     <a:p>
                       <a:r>
-                        <a:rPr lang="zh-CN" altLang="en-US" dirty="0" smtClean="0"/>
+                        <a:rPr lang="zh-CN" altLang="en-US" dirty="0"/>
                         <a:t>车牌号</a:t>
                       </a:r>
-                      <a:endParaRPr lang="zh-CN" altLang="en-US" dirty="0"/>
                     </a:p>
                   </a:txBody>
                   <a:tcPr/>
@@ -6537,10 +6510,9 @@
                     <a:lstStyle/>
                     <a:p>
                       <a:r>
-                        <a:rPr lang="zh-CN" altLang="en-US" dirty="0" smtClean="0"/>
+                        <a:rPr lang="zh-CN" altLang="en-US" dirty="0"/>
                         <a:t>车品牌</a:t>
                       </a:r>
-                      <a:endParaRPr lang="zh-CN" altLang="en-US" dirty="0"/>
                     </a:p>
                   </a:txBody>
                   <a:tcPr/>
@@ -6551,10 +6523,9 @@
                     <a:lstStyle/>
                     <a:p>
                       <a:r>
-                        <a:rPr lang="zh-CN" altLang="en-US" dirty="0" smtClean="0"/>
+                        <a:rPr lang="zh-CN" altLang="en-US" dirty="0"/>
                         <a:t>注册时间</a:t>
                       </a:r>
-                      <a:endParaRPr lang="zh-CN" altLang="en-US" dirty="0"/>
                     </a:p>
                   </a:txBody>
                   <a:tcPr/>
@@ -6565,10 +6536,9 @@
                     <a:lstStyle/>
                     <a:p>
                       <a:r>
-                        <a:rPr lang="zh-CN" altLang="en-US" dirty="0" smtClean="0"/>
+                        <a:rPr lang="zh-CN" altLang="en-US" dirty="0"/>
                         <a:t>车辆颜色</a:t>
                       </a:r>
-                      <a:endParaRPr lang="zh-CN" altLang="en-US" dirty="0"/>
                     </a:p>
                   </a:txBody>
                   <a:tcPr/>
@@ -6579,10 +6549,9 @@
                     <a:lstStyle/>
                     <a:p>
                       <a:r>
-                        <a:rPr lang="zh-CN" altLang="en-US" dirty="0" smtClean="0"/>
+                        <a:rPr lang="zh-CN" altLang="en-US" dirty="0"/>
                         <a:t>购买时间</a:t>
                       </a:r>
-                      <a:endParaRPr lang="zh-CN" altLang="en-US" dirty="0"/>
                     </a:p>
                   </a:txBody>
                   <a:tcPr/>
@@ -6593,10 +6562,9 @@
                     <a:lstStyle/>
                     <a:p>
                       <a:r>
-                        <a:rPr lang="zh-CN" altLang="en-US" dirty="0" smtClean="0"/>
+                        <a:rPr lang="zh-CN" altLang="en-US" dirty="0"/>
                         <a:t>购买价格</a:t>
                       </a:r>
-                      <a:endParaRPr lang="zh-CN" altLang="en-US" dirty="0"/>
                     </a:p>
                   </a:txBody>
                   <a:tcPr/>
@@ -6607,10 +6575,9 @@
                     <a:lstStyle/>
                     <a:p>
                       <a:r>
-                        <a:rPr lang="zh-CN" altLang="en-US" dirty="0" smtClean="0"/>
+                        <a:rPr lang="zh-CN" altLang="en-US" dirty="0"/>
                         <a:t>备注信息</a:t>
                       </a:r>
-                      <a:endParaRPr lang="zh-CN" altLang="en-US" dirty="0"/>
                     </a:p>
                   </a:txBody>
                   <a:tcPr/>
@@ -6621,10 +6588,9 @@
                     <a:lstStyle/>
                     <a:p>
                       <a:r>
-                        <a:rPr lang="zh-CN" altLang="en-US" dirty="0" smtClean="0"/>
+                        <a:rPr lang="zh-CN" altLang="en-US" dirty="0"/>
                         <a:t>是否整备</a:t>
                       </a:r>
-                      <a:endParaRPr lang="zh-CN" altLang="en-US" dirty="0"/>
                     </a:p>
                   </a:txBody>
                   <a:tcPr/>
@@ -6635,10 +6601,9 @@
                     <a:lstStyle/>
                     <a:p>
                       <a:r>
-                        <a:rPr lang="zh-CN" altLang="en-US" dirty="0" smtClean="0"/>
+                        <a:rPr lang="zh-CN" altLang="en-US" dirty="0"/>
                         <a:t>是否销售</a:t>
                       </a:r>
-                      <a:endParaRPr lang="zh-CN" altLang="en-US" dirty="0"/>
                     </a:p>
                   </a:txBody>
                   <a:tcPr/>
@@ -6649,10 +6614,9 @@
                     <a:lstStyle/>
                     <a:p>
                       <a:r>
-                        <a:rPr lang="zh-CN" altLang="en-US" dirty="0" smtClean="0"/>
+                        <a:rPr lang="zh-CN" altLang="en-US" dirty="0"/>
                         <a:t>入库时间</a:t>
                       </a:r>
-                      <a:endParaRPr lang="zh-CN" altLang="en-US" dirty="0"/>
                     </a:p>
                   </a:txBody>
                   <a:tcPr/>
@@ -6663,11 +6627,11 @@
                     <a:lstStyle/>
                     <a:p>
                       <a:r>
-                        <a:rPr lang="zh-CN" altLang="en-US" dirty="0" smtClean="0"/>
+                        <a:rPr lang="zh-CN" altLang="en-US" dirty="0"/>
                         <a:t>合伙人</a:t>
                       </a:r>
                       <a:r>
-                        <a:rPr lang="en-US" altLang="zh-CN" dirty="0" smtClean="0"/>
+                        <a:rPr lang="en-US" altLang="zh-CN" dirty="0"/>
                         <a:t>id</a:t>
                       </a:r>
                       <a:endParaRPr lang="zh-CN" altLang="en-US" dirty="0"/>
@@ -6681,11 +6645,11 @@
                     <a:lstStyle/>
                     <a:p>
                       <a:r>
-                        <a:rPr lang="zh-CN" altLang="en-US" dirty="0" smtClean="0"/>
+                        <a:rPr lang="zh-CN" altLang="en-US" dirty="0"/>
                         <a:t>整备</a:t>
                       </a:r>
                       <a:r>
-                        <a:rPr lang="en-US" altLang="zh-CN" dirty="0" smtClean="0"/>
+                        <a:rPr lang="en-US" altLang="zh-CN" dirty="0"/>
                         <a:t>id</a:t>
                       </a:r>
                       <a:endParaRPr lang="zh-CN" altLang="en-US" dirty="0"/>
@@ -6716,7 +6680,7 @@
                     <a:lstStyle/>
                     <a:p>
                       <a:r>
-                        <a:rPr lang="en-US" altLang="zh-CN" dirty="0" smtClean="0"/>
+                        <a:rPr lang="en-US" altLang="zh-CN" dirty="0"/>
                         <a:t>String</a:t>
                       </a:r>
                       <a:endParaRPr lang="zh-CN" altLang="en-US" dirty="0"/>
@@ -6730,7 +6694,7 @@
                     <a:lstStyle/>
                     <a:p>
                       <a:r>
-                        <a:rPr lang="en-US" altLang="zh-CN" dirty="0" smtClean="0"/>
+                        <a:rPr lang="en-US" altLang="zh-CN" dirty="0"/>
                         <a:t>string</a:t>
                       </a:r>
                       <a:endParaRPr lang="zh-CN" altLang="en-US" dirty="0"/>
@@ -6744,7 +6708,7 @@
                     <a:lstStyle/>
                     <a:p>
                       <a:r>
-                        <a:rPr lang="en-US" altLang="zh-CN" dirty="0" smtClean="0"/>
+                        <a:rPr lang="en-US" altLang="zh-CN" dirty="0"/>
                         <a:t>String</a:t>
                       </a:r>
                       <a:endParaRPr lang="zh-CN" altLang="en-US" dirty="0"/>
@@ -6758,22 +6722,21 @@
                     <a:lstStyle/>
                     <a:p>
                       <a:r>
-                        <a:rPr lang="en-US" altLang="zh-CN" dirty="0" smtClean="0"/>
+                        <a:rPr lang="en-US" altLang="zh-CN" dirty="0"/>
                         <a:t>Date</a:t>
                       </a:r>
                       <a:r>
-                        <a:rPr lang="zh-CN" altLang="en-US" dirty="0" smtClean="0"/>
+                        <a:rPr lang="zh-CN" altLang="en-US" dirty="0"/>
                         <a:t>（</a:t>
                       </a:r>
                       <a:r>
-                        <a:rPr lang="en-US" altLang="zh-CN" dirty="0" err="1" smtClean="0"/>
+                        <a:rPr lang="en-US" altLang="zh-CN" dirty="0" err="1"/>
                         <a:t>sql</a:t>
                       </a:r>
                       <a:r>
-                        <a:rPr lang="zh-CN" altLang="en-US" dirty="0" smtClean="0"/>
+                        <a:rPr lang="zh-CN" altLang="en-US" dirty="0"/>
                         <a:t>）</a:t>
                       </a:r>
-                      <a:endParaRPr lang="zh-CN" altLang="en-US" dirty="0"/>
                     </a:p>
                   </a:txBody>
                   <a:tcPr/>
@@ -6784,7 +6747,7 @@
                     <a:lstStyle/>
                     <a:p>
                       <a:r>
-                        <a:rPr lang="en-US" altLang="zh-CN" dirty="0" smtClean="0"/>
+                        <a:rPr lang="en-US" altLang="zh-CN" dirty="0"/>
                         <a:t>String</a:t>
                       </a:r>
                       <a:endParaRPr lang="zh-CN" altLang="en-US" dirty="0"/>
@@ -6798,22 +6761,21 @@
                     <a:lstStyle/>
                     <a:p>
                       <a:r>
-                        <a:rPr lang="en-US" altLang="zh-CN" dirty="0" smtClean="0"/>
+                        <a:rPr lang="en-US" altLang="zh-CN" dirty="0"/>
                         <a:t>Date</a:t>
                       </a:r>
                       <a:r>
-                        <a:rPr lang="zh-CN" altLang="en-US" dirty="0" smtClean="0"/>
+                        <a:rPr lang="zh-CN" altLang="en-US" dirty="0"/>
                         <a:t>（</a:t>
                       </a:r>
                       <a:r>
-                        <a:rPr lang="en-US" altLang="zh-CN" dirty="0" err="1" smtClean="0"/>
+                        <a:rPr lang="en-US" altLang="zh-CN" dirty="0" err="1"/>
                         <a:t>sql</a:t>
                       </a:r>
                       <a:r>
-                        <a:rPr lang="zh-CN" altLang="en-US" dirty="0" smtClean="0"/>
+                        <a:rPr lang="zh-CN" altLang="en-US" dirty="0"/>
                         <a:t>）</a:t>
                       </a:r>
-                      <a:endParaRPr lang="zh-CN" altLang="en-US" dirty="0"/>
                     </a:p>
                   </a:txBody>
                   <a:tcPr/>
@@ -6824,7 +6786,7 @@
                     <a:lstStyle/>
                     <a:p>
                       <a:r>
-                        <a:rPr lang="en-US" altLang="zh-CN" dirty="0" smtClean="0"/>
+                        <a:rPr lang="en-US" altLang="zh-CN" dirty="0"/>
                         <a:t>Integer</a:t>
                       </a:r>
                       <a:endParaRPr lang="zh-CN" altLang="en-US" dirty="0"/>
@@ -6838,7 +6800,7 @@
                     <a:lstStyle/>
                     <a:p>
                       <a:r>
-                        <a:rPr lang="en-US" altLang="zh-CN" dirty="0" smtClean="0"/>
+                        <a:rPr lang="en-US" altLang="zh-CN" dirty="0"/>
                         <a:t>string</a:t>
                       </a:r>
                       <a:endParaRPr lang="zh-CN" altLang="en-US" dirty="0"/>
@@ -6852,7 +6814,7 @@
                     <a:lstStyle/>
                     <a:p>
                       <a:r>
-                        <a:rPr lang="en-US" altLang="zh-CN" dirty="0" smtClean="0"/>
+                        <a:rPr lang="en-US" altLang="zh-CN" dirty="0"/>
                         <a:t>Boolean</a:t>
                       </a:r>
                       <a:endParaRPr lang="zh-CN" altLang="en-US" dirty="0"/>
@@ -6866,7 +6828,7 @@
                     <a:lstStyle/>
                     <a:p>
                       <a:r>
-                        <a:rPr lang="en-US" altLang="zh-CN" dirty="0" smtClean="0"/>
+                        <a:rPr lang="en-US" altLang="zh-CN" dirty="0"/>
                         <a:t>Boolean</a:t>
                       </a:r>
                       <a:endParaRPr lang="zh-CN" altLang="en-US" dirty="0"/>
@@ -6880,15 +6842,15 @@
                     <a:lstStyle/>
                     <a:p>
                       <a:r>
-                        <a:rPr lang="en-US" altLang="zh-CN" dirty="0" smtClean="0"/>
+                        <a:rPr lang="en-US" altLang="zh-CN" dirty="0"/>
                         <a:t>Date(</a:t>
                       </a:r>
                       <a:r>
-                        <a:rPr lang="en-US" altLang="zh-CN" dirty="0" err="1" smtClean="0"/>
+                        <a:rPr lang="en-US" altLang="zh-CN" dirty="0" err="1"/>
                         <a:t>sql</a:t>
                       </a:r>
                       <a:r>
-                        <a:rPr lang="en-US" altLang="zh-CN" dirty="0" smtClean="0"/>
+                        <a:rPr lang="en-US" altLang="zh-CN" dirty="0"/>
                         <a:t>)</a:t>
                       </a:r>
                       <a:endParaRPr lang="zh-CN" altLang="en-US" dirty="0"/>
@@ -7243,117 +7205,116 @@
           <a:lstStyle/>
           <a:p>
             <a:r>
-              <a:rPr lang="en-US" altLang="zh-CN" dirty="0" err="1" smtClean="0"/>
+              <a:rPr lang="en-US" altLang="zh-CN" dirty="0" err="1"/>
               <a:t>vehicleNum</a:t>
             </a:r>
             <a:r>
-              <a:rPr lang="en-US" altLang="zh-CN" dirty="0" smtClean="0"/>
+              <a:rPr lang="en-US" altLang="zh-CN" dirty="0"/>
               <a:t>: string</a:t>
             </a:r>
           </a:p>
           <a:p>
             <a:r>
-              <a:rPr lang="en-US" altLang="zh-CN" dirty="0" err="1" smtClean="0"/>
+              <a:rPr lang="en-US" altLang="zh-CN" dirty="0" err="1"/>
               <a:t>licensePlate</a:t>
             </a:r>
             <a:r>
-              <a:rPr lang="en-US" altLang="zh-CN" dirty="0" smtClean="0"/>
+              <a:rPr lang="en-US" altLang="zh-CN" dirty="0"/>
               <a:t>: string</a:t>
             </a:r>
           </a:p>
           <a:p>
             <a:r>
-              <a:rPr lang="en-US" altLang="zh-CN" dirty="0" err="1" smtClean="0"/>
+              <a:rPr lang="en-US" altLang="zh-CN" dirty="0" err="1"/>
               <a:t>vehicleBrand</a:t>
             </a:r>
             <a:r>
-              <a:rPr lang="en-US" altLang="zh-CN" dirty="0" smtClean="0"/>
+              <a:rPr lang="en-US" altLang="zh-CN" dirty="0"/>
               <a:t>: string</a:t>
             </a:r>
           </a:p>
           <a:p>
             <a:r>
-              <a:rPr lang="en-US" altLang="zh-CN" dirty="0" err="1" smtClean="0"/>
+              <a:rPr lang="en-US" altLang="zh-CN" dirty="0" err="1"/>
               <a:t>registrationDate</a:t>
             </a:r>
             <a:r>
-              <a:rPr lang="en-US" altLang="zh-CN" dirty="0" smtClean="0"/>
+              <a:rPr lang="en-US" altLang="zh-CN" dirty="0"/>
               <a:t>: date</a:t>
             </a:r>
           </a:p>
           <a:p>
             <a:r>
-              <a:rPr lang="en-US" altLang="zh-CN" dirty="0" err="1" smtClean="0"/>
+              <a:rPr lang="en-US" altLang="zh-CN" dirty="0" err="1"/>
               <a:t>vehicleColor</a:t>
             </a:r>
             <a:r>
-              <a:rPr lang="en-US" altLang="zh-CN" dirty="0" smtClean="0"/>
+              <a:rPr lang="en-US" altLang="zh-CN" dirty="0"/>
               <a:t>: string</a:t>
             </a:r>
           </a:p>
           <a:p>
             <a:r>
-              <a:rPr lang="en-US" altLang="zh-CN" dirty="0" err="1" smtClean="0"/>
+              <a:rPr lang="en-US" altLang="zh-CN" dirty="0" err="1"/>
               <a:t>purchaseDate</a:t>
             </a:r>
             <a:r>
-              <a:rPr lang="en-US" altLang="zh-CN" dirty="0" smtClean="0"/>
+              <a:rPr lang="en-US" altLang="zh-CN" dirty="0"/>
               <a:t>: date</a:t>
             </a:r>
           </a:p>
           <a:p>
             <a:r>
-              <a:rPr lang="en-US" altLang="zh-CN" dirty="0" err="1" smtClean="0"/>
+              <a:rPr lang="en-US" altLang="zh-CN" dirty="0" err="1"/>
               <a:t>purchasePrice</a:t>
             </a:r>
             <a:r>
-              <a:rPr lang="en-US" altLang="zh-CN" dirty="0" smtClean="0"/>
+              <a:rPr lang="en-US" altLang="zh-CN" dirty="0"/>
               <a:t>: Integer</a:t>
             </a:r>
           </a:p>
           <a:p>
             <a:r>
-              <a:rPr lang="en-US" altLang="zh-CN" dirty="0" err="1" smtClean="0"/>
+              <a:rPr lang="en-US" altLang="zh-CN" dirty="0" err="1"/>
               <a:t>vehicleNote</a:t>
             </a:r>
             <a:r>
-              <a:rPr lang="en-US" altLang="zh-CN" dirty="0" smtClean="0"/>
+              <a:rPr lang="en-US" altLang="zh-CN" dirty="0"/>
               <a:t>: </a:t>
             </a:r>
             <a:r>
-              <a:rPr lang="en-US" altLang="zh-CN" dirty="0" err="1" smtClean="0"/>
+              <a:rPr lang="en-US" altLang="zh-CN" dirty="0" err="1"/>
               <a:t>sring</a:t>
             </a:r>
-            <a:endParaRPr lang="en-US" altLang="zh-CN" dirty="0" smtClean="0"/>
-          </a:p>
-          <a:p>
-            <a:r>
-              <a:rPr lang="en-US" altLang="zh-CN" dirty="0" err="1" smtClean="0"/>
+            <a:endParaRPr lang="en-US" altLang="zh-CN" dirty="0"/>
+          </a:p>
+          <a:p>
+            <a:r>
+              <a:rPr lang="en-US" altLang="zh-CN" dirty="0" err="1"/>
               <a:t>vehicleImg</a:t>
             </a:r>
             <a:r>
-              <a:rPr lang="en-US" altLang="zh-CN" dirty="0" smtClean="0"/>
+              <a:rPr lang="en-US" altLang="zh-CN" dirty="0"/>
               <a:t>: </a:t>
             </a:r>
             <a:r>
-              <a:rPr lang="en-US" altLang="zh-CN" dirty="0" err="1" smtClean="0"/>
+              <a:rPr lang="en-US" altLang="zh-CN" dirty="0" err="1"/>
               <a:t>imgFile</a:t>
             </a:r>
-            <a:endParaRPr lang="en-US" altLang="zh-CN" dirty="0" smtClean="0"/>
-          </a:p>
-          <a:p>
-            <a:r>
-              <a:rPr lang="en-US" altLang="zh-CN" dirty="0" err="1" smtClean="0"/>
+            <a:endParaRPr lang="en-US" altLang="zh-CN" dirty="0"/>
+          </a:p>
+          <a:p>
+            <a:r>
+              <a:rPr lang="en-US" altLang="zh-CN" dirty="0" err="1"/>
               <a:t>repairState</a:t>
             </a:r>
             <a:r>
-              <a:rPr lang="en-US" altLang="zh-CN" dirty="0" smtClean="0"/>
+              <a:rPr lang="en-US" altLang="zh-CN" dirty="0"/>
               <a:t>: Boolean</a:t>
             </a:r>
+          </a:p>
+          <a:p>
             <a:endParaRPr lang="en-US" altLang="zh-CN" dirty="0"/>
-          </a:p>
-          <a:p>
-            <a:endParaRPr lang="en-US" altLang="zh-CN" dirty="0" smtClean="0"/>
           </a:p>
         </p:txBody>
       </p:sp>
@@ -7380,7 +7341,7 @@
           <a:lstStyle/>
           <a:p>
             <a:r>
-              <a:rPr lang="en-US" altLang="zh-CN" dirty="0" smtClean="0"/>
+              <a:rPr lang="en-US" altLang="zh-CN" dirty="0"/>
               <a:t>VN20200001</a:t>
             </a:r>
             <a:endParaRPr lang="zh-CN" altLang="en-US" dirty="0"/>
@@ -7445,7 +7406,7 @@
           <a:lstStyle/>
           <a:p>
             <a:r>
-              <a:rPr lang="en-US" altLang="zh-CN" dirty="0" err="1" smtClean="0"/>
+              <a:rPr lang="en-US" altLang="zh-CN" dirty="0" err="1"/>
               <a:t>vehicle_infomation</a:t>
             </a:r>
             <a:endParaRPr lang="zh-CN" altLang="en-US" dirty="0"/>
@@ -7475,35 +7436,27 @@
           <a:lstStyle/>
           <a:p>
             <a:r>
-              <a:rPr lang="en-US" altLang="zh-CN" dirty="0" err="1" smtClean="0"/>
+              <a:rPr lang="en-US" altLang="zh-CN" dirty="0" err="1"/>
               <a:t>vehicle_information</a:t>
             </a:r>
-            <a:endParaRPr lang="en-US" altLang="zh-CN" dirty="0" smtClean="0"/>
-          </a:p>
-          <a:p>
-            <a:r>
-              <a:rPr lang="en-US" altLang="zh-CN" dirty="0" smtClean="0"/>
+            <a:endParaRPr lang="en-US" altLang="zh-CN" dirty="0"/>
+          </a:p>
+          <a:p>
+            <a:r>
+              <a:rPr lang="en-US" altLang="zh-CN" dirty="0"/>
               <a:t>	partner</a:t>
             </a:r>
           </a:p>
           <a:p>
             <a:r>
               <a:rPr lang="en-US" altLang="zh-CN" dirty="0"/>
-              <a:t>	</a:t>
-            </a:r>
-            <a:r>
-              <a:rPr lang="en-US" altLang="zh-CN" dirty="0" smtClean="0"/>
-              <a:t>	partner1</a:t>
+              <a:t>		partner1</a:t>
             </a:r>
           </a:p>
           <a:p>
             <a:r>
               <a:rPr lang="en-US" altLang="zh-CN" dirty="0"/>
-              <a:t>	</a:t>
-            </a:r>
-            <a:r>
-              <a:rPr lang="en-US" altLang="zh-CN" dirty="0" smtClean="0"/>
-              <a:t>	partner2</a:t>
+              <a:t>		partner2</a:t>
             </a:r>
           </a:p>
           <a:p>
@@ -7518,16 +7471,29 @@
                 </a:solidFill>
                 <a:latin typeface="Arial" panose="020B0604020202020204" pitchFamily="34" charset="0"/>
               </a:rPr>
-              <a:t> </a:t>
-            </a:r>
-            <a:r>
-              <a:rPr lang="en-US" altLang="zh-CN" dirty="0" smtClean="0">
+              <a:t> preparedness</a:t>
+            </a:r>
+          </a:p>
+          <a:p>
+            <a:r>
+              <a:rPr lang="en-US" altLang="zh-CN" dirty="0">
                 <a:solidFill>
                   <a:srgbClr val="D52020"/>
                 </a:solidFill>
                 <a:latin typeface="Arial" panose="020B0604020202020204" pitchFamily="34" charset="0"/>
               </a:rPr>
-              <a:t>preparedness</a:t>
+              <a:t>		prepare1</a:t>
+            </a:r>
+          </a:p>
+          <a:p>
+            <a:r>
+              <a:rPr lang="en-US" altLang="zh-CN" dirty="0">
+                <a:solidFill>
+                  <a:srgbClr val="D52020"/>
+                </a:solidFill>
+                <a:latin typeface="Arial" panose="020B0604020202020204" pitchFamily="34" charset="0"/>
+              </a:rPr>
+              <a:t>		prepare1</a:t>
             </a:r>
           </a:p>
           <a:p>
@@ -7541,57 +7507,16 @@
               <a:t>	</a:t>
             </a:r>
             <a:r>
-              <a:rPr lang="en-US" altLang="zh-CN" dirty="0" smtClean="0">
-                <a:solidFill>
-                  <a:srgbClr val="D52020"/>
-                </a:solidFill>
-                <a:latin typeface="Arial" panose="020B0604020202020204" pitchFamily="34" charset="0"/>
-              </a:rPr>
-              <a:t>	prepare1</a:t>
-            </a:r>
-          </a:p>
-          <a:p>
-            <a:r>
-              <a:rPr lang="en-US" altLang="zh-CN" dirty="0">
-                <a:solidFill>
-                  <a:srgbClr val="D52020"/>
-                </a:solidFill>
-                <a:latin typeface="Arial" panose="020B0604020202020204" pitchFamily="34" charset="0"/>
-              </a:rPr>
-              <a:t>	</a:t>
-            </a:r>
-            <a:r>
-              <a:rPr lang="en-US" altLang="zh-CN" dirty="0" smtClean="0">
-                <a:solidFill>
-                  <a:srgbClr val="D52020"/>
-                </a:solidFill>
-                <a:latin typeface="Arial" panose="020B0604020202020204" pitchFamily="34" charset="0"/>
-              </a:rPr>
-              <a:t>	prepare1</a:t>
-            </a:r>
-          </a:p>
-          <a:p>
-            <a:r>
-              <a:rPr lang="en-US" altLang="zh-CN" dirty="0">
-                <a:solidFill>
-                  <a:srgbClr val="D52020"/>
-                </a:solidFill>
-                <a:latin typeface="Arial" panose="020B0604020202020204" pitchFamily="34" charset="0"/>
-              </a:rPr>
-              <a:t>	</a:t>
-            </a:r>
-            <a:r>
-              <a:rPr lang="en-US" altLang="zh-CN" dirty="0" err="1" smtClean="0"/>
+              <a:rPr lang="en-US" altLang="zh-CN" dirty="0" err="1"/>
               <a:t>sale_item</a:t>
             </a:r>
-            <a:endParaRPr lang="en-US" altLang="zh-CN" dirty="0" smtClean="0"/>
+            <a:endParaRPr lang="en-US" altLang="zh-CN" dirty="0"/>
           </a:p>
           <a:p>
             <a:r>
               <a:rPr lang="en-US" altLang="zh-CN" dirty="0"/>
               <a:t>	</a:t>
             </a:r>
-            <a:endParaRPr lang="en-US" altLang="zh-CN" dirty="0" smtClean="0"/>
           </a:p>
           <a:p>
             <a:r>
@@ -7615,7 +7540,7 @@
 </p:sld>
 </file>
 
-<file path=ppt/slides/slide18.xml><?xml version="1.0" encoding="utf-8"?>
+<file path=ppt/slides/slide19.xml><?xml version="1.0" encoding="utf-8"?>
 <p:sld xmlns:a="http://schemas.openxmlformats.org/drawingml/2006/main" xmlns:r="http://schemas.openxmlformats.org/officeDocument/2006/relationships" xmlns:p="http://schemas.openxmlformats.org/presentationml/2006/main">
   <p:cSld>
     <p:spTree>
@@ -7700,7 +7625,7 @@
                     <a:lstStyle/>
                     <a:p>
                       <a:r>
-                        <a:rPr lang="en-US" altLang="zh-CN" dirty="0" smtClean="0"/>
+                        <a:rPr lang="en-US" altLang="zh-CN" dirty="0"/>
                         <a:t>id</a:t>
                       </a:r>
                       <a:endParaRPr lang="zh-CN" altLang="en-US" dirty="0"/>
@@ -7714,7 +7639,7 @@
                     <a:lstStyle/>
                     <a:p>
                       <a:r>
-                        <a:rPr lang="en-US" altLang="zh-CN" dirty="0" smtClean="0"/>
+                        <a:rPr lang="en-US" altLang="zh-CN" dirty="0"/>
                         <a:t>name</a:t>
                       </a:r>
                       <a:endParaRPr lang="zh-CN" altLang="en-US" dirty="0"/>
@@ -7728,7 +7653,7 @@
                     <a:lstStyle/>
                     <a:p>
                       <a:r>
-                        <a:rPr lang="en-US" altLang="zh-CN" dirty="0" smtClean="0"/>
+                        <a:rPr lang="en-US" altLang="zh-CN" dirty="0"/>
                         <a:t>price</a:t>
                       </a:r>
                       <a:endParaRPr lang="zh-CN" altLang="en-US" dirty="0"/>
@@ -7769,10 +7694,9 @@
                     <a:lstStyle/>
                     <a:p>
                       <a:r>
-                        <a:rPr lang="zh-CN" altLang="en-US" dirty="0" smtClean="0"/>
+                        <a:rPr lang="zh-CN" altLang="en-US" dirty="0"/>
                         <a:t>编码</a:t>
                       </a:r>
-                      <a:endParaRPr lang="zh-CN" altLang="en-US" dirty="0"/>
                     </a:p>
                   </a:txBody>
                   <a:tcPr/>
@@ -7783,10 +7707,9 @@
                     <a:lstStyle/>
                     <a:p>
                       <a:r>
-                        <a:rPr lang="zh-CN" altLang="en-US" dirty="0" smtClean="0"/>
+                        <a:rPr lang="zh-CN" altLang="en-US" dirty="0"/>
                         <a:t>合伙人名字</a:t>
                       </a:r>
-                      <a:endParaRPr lang="zh-CN" altLang="en-US" dirty="0"/>
                     </a:p>
                   </a:txBody>
                   <a:tcPr/>
@@ -7797,10 +7720,9 @@
                     <a:lstStyle/>
                     <a:p>
                       <a:r>
-                        <a:rPr lang="zh-CN" altLang="en-US" dirty="0" smtClean="0"/>
+                        <a:rPr lang="zh-CN" altLang="en-US" dirty="0"/>
                         <a:t>合伙金额</a:t>
                       </a:r>
-                      <a:endParaRPr lang="zh-CN" altLang="en-US" dirty="0"/>
                     </a:p>
                   </a:txBody>
                   <a:tcPr/>
@@ -7848,7 +7770,7 @@
                     <a:lstStyle/>
                     <a:p>
                       <a:r>
-                        <a:rPr lang="en-US" altLang="zh-CN" dirty="0" smtClean="0"/>
+                        <a:rPr lang="en-US" altLang="zh-CN" dirty="0"/>
                         <a:t>String</a:t>
                       </a:r>
                       <a:endParaRPr lang="zh-CN" altLang="en-US" dirty="0"/>
@@ -7862,7 +7784,7 @@
                     <a:lstStyle/>
                     <a:p>
                       <a:r>
-                        <a:rPr lang="en-US" altLang="zh-CN" dirty="0" smtClean="0"/>
+                        <a:rPr lang="en-US" altLang="zh-CN" dirty="0"/>
                         <a:t>Integer</a:t>
                       </a:r>
                       <a:endParaRPr lang="zh-CN" altLang="en-US" dirty="0"/>
@@ -7979,21 +7901,21 @@
           <a:lstStyle/>
           <a:p>
             <a:r>
-              <a:rPr lang="en-US" altLang="zh-CN" dirty="0" err="1" smtClean="0"/>
+              <a:rPr lang="en-US" altLang="zh-CN" dirty="0" err="1"/>
               <a:t>partnerName</a:t>
             </a:r>
             <a:r>
-              <a:rPr lang="en-US" altLang="zh-CN" dirty="0" smtClean="0"/>
+              <a:rPr lang="en-US" altLang="zh-CN" dirty="0"/>
               <a:t>:</a:t>
             </a:r>
           </a:p>
           <a:p>
             <a:r>
-              <a:rPr lang="en-US" altLang="zh-CN" dirty="0" err="1" smtClean="0"/>
+              <a:rPr lang="en-US" altLang="zh-CN" dirty="0" err="1"/>
               <a:t>partnerPrice</a:t>
             </a:r>
             <a:r>
-              <a:rPr lang="en-US" altLang="zh-CN" dirty="0" smtClean="0"/>
+              <a:rPr lang="en-US" altLang="zh-CN" dirty="0"/>
               <a:t>:</a:t>
             </a:r>
             <a:endParaRPr lang="zh-CN" altLang="en-US" dirty="0"/>
@@ -8023,7 +7945,7 @@
           <a:lstStyle/>
           <a:p>
             <a:r>
-              <a:rPr lang="en-US" altLang="zh-CN" dirty="0" smtClean="0"/>
+              <a:rPr lang="en-US" altLang="zh-CN" dirty="0"/>
               <a:t>partner</a:t>
             </a:r>
             <a:endParaRPr lang="zh-CN" altLang="en-US" dirty="0"/>
@@ -8043,7 +7965,658 @@
 </p:sld>
 </file>
 
-<file path=ppt/slides/slide19.xml><?xml version="1.0" encoding="utf-8"?>
+<file path=ppt/slides/slide2.xml><?xml version="1.0" encoding="utf-8"?>
+<p:sld xmlns:a="http://schemas.openxmlformats.org/drawingml/2006/main" xmlns:r="http://schemas.openxmlformats.org/officeDocument/2006/relationships" xmlns:p="http://schemas.openxmlformats.org/presentationml/2006/main">
+  <p:cSld>
+    <p:spTree>
+      <p:nvGrpSpPr>
+        <p:cNvPr id="1" name=""/>
+        <p:cNvGrpSpPr/>
+        <p:nvPr/>
+      </p:nvGrpSpPr>
+      <p:grpSpPr>
+        <a:xfrm>
+          <a:off x="0" y="0"/>
+          <a:ext cx="0" cy="0"/>
+          <a:chOff x="0" y="0"/>
+          <a:chExt cx="0" cy="0"/>
+        </a:xfrm>
+      </p:grpSpPr>
+      <p:sp>
+        <p:nvSpPr>
+          <p:cNvPr id="4" name="矩形 3"/>
+          <p:cNvSpPr/>
+          <p:nvPr/>
+        </p:nvSpPr>
+        <p:spPr>
+          <a:xfrm>
+            <a:off x="4240911" y="114300"/>
+            <a:ext cx="3622929" cy="6629400"/>
+          </a:xfrm>
+          <a:prstGeom prst="rect">
+            <a:avLst/>
+          </a:prstGeom>
+          <a:solidFill>
+            <a:srgbClr val="E2ECF0"/>
+          </a:solidFill>
+        </p:spPr>
+        <p:style>
+          <a:lnRef idx="2">
+            <a:schemeClr val="accent1">
+              <a:shade val="50000"/>
+            </a:schemeClr>
+          </a:lnRef>
+          <a:fillRef idx="1">
+            <a:schemeClr val="accent1"/>
+          </a:fillRef>
+          <a:effectRef idx="0">
+            <a:schemeClr val="accent1"/>
+          </a:effectRef>
+          <a:fontRef idx="minor">
+            <a:schemeClr val="lt1"/>
+          </a:fontRef>
+        </p:style>
+        <p:txBody>
+          <a:bodyPr rtlCol="0" anchor="ctr"/>
+          <a:lstStyle/>
+          <a:p>
+            <a:pPr algn="ctr"/>
+            <a:endParaRPr lang="zh-CN" altLang="en-US"/>
+          </a:p>
+        </p:txBody>
+      </p:sp>
+      <p:sp>
+        <p:nvSpPr>
+          <p:cNvPr id="5" name="矩形 4"/>
+          <p:cNvSpPr/>
+          <p:nvPr/>
+        </p:nvSpPr>
+        <p:spPr>
+          <a:xfrm>
+            <a:off x="4253610" y="126619"/>
+            <a:ext cx="3610229" cy="584582"/>
+          </a:xfrm>
+          <a:prstGeom prst="rect">
+            <a:avLst/>
+          </a:prstGeom>
+          <a:solidFill>
+            <a:srgbClr val="24A6F1"/>
+          </a:solidFill>
+          <a:ln>
+            <a:noFill/>
+          </a:ln>
+        </p:spPr>
+        <p:style>
+          <a:lnRef idx="2">
+            <a:schemeClr val="accent1">
+              <a:shade val="50000"/>
+            </a:schemeClr>
+          </a:lnRef>
+          <a:fillRef idx="1">
+            <a:schemeClr val="accent1"/>
+          </a:fillRef>
+          <a:effectRef idx="0">
+            <a:schemeClr val="accent1"/>
+          </a:effectRef>
+          <a:fontRef idx="minor">
+            <a:schemeClr val="lt1"/>
+          </a:fontRef>
+        </p:style>
+        <p:txBody>
+          <a:bodyPr rtlCol="0" anchor="ctr"/>
+          <a:lstStyle/>
+          <a:p>
+            <a:pPr algn="ctr"/>
+            <a:endParaRPr lang="zh-CN" altLang="en-US"/>
+          </a:p>
+        </p:txBody>
+      </p:sp>
+      <p:sp>
+        <p:nvSpPr>
+          <p:cNvPr id="6" name="圆角矩形 5"/>
+          <p:cNvSpPr/>
+          <p:nvPr/>
+        </p:nvSpPr>
+        <p:spPr>
+          <a:xfrm>
+            <a:off x="4444365" y="324485"/>
+            <a:ext cx="237173" cy="45719"/>
+          </a:xfrm>
+          <a:prstGeom prst="roundRect">
+            <a:avLst>
+              <a:gd name="adj" fmla="val 50000"/>
+            </a:avLst>
+          </a:prstGeom>
+          <a:solidFill>
+            <a:schemeClr val="bg1"/>
+          </a:solidFill>
+          <a:ln>
+            <a:solidFill>
+              <a:schemeClr val="bg1"/>
+            </a:solidFill>
+          </a:ln>
+        </p:spPr>
+        <p:style>
+          <a:lnRef idx="2">
+            <a:schemeClr val="accent1">
+              <a:shade val="50000"/>
+            </a:schemeClr>
+          </a:lnRef>
+          <a:fillRef idx="1">
+            <a:schemeClr val="accent1"/>
+          </a:fillRef>
+          <a:effectRef idx="0">
+            <a:schemeClr val="accent1"/>
+          </a:effectRef>
+          <a:fontRef idx="minor">
+            <a:schemeClr val="lt1"/>
+          </a:fontRef>
+        </p:style>
+        <p:txBody>
+          <a:bodyPr rtlCol="0" anchor="ctr"/>
+          <a:lstStyle/>
+          <a:p>
+            <a:pPr algn="ctr"/>
+            <a:endParaRPr lang="zh-CN" altLang="en-US"/>
+          </a:p>
+        </p:txBody>
+      </p:sp>
+      <p:sp>
+        <p:nvSpPr>
+          <p:cNvPr id="7" name="圆角矩形 6"/>
+          <p:cNvSpPr/>
+          <p:nvPr/>
+        </p:nvSpPr>
+        <p:spPr>
+          <a:xfrm>
+            <a:off x="4444365" y="406781"/>
+            <a:ext cx="237173" cy="45719"/>
+          </a:xfrm>
+          <a:prstGeom prst="roundRect">
+            <a:avLst>
+              <a:gd name="adj" fmla="val 50000"/>
+            </a:avLst>
+          </a:prstGeom>
+          <a:solidFill>
+            <a:schemeClr val="bg1"/>
+          </a:solidFill>
+          <a:ln>
+            <a:solidFill>
+              <a:schemeClr val="bg1"/>
+            </a:solidFill>
+          </a:ln>
+        </p:spPr>
+        <p:style>
+          <a:lnRef idx="2">
+            <a:schemeClr val="accent1">
+              <a:shade val="50000"/>
+            </a:schemeClr>
+          </a:lnRef>
+          <a:fillRef idx="1">
+            <a:schemeClr val="accent1"/>
+          </a:fillRef>
+          <a:effectRef idx="0">
+            <a:schemeClr val="accent1"/>
+          </a:effectRef>
+          <a:fontRef idx="minor">
+            <a:schemeClr val="lt1"/>
+          </a:fontRef>
+        </p:style>
+        <p:txBody>
+          <a:bodyPr rtlCol="0" anchor="ctr"/>
+          <a:lstStyle/>
+          <a:p>
+            <a:pPr algn="ctr"/>
+            <a:endParaRPr lang="zh-CN" altLang="en-US"/>
+          </a:p>
+        </p:txBody>
+      </p:sp>
+      <p:sp>
+        <p:nvSpPr>
+          <p:cNvPr id="8" name="圆角矩形 7"/>
+          <p:cNvSpPr/>
+          <p:nvPr/>
+        </p:nvSpPr>
+        <p:spPr>
+          <a:xfrm>
+            <a:off x="4444365" y="485329"/>
+            <a:ext cx="237173" cy="45719"/>
+          </a:xfrm>
+          <a:prstGeom prst="roundRect">
+            <a:avLst>
+              <a:gd name="adj" fmla="val 50000"/>
+            </a:avLst>
+          </a:prstGeom>
+          <a:solidFill>
+            <a:schemeClr val="bg1"/>
+          </a:solidFill>
+          <a:ln>
+            <a:solidFill>
+              <a:schemeClr val="bg1"/>
+            </a:solidFill>
+          </a:ln>
+        </p:spPr>
+        <p:style>
+          <a:lnRef idx="2">
+            <a:schemeClr val="accent1">
+              <a:shade val="50000"/>
+            </a:schemeClr>
+          </a:lnRef>
+          <a:fillRef idx="1">
+            <a:schemeClr val="accent1"/>
+          </a:fillRef>
+          <a:effectRef idx="0">
+            <a:schemeClr val="accent1"/>
+          </a:effectRef>
+          <a:fontRef idx="minor">
+            <a:schemeClr val="lt1"/>
+          </a:fontRef>
+        </p:style>
+        <p:txBody>
+          <a:bodyPr rtlCol="0" anchor="ctr"/>
+          <a:lstStyle/>
+          <a:p>
+            <a:pPr algn="ctr"/>
+            <a:endParaRPr lang="zh-CN" altLang="en-US"/>
+          </a:p>
+        </p:txBody>
+      </p:sp>
+      <p:sp>
+        <p:nvSpPr>
+          <p:cNvPr id="9" name="文本框 8"/>
+          <p:cNvSpPr txBox="1"/>
+          <p:nvPr/>
+        </p:nvSpPr>
+        <p:spPr>
+          <a:xfrm>
+            <a:off x="5385813" y="259935"/>
+            <a:ext cx="1318898" cy="338554"/>
+          </a:xfrm>
+          <a:prstGeom prst="rect">
+            <a:avLst/>
+          </a:prstGeom>
+          <a:noFill/>
+        </p:spPr>
+        <p:txBody>
+          <a:bodyPr wrap="square" rtlCol="0">
+            <a:spAutoFit/>
+          </a:bodyPr>
+          <a:lstStyle/>
+          <a:p>
+            <a:pPr algn="ctr"/>
+            <a:r>
+              <a:rPr lang="zh-CN" altLang="en-US" sz="1600" dirty="0">
+                <a:solidFill>
+                  <a:schemeClr val="bg1"/>
+                </a:solidFill>
+                <a:latin typeface="黑体" panose="02010609060101010101" pitchFamily="49" charset="-122"/>
+                <a:ea typeface="黑体" panose="02010609060101010101" pitchFamily="49" charset="-122"/>
+              </a:rPr>
+              <a:t>车辆列表</a:t>
+            </a:r>
+          </a:p>
+        </p:txBody>
+      </p:sp>
+      <p:sp>
+        <p:nvSpPr>
+          <p:cNvPr id="10" name="圆角矩形 9"/>
+          <p:cNvSpPr/>
+          <p:nvPr/>
+        </p:nvSpPr>
+        <p:spPr>
+          <a:xfrm>
+            <a:off x="4322031" y="1828479"/>
+            <a:ext cx="3446462" cy="568960"/>
+          </a:xfrm>
+          <a:prstGeom prst="roundRect">
+            <a:avLst>
+              <a:gd name="adj" fmla="val 10516"/>
+            </a:avLst>
+          </a:prstGeom>
+        </p:spPr>
+        <p:style>
+          <a:lnRef idx="2">
+            <a:schemeClr val="accent1">
+              <a:shade val="50000"/>
+            </a:schemeClr>
+          </a:lnRef>
+          <a:fillRef idx="1">
+            <a:schemeClr val="accent1"/>
+          </a:fillRef>
+          <a:effectRef idx="0">
+            <a:schemeClr val="accent1"/>
+          </a:effectRef>
+          <a:fontRef idx="minor">
+            <a:schemeClr val="lt1"/>
+          </a:fontRef>
+        </p:style>
+        <p:txBody>
+          <a:bodyPr rtlCol="0" anchor="ctr"/>
+          <a:lstStyle/>
+          <a:p>
+            <a:pPr algn="ctr"/>
+            <a:endParaRPr lang="zh-CN" altLang="en-US"/>
+          </a:p>
+        </p:txBody>
+      </p:sp>
+      <p:sp>
+        <p:nvSpPr>
+          <p:cNvPr id="11" name="圆角矩形 10"/>
+          <p:cNvSpPr/>
+          <p:nvPr/>
+        </p:nvSpPr>
+        <p:spPr>
+          <a:xfrm>
+            <a:off x="4336098" y="796355"/>
+            <a:ext cx="3446462" cy="568960"/>
+          </a:xfrm>
+          <a:prstGeom prst="roundRect">
+            <a:avLst>
+              <a:gd name="adj" fmla="val 12189"/>
+            </a:avLst>
+          </a:prstGeom>
+          <a:noFill/>
+        </p:spPr>
+        <p:style>
+          <a:lnRef idx="2">
+            <a:schemeClr val="accent1">
+              <a:shade val="50000"/>
+            </a:schemeClr>
+          </a:lnRef>
+          <a:fillRef idx="1">
+            <a:schemeClr val="accent1"/>
+          </a:fillRef>
+          <a:effectRef idx="0">
+            <a:schemeClr val="accent1"/>
+          </a:effectRef>
+          <a:fontRef idx="minor">
+            <a:schemeClr val="lt1"/>
+          </a:fontRef>
+        </p:style>
+        <p:txBody>
+          <a:bodyPr rtlCol="0" anchor="ctr"/>
+          <a:lstStyle/>
+          <a:p>
+            <a:pPr algn="ctr"/>
+            <a:endParaRPr lang="zh-CN" altLang="en-US"/>
+          </a:p>
+        </p:txBody>
+      </p:sp>
+      <p:sp>
+        <p:nvSpPr>
+          <p:cNvPr id="12" name="文本框 11"/>
+          <p:cNvSpPr txBox="1"/>
+          <p:nvPr/>
+        </p:nvSpPr>
+        <p:spPr>
+          <a:xfrm>
+            <a:off x="5303520" y="896169"/>
+            <a:ext cx="1584960" cy="369332"/>
+          </a:xfrm>
+          <a:prstGeom prst="rect">
+            <a:avLst/>
+          </a:prstGeom>
+          <a:noFill/>
+        </p:spPr>
+        <p:txBody>
+          <a:bodyPr wrap="square" rtlCol="0">
+            <a:spAutoFit/>
+          </a:bodyPr>
+          <a:lstStyle/>
+          <a:p>
+            <a:r>
+              <a:rPr lang="zh-CN" altLang="en-US" dirty="0"/>
+              <a:t>搜索</a:t>
+            </a:r>
+          </a:p>
+        </p:txBody>
+      </p:sp>
+      <p:sp>
+        <p:nvSpPr>
+          <p:cNvPr id="13" name="文本框 12"/>
+          <p:cNvSpPr txBox="1"/>
+          <p:nvPr/>
+        </p:nvSpPr>
+        <p:spPr>
+          <a:xfrm>
+            <a:off x="6681962" y="1431077"/>
+            <a:ext cx="773049" cy="369332"/>
+          </a:xfrm>
+          <a:prstGeom prst="rect">
+            <a:avLst/>
+          </a:prstGeom>
+          <a:noFill/>
+        </p:spPr>
+        <p:txBody>
+          <a:bodyPr wrap="square" rtlCol="0">
+            <a:spAutoFit/>
+          </a:bodyPr>
+          <a:lstStyle/>
+          <a:p>
+            <a:r>
+              <a:rPr lang="zh-CN" altLang="en-US" dirty="0"/>
+              <a:t>已售</a:t>
+            </a:r>
+          </a:p>
+        </p:txBody>
+      </p:sp>
+      <p:sp>
+        <p:nvSpPr>
+          <p:cNvPr id="14" name="圆角矩形 13"/>
+          <p:cNvSpPr/>
+          <p:nvPr/>
+        </p:nvSpPr>
+        <p:spPr>
+          <a:xfrm>
+            <a:off x="7272901" y="1523098"/>
+            <a:ext cx="364220" cy="213360"/>
+          </a:xfrm>
+          <a:prstGeom prst="roundRect">
+            <a:avLst>
+              <a:gd name="adj" fmla="val 50000"/>
+            </a:avLst>
+          </a:prstGeom>
+        </p:spPr>
+        <p:style>
+          <a:lnRef idx="2">
+            <a:schemeClr val="accent1">
+              <a:shade val="50000"/>
+            </a:schemeClr>
+          </a:lnRef>
+          <a:fillRef idx="1">
+            <a:schemeClr val="accent1"/>
+          </a:fillRef>
+          <a:effectRef idx="0">
+            <a:schemeClr val="accent1"/>
+          </a:effectRef>
+          <a:fontRef idx="minor">
+            <a:schemeClr val="lt1"/>
+          </a:fontRef>
+        </p:style>
+        <p:txBody>
+          <a:bodyPr rtlCol="0" anchor="ctr"/>
+          <a:lstStyle/>
+          <a:p>
+            <a:pPr algn="ctr"/>
+            <a:endParaRPr lang="zh-CN" altLang="en-US"/>
+          </a:p>
+        </p:txBody>
+      </p:sp>
+      <p:sp>
+        <p:nvSpPr>
+          <p:cNvPr id="15" name="文本框 14"/>
+          <p:cNvSpPr txBox="1"/>
+          <p:nvPr/>
+        </p:nvSpPr>
+        <p:spPr>
+          <a:xfrm>
+            <a:off x="4310601" y="1928293"/>
+            <a:ext cx="1256824" cy="369332"/>
+          </a:xfrm>
+          <a:prstGeom prst="rect">
+            <a:avLst/>
+          </a:prstGeom>
+          <a:noFill/>
+        </p:spPr>
+        <p:txBody>
+          <a:bodyPr wrap="square" rtlCol="0">
+            <a:spAutoFit/>
+          </a:bodyPr>
+          <a:lstStyle/>
+          <a:p>
+            <a:r>
+              <a:rPr lang="zh-CN" altLang="en-US" dirty="0"/>
+              <a:t>川</a:t>
+            </a:r>
+            <a:r>
+              <a:rPr lang="en-US" altLang="zh-CN" dirty="0"/>
+              <a:t>A78987</a:t>
+            </a:r>
+            <a:endParaRPr lang="zh-CN" altLang="en-US" dirty="0"/>
+          </a:p>
+        </p:txBody>
+      </p:sp>
+      <p:sp>
+        <p:nvSpPr>
+          <p:cNvPr id="16" name="文本框 15"/>
+          <p:cNvSpPr txBox="1"/>
+          <p:nvPr/>
+        </p:nvSpPr>
+        <p:spPr>
+          <a:xfrm>
+            <a:off x="5648545" y="1928293"/>
+            <a:ext cx="644305" cy="369332"/>
+          </a:xfrm>
+          <a:prstGeom prst="rect">
+            <a:avLst/>
+          </a:prstGeom>
+          <a:noFill/>
+        </p:spPr>
+        <p:txBody>
+          <a:bodyPr wrap="square" rtlCol="0">
+            <a:spAutoFit/>
+          </a:bodyPr>
+          <a:lstStyle/>
+          <a:p>
+            <a:r>
+              <a:rPr lang="zh-CN" altLang="en-US" dirty="0"/>
+              <a:t>蓝色</a:t>
+            </a:r>
+          </a:p>
+        </p:txBody>
+      </p:sp>
+      <p:sp>
+        <p:nvSpPr>
+          <p:cNvPr id="17" name="文本框 16"/>
+          <p:cNvSpPr txBox="1"/>
+          <p:nvPr/>
+        </p:nvSpPr>
+        <p:spPr>
+          <a:xfrm>
+            <a:off x="6359809" y="1928293"/>
+            <a:ext cx="644305" cy="369332"/>
+          </a:xfrm>
+          <a:prstGeom prst="rect">
+            <a:avLst/>
+          </a:prstGeom>
+          <a:noFill/>
+        </p:spPr>
+        <p:txBody>
+          <a:bodyPr wrap="square" rtlCol="0">
+            <a:spAutoFit/>
+          </a:bodyPr>
+          <a:lstStyle/>
+          <a:p>
+            <a:r>
+              <a:rPr lang="zh-CN" altLang="en-US" dirty="0"/>
+              <a:t>宝马</a:t>
+            </a:r>
+          </a:p>
+        </p:txBody>
+      </p:sp>
+      <p:sp>
+        <p:nvSpPr>
+          <p:cNvPr id="18" name="文本框 17"/>
+          <p:cNvSpPr txBox="1"/>
+          <p:nvPr/>
+        </p:nvSpPr>
+        <p:spPr>
+          <a:xfrm>
+            <a:off x="5644241" y="1427054"/>
+            <a:ext cx="700540" cy="369332"/>
+          </a:xfrm>
+          <a:prstGeom prst="rect">
+            <a:avLst/>
+          </a:prstGeom>
+          <a:noFill/>
+        </p:spPr>
+        <p:txBody>
+          <a:bodyPr wrap="square" rtlCol="0">
+            <a:spAutoFit/>
+          </a:bodyPr>
+          <a:lstStyle/>
+          <a:p>
+            <a:r>
+              <a:rPr lang="zh-CN" altLang="en-US" dirty="0"/>
+              <a:t>时间</a:t>
+            </a:r>
+          </a:p>
+        </p:txBody>
+      </p:sp>
+      <p:sp>
+        <p:nvSpPr>
+          <p:cNvPr id="19" name="等腰三角形 18"/>
+          <p:cNvSpPr/>
+          <p:nvPr/>
+        </p:nvSpPr>
+        <p:spPr>
+          <a:xfrm rot="10800000">
+            <a:off x="6318649" y="1555645"/>
+            <a:ext cx="171987" cy="148265"/>
+          </a:xfrm>
+          <a:prstGeom prst="triangle">
+            <a:avLst/>
+          </a:prstGeom>
+        </p:spPr>
+        <p:style>
+          <a:lnRef idx="2">
+            <a:schemeClr val="accent1">
+              <a:shade val="50000"/>
+            </a:schemeClr>
+          </a:lnRef>
+          <a:fillRef idx="1">
+            <a:schemeClr val="accent1"/>
+          </a:fillRef>
+          <a:effectRef idx="0">
+            <a:schemeClr val="accent1"/>
+          </a:effectRef>
+          <a:fontRef idx="minor">
+            <a:schemeClr val="lt1"/>
+          </a:fontRef>
+        </p:style>
+        <p:txBody>
+          <a:bodyPr rtlCol="0" anchor="ctr"/>
+          <a:lstStyle/>
+          <a:p>
+            <a:pPr algn="ctr"/>
+            <a:endParaRPr lang="zh-CN" altLang="en-US"/>
+          </a:p>
+        </p:txBody>
+      </p:sp>
+    </p:spTree>
+    <p:extLst>
+      <p:ext uri="{BB962C8B-B14F-4D97-AF65-F5344CB8AC3E}">
+        <p14:creationId xmlns:p14="http://schemas.microsoft.com/office/powerpoint/2010/main" val="3866586568"/>
+      </p:ext>
+    </p:extLst>
+  </p:cSld>
+  <p:clrMapOvr>
+    <a:masterClrMapping/>
+  </p:clrMapOvr>
+</p:sld>
+</file>
+
+<file path=ppt/slides/slide20.xml><?xml version="1.0" encoding="utf-8"?>
 <p:sld xmlns:a="http://schemas.openxmlformats.org/drawingml/2006/main" xmlns:r="http://schemas.openxmlformats.org/officeDocument/2006/relationships" xmlns:p="http://schemas.openxmlformats.org/presentationml/2006/main">
   <p:cSld>
     <p:spTree>
@@ -8128,7 +8701,7 @@
                     <a:lstStyle/>
                     <a:p>
                       <a:r>
-                        <a:rPr lang="en-US" altLang="zh-CN" dirty="0" smtClean="0"/>
+                        <a:rPr lang="en-US" altLang="zh-CN" dirty="0"/>
                         <a:t>id</a:t>
                       </a:r>
                       <a:endParaRPr lang="zh-CN" altLang="en-US" dirty="0"/>
@@ -8142,7 +8715,7 @@
                     <a:lstStyle/>
                     <a:p>
                       <a:r>
-                        <a:rPr lang="en-US" altLang="zh-CN" dirty="0" err="1" smtClean="0"/>
+                        <a:rPr lang="en-US" altLang="zh-CN" dirty="0" err="1"/>
                         <a:t>repairItem</a:t>
                       </a:r>
                       <a:endParaRPr lang="zh-CN" altLang="en-US" dirty="0"/>
@@ -8156,7 +8729,7 @@
                     <a:lstStyle/>
                     <a:p>
                       <a:r>
-                        <a:rPr lang="en-US" altLang="zh-CN" dirty="0" err="1" smtClean="0"/>
+                        <a:rPr lang="en-US" altLang="zh-CN" dirty="0" err="1"/>
                         <a:t>repairPrice</a:t>
                       </a:r>
                       <a:endParaRPr lang="zh-CN" altLang="en-US" dirty="0"/>
@@ -8170,7 +8743,7 @@
                     <a:lstStyle/>
                     <a:p>
                       <a:r>
-                        <a:rPr lang="en-US" altLang="zh-CN" dirty="0" err="1" smtClean="0"/>
+                        <a:rPr lang="en-US" altLang="zh-CN" dirty="0" err="1"/>
                         <a:t>handlerName</a:t>
                       </a:r>
                       <a:endParaRPr lang="zh-CN" altLang="en-US" dirty="0"/>
@@ -8184,7 +8757,7 @@
                     <a:lstStyle/>
                     <a:p>
                       <a:r>
-                        <a:rPr lang="en-US" altLang="zh-CN" dirty="0" err="1" smtClean="0"/>
+                        <a:rPr lang="en-US" altLang="zh-CN" dirty="0" err="1"/>
                         <a:t>handleDate</a:t>
                       </a:r>
                       <a:endParaRPr lang="zh-CN" altLang="en-US" dirty="0"/>
@@ -8205,10 +8778,9 @@
                     <a:lstStyle/>
                     <a:p>
                       <a:r>
-                        <a:rPr lang="zh-CN" altLang="en-US" dirty="0" smtClean="0"/>
+                        <a:rPr lang="zh-CN" altLang="en-US" dirty="0"/>
                         <a:t>编码</a:t>
                       </a:r>
-                      <a:endParaRPr lang="zh-CN" altLang="en-US" dirty="0"/>
                     </a:p>
                   </a:txBody>
                   <a:tcPr/>
@@ -8219,10 +8791,9 @@
                     <a:lstStyle/>
                     <a:p>
                       <a:r>
-                        <a:rPr lang="zh-CN" altLang="en-US" dirty="0" smtClean="0"/>
+                        <a:rPr lang="zh-CN" altLang="en-US" dirty="0"/>
                         <a:t>整备项目</a:t>
                       </a:r>
-                      <a:endParaRPr lang="zh-CN" altLang="en-US" dirty="0"/>
                     </a:p>
                   </a:txBody>
                   <a:tcPr/>
@@ -8233,10 +8804,9 @@
                     <a:lstStyle/>
                     <a:p>
                       <a:r>
-                        <a:rPr lang="zh-CN" altLang="en-US" dirty="0" smtClean="0"/>
+                        <a:rPr lang="zh-CN" altLang="en-US" dirty="0"/>
                         <a:t>整备价格</a:t>
                       </a:r>
-                      <a:endParaRPr lang="zh-CN" altLang="en-US" dirty="0"/>
                     </a:p>
                   </a:txBody>
                   <a:tcPr/>
@@ -8247,10 +8817,9 @@
                     <a:lstStyle/>
                     <a:p>
                       <a:r>
-                        <a:rPr lang="zh-CN" altLang="en-US" dirty="0" smtClean="0"/>
+                        <a:rPr lang="zh-CN" altLang="en-US" dirty="0"/>
                         <a:t>处理人名字</a:t>
                       </a:r>
-                      <a:endParaRPr lang="zh-CN" altLang="en-US" dirty="0"/>
                     </a:p>
                   </a:txBody>
                   <a:tcPr/>
@@ -8261,10 +8830,9 @@
                     <a:lstStyle/>
                     <a:p>
                       <a:r>
-                        <a:rPr lang="zh-CN" altLang="en-US" dirty="0" smtClean="0"/>
+                        <a:rPr lang="zh-CN" altLang="en-US" dirty="0"/>
                         <a:t>处理时间</a:t>
                       </a:r>
-                      <a:endParaRPr lang="zh-CN" altLang="en-US" dirty="0"/>
                     </a:p>
                   </a:txBody>
                   <a:tcPr/>
@@ -8292,7 +8860,7 @@
                     <a:lstStyle/>
                     <a:p>
                       <a:r>
-                        <a:rPr lang="en-US" altLang="zh-CN" dirty="0" smtClean="0"/>
+                        <a:rPr lang="en-US" altLang="zh-CN" dirty="0"/>
                         <a:t>String</a:t>
                       </a:r>
                       <a:endParaRPr lang="zh-CN" altLang="en-US" dirty="0"/>
@@ -8306,7 +8874,7 @@
                     <a:lstStyle/>
                     <a:p>
                       <a:r>
-                        <a:rPr lang="en-US" altLang="zh-CN" dirty="0" smtClean="0"/>
+                        <a:rPr lang="en-US" altLang="zh-CN" dirty="0"/>
                         <a:t>Integer</a:t>
                       </a:r>
                       <a:endParaRPr lang="zh-CN" altLang="en-US" dirty="0"/>
@@ -8320,7 +8888,7 @@
                     <a:lstStyle/>
                     <a:p>
                       <a:r>
-                        <a:rPr lang="en-US" altLang="zh-CN" dirty="0" smtClean="0"/>
+                        <a:rPr lang="en-US" altLang="zh-CN" dirty="0"/>
                         <a:t>String</a:t>
                       </a:r>
                       <a:endParaRPr lang="zh-CN" altLang="en-US" dirty="0"/>
@@ -8334,7 +8902,7 @@
                     <a:lstStyle/>
                     <a:p>
                       <a:r>
-                        <a:rPr lang="en-US" altLang="zh-CN" dirty="0" smtClean="0"/>
+                        <a:rPr lang="en-US" altLang="zh-CN" dirty="0"/>
                         <a:t>Date</a:t>
                       </a:r>
                       <a:endParaRPr lang="zh-CN" altLang="en-US" dirty="0"/>
@@ -8432,31 +9000,31 @@
           <a:lstStyle/>
           <a:p>
             <a:r>
-              <a:rPr lang="zh-CN" altLang="en-US" dirty="0" smtClean="0"/>
+              <a:rPr lang="zh-CN" altLang="en-US" dirty="0"/>
               <a:t>整备项目：</a:t>
             </a:r>
-            <a:endParaRPr lang="en-US" altLang="zh-CN" dirty="0" smtClean="0"/>
-          </a:p>
-          <a:p>
-            <a:r>
-              <a:rPr lang="zh-CN" altLang="en-US" dirty="0" smtClean="0"/>
+            <a:endParaRPr lang="en-US" altLang="zh-CN" dirty="0"/>
+          </a:p>
+          <a:p>
+            <a:r>
+              <a:rPr lang="zh-CN" altLang="en-US" dirty="0"/>
               <a:t>整备金额：</a:t>
             </a:r>
-            <a:endParaRPr lang="en-US" altLang="zh-CN" dirty="0" smtClean="0"/>
-          </a:p>
-          <a:p>
-            <a:r>
-              <a:rPr lang="zh-CN" altLang="en-US" dirty="0" smtClean="0"/>
+            <a:endParaRPr lang="en-US" altLang="zh-CN" dirty="0"/>
+          </a:p>
+          <a:p>
+            <a:r>
+              <a:rPr lang="zh-CN" altLang="en-US" dirty="0"/>
               <a:t>经手人：</a:t>
             </a:r>
-            <a:endParaRPr lang="en-US" altLang="zh-CN" dirty="0" smtClean="0"/>
-          </a:p>
-          <a:p>
-            <a:r>
-              <a:rPr lang="zh-CN" altLang="en-US" dirty="0" smtClean="0"/>
+            <a:endParaRPr lang="en-US" altLang="zh-CN" dirty="0"/>
+          </a:p>
+          <a:p>
+            <a:r>
+              <a:rPr lang="zh-CN" altLang="en-US" dirty="0"/>
               <a:t>时间：</a:t>
             </a:r>
-            <a:endParaRPr lang="en-US" altLang="zh-CN" dirty="0" smtClean="0"/>
+            <a:endParaRPr lang="en-US" altLang="zh-CN" dirty="0"/>
           </a:p>
         </p:txBody>
       </p:sp>
@@ -8482,57 +9050,56 @@
           <a:lstStyle/>
           <a:p>
             <a:r>
-              <a:rPr lang="en-US" altLang="zh-CN" dirty="0" err="1" smtClean="0"/>
+              <a:rPr lang="en-US" altLang="zh-CN" dirty="0" err="1"/>
               <a:t>vehicleNum</a:t>
             </a:r>
             <a:r>
-              <a:rPr lang="en-US" altLang="zh-CN" dirty="0" smtClean="0"/>
+              <a:rPr lang="en-US" altLang="zh-CN" dirty="0"/>
               <a:t>: String</a:t>
             </a:r>
           </a:p>
           <a:p>
-            <a:endParaRPr lang="en-US" altLang="zh-CN" dirty="0" smtClean="0"/>
-          </a:p>
-          <a:p>
-            <a:r>
-              <a:rPr lang="en-US" altLang="zh-CN" dirty="0" err="1" smtClean="0"/>
+            <a:endParaRPr lang="en-US" altLang="zh-CN" dirty="0"/>
+          </a:p>
+          <a:p>
+            <a:r>
+              <a:rPr lang="en-US" altLang="zh-CN" dirty="0" err="1"/>
               <a:t>repairItem</a:t>
             </a:r>
             <a:r>
-              <a:rPr lang="en-US" altLang="zh-CN" dirty="0" smtClean="0"/>
+              <a:rPr lang="en-US" altLang="zh-CN" dirty="0"/>
               <a:t>:  String</a:t>
             </a:r>
           </a:p>
           <a:p>
             <a:r>
-              <a:rPr lang="en-US" altLang="zh-CN" dirty="0" err="1" smtClean="0"/>
+              <a:rPr lang="en-US" altLang="zh-CN" dirty="0" err="1"/>
               <a:t>repairPrice</a:t>
             </a:r>
             <a:r>
-              <a:rPr lang="en-US" altLang="zh-CN" dirty="0" smtClean="0"/>
+              <a:rPr lang="en-US" altLang="zh-CN" dirty="0"/>
               <a:t>: </a:t>
             </a:r>
           </a:p>
           <a:p>
             <a:r>
-              <a:rPr lang="en-US" altLang="zh-CN" dirty="0" err="1" smtClean="0"/>
+              <a:rPr lang="en-US" altLang="zh-CN" dirty="0" err="1"/>
               <a:t>handlerName</a:t>
             </a:r>
             <a:r>
-              <a:rPr lang="en-US" altLang="zh-CN" dirty="0" smtClean="0"/>
+              <a:rPr lang="en-US" altLang="zh-CN" dirty="0"/>
               <a:t>: </a:t>
             </a:r>
           </a:p>
           <a:p>
             <a:r>
-              <a:rPr lang="en-US" altLang="zh-CN" dirty="0" err="1" smtClean="0"/>
+              <a:rPr lang="en-US" altLang="zh-CN" dirty="0" err="1"/>
               <a:t>handleDate</a:t>
             </a:r>
             <a:r>
-              <a:rPr lang="en-US" altLang="zh-CN" dirty="0" smtClean="0"/>
+              <a:rPr lang="en-US" altLang="zh-CN" dirty="0"/>
               <a:t>: Date</a:t>
             </a:r>
-            <a:endParaRPr lang="en-US" altLang="zh-CN" dirty="0"/>
           </a:p>
         </p:txBody>
       </p:sp>
@@ -8558,7 +9125,7 @@
           <a:lstStyle/>
           <a:p>
             <a:r>
-              <a:rPr lang="en-US" altLang="zh-CN" dirty="0" smtClean="0">
+              <a:rPr lang="en-US" altLang="zh-CN" dirty="0">
                 <a:solidFill>
                   <a:srgbClr val="D52020"/>
                 </a:solidFill>
@@ -8621,670 +9188,7 @@
 </p:sld>
 </file>
 
-<file path=ppt/slides/slide2.xml><?xml version="1.0" encoding="utf-8"?>
-<p:sld xmlns:a="http://schemas.openxmlformats.org/drawingml/2006/main" xmlns:r="http://schemas.openxmlformats.org/officeDocument/2006/relationships" xmlns:p="http://schemas.openxmlformats.org/presentationml/2006/main">
-  <p:cSld>
-    <p:spTree>
-      <p:nvGrpSpPr>
-        <p:cNvPr id="1" name=""/>
-        <p:cNvGrpSpPr/>
-        <p:nvPr/>
-      </p:nvGrpSpPr>
-      <p:grpSpPr>
-        <a:xfrm>
-          <a:off x="0" y="0"/>
-          <a:ext cx="0" cy="0"/>
-          <a:chOff x="0" y="0"/>
-          <a:chExt cx="0" cy="0"/>
-        </a:xfrm>
-      </p:grpSpPr>
-      <p:sp>
-        <p:nvSpPr>
-          <p:cNvPr id="4" name="矩形 3"/>
-          <p:cNvSpPr/>
-          <p:nvPr/>
-        </p:nvSpPr>
-        <p:spPr>
-          <a:xfrm>
-            <a:off x="4240911" y="114300"/>
-            <a:ext cx="3622929" cy="6629400"/>
-          </a:xfrm>
-          <a:prstGeom prst="rect">
-            <a:avLst/>
-          </a:prstGeom>
-          <a:solidFill>
-            <a:srgbClr val="E2ECF0"/>
-          </a:solidFill>
-        </p:spPr>
-        <p:style>
-          <a:lnRef idx="2">
-            <a:schemeClr val="accent1">
-              <a:shade val="50000"/>
-            </a:schemeClr>
-          </a:lnRef>
-          <a:fillRef idx="1">
-            <a:schemeClr val="accent1"/>
-          </a:fillRef>
-          <a:effectRef idx="0">
-            <a:schemeClr val="accent1"/>
-          </a:effectRef>
-          <a:fontRef idx="minor">
-            <a:schemeClr val="lt1"/>
-          </a:fontRef>
-        </p:style>
-        <p:txBody>
-          <a:bodyPr rtlCol="0" anchor="ctr"/>
-          <a:lstStyle/>
-          <a:p>
-            <a:pPr algn="ctr"/>
-            <a:endParaRPr lang="zh-CN" altLang="en-US"/>
-          </a:p>
-        </p:txBody>
-      </p:sp>
-      <p:sp>
-        <p:nvSpPr>
-          <p:cNvPr id="5" name="矩形 4"/>
-          <p:cNvSpPr/>
-          <p:nvPr/>
-        </p:nvSpPr>
-        <p:spPr>
-          <a:xfrm>
-            <a:off x="4253610" y="126619"/>
-            <a:ext cx="3610229" cy="584582"/>
-          </a:xfrm>
-          <a:prstGeom prst="rect">
-            <a:avLst/>
-          </a:prstGeom>
-          <a:solidFill>
-            <a:srgbClr val="24A6F1"/>
-          </a:solidFill>
-          <a:ln>
-            <a:noFill/>
-          </a:ln>
-        </p:spPr>
-        <p:style>
-          <a:lnRef idx="2">
-            <a:schemeClr val="accent1">
-              <a:shade val="50000"/>
-            </a:schemeClr>
-          </a:lnRef>
-          <a:fillRef idx="1">
-            <a:schemeClr val="accent1"/>
-          </a:fillRef>
-          <a:effectRef idx="0">
-            <a:schemeClr val="accent1"/>
-          </a:effectRef>
-          <a:fontRef idx="minor">
-            <a:schemeClr val="lt1"/>
-          </a:fontRef>
-        </p:style>
-        <p:txBody>
-          <a:bodyPr rtlCol="0" anchor="ctr"/>
-          <a:lstStyle/>
-          <a:p>
-            <a:pPr algn="ctr"/>
-            <a:endParaRPr lang="zh-CN" altLang="en-US"/>
-          </a:p>
-        </p:txBody>
-      </p:sp>
-      <p:sp>
-        <p:nvSpPr>
-          <p:cNvPr id="6" name="圆角矩形 5"/>
-          <p:cNvSpPr/>
-          <p:nvPr/>
-        </p:nvSpPr>
-        <p:spPr>
-          <a:xfrm>
-            <a:off x="4444365" y="324485"/>
-            <a:ext cx="237173" cy="45719"/>
-          </a:xfrm>
-          <a:prstGeom prst="roundRect">
-            <a:avLst>
-              <a:gd name="adj" fmla="val 50000"/>
-            </a:avLst>
-          </a:prstGeom>
-          <a:solidFill>
-            <a:schemeClr val="bg1"/>
-          </a:solidFill>
-          <a:ln>
-            <a:solidFill>
-              <a:schemeClr val="bg1"/>
-            </a:solidFill>
-          </a:ln>
-        </p:spPr>
-        <p:style>
-          <a:lnRef idx="2">
-            <a:schemeClr val="accent1">
-              <a:shade val="50000"/>
-            </a:schemeClr>
-          </a:lnRef>
-          <a:fillRef idx="1">
-            <a:schemeClr val="accent1"/>
-          </a:fillRef>
-          <a:effectRef idx="0">
-            <a:schemeClr val="accent1"/>
-          </a:effectRef>
-          <a:fontRef idx="minor">
-            <a:schemeClr val="lt1"/>
-          </a:fontRef>
-        </p:style>
-        <p:txBody>
-          <a:bodyPr rtlCol="0" anchor="ctr"/>
-          <a:lstStyle/>
-          <a:p>
-            <a:pPr algn="ctr"/>
-            <a:endParaRPr lang="zh-CN" altLang="en-US"/>
-          </a:p>
-        </p:txBody>
-      </p:sp>
-      <p:sp>
-        <p:nvSpPr>
-          <p:cNvPr id="7" name="圆角矩形 6"/>
-          <p:cNvSpPr/>
-          <p:nvPr/>
-        </p:nvSpPr>
-        <p:spPr>
-          <a:xfrm>
-            <a:off x="4444365" y="406781"/>
-            <a:ext cx="237173" cy="45719"/>
-          </a:xfrm>
-          <a:prstGeom prst="roundRect">
-            <a:avLst>
-              <a:gd name="adj" fmla="val 50000"/>
-            </a:avLst>
-          </a:prstGeom>
-          <a:solidFill>
-            <a:schemeClr val="bg1"/>
-          </a:solidFill>
-          <a:ln>
-            <a:solidFill>
-              <a:schemeClr val="bg1"/>
-            </a:solidFill>
-          </a:ln>
-        </p:spPr>
-        <p:style>
-          <a:lnRef idx="2">
-            <a:schemeClr val="accent1">
-              <a:shade val="50000"/>
-            </a:schemeClr>
-          </a:lnRef>
-          <a:fillRef idx="1">
-            <a:schemeClr val="accent1"/>
-          </a:fillRef>
-          <a:effectRef idx="0">
-            <a:schemeClr val="accent1"/>
-          </a:effectRef>
-          <a:fontRef idx="minor">
-            <a:schemeClr val="lt1"/>
-          </a:fontRef>
-        </p:style>
-        <p:txBody>
-          <a:bodyPr rtlCol="0" anchor="ctr"/>
-          <a:lstStyle/>
-          <a:p>
-            <a:pPr algn="ctr"/>
-            <a:endParaRPr lang="zh-CN" altLang="en-US"/>
-          </a:p>
-        </p:txBody>
-      </p:sp>
-      <p:sp>
-        <p:nvSpPr>
-          <p:cNvPr id="8" name="圆角矩形 7"/>
-          <p:cNvSpPr/>
-          <p:nvPr/>
-        </p:nvSpPr>
-        <p:spPr>
-          <a:xfrm>
-            <a:off x="4444365" y="485329"/>
-            <a:ext cx="237173" cy="45719"/>
-          </a:xfrm>
-          <a:prstGeom prst="roundRect">
-            <a:avLst>
-              <a:gd name="adj" fmla="val 50000"/>
-            </a:avLst>
-          </a:prstGeom>
-          <a:solidFill>
-            <a:schemeClr val="bg1"/>
-          </a:solidFill>
-          <a:ln>
-            <a:solidFill>
-              <a:schemeClr val="bg1"/>
-            </a:solidFill>
-          </a:ln>
-        </p:spPr>
-        <p:style>
-          <a:lnRef idx="2">
-            <a:schemeClr val="accent1">
-              <a:shade val="50000"/>
-            </a:schemeClr>
-          </a:lnRef>
-          <a:fillRef idx="1">
-            <a:schemeClr val="accent1"/>
-          </a:fillRef>
-          <a:effectRef idx="0">
-            <a:schemeClr val="accent1"/>
-          </a:effectRef>
-          <a:fontRef idx="minor">
-            <a:schemeClr val="lt1"/>
-          </a:fontRef>
-        </p:style>
-        <p:txBody>
-          <a:bodyPr rtlCol="0" anchor="ctr"/>
-          <a:lstStyle/>
-          <a:p>
-            <a:pPr algn="ctr"/>
-            <a:endParaRPr lang="zh-CN" altLang="en-US"/>
-          </a:p>
-        </p:txBody>
-      </p:sp>
-      <p:sp>
-        <p:nvSpPr>
-          <p:cNvPr id="9" name="文本框 8"/>
-          <p:cNvSpPr txBox="1"/>
-          <p:nvPr/>
-        </p:nvSpPr>
-        <p:spPr>
-          <a:xfrm>
-            <a:off x="5385813" y="259935"/>
-            <a:ext cx="1318898" cy="338554"/>
-          </a:xfrm>
-          <a:prstGeom prst="rect">
-            <a:avLst/>
-          </a:prstGeom>
-          <a:noFill/>
-        </p:spPr>
-        <p:txBody>
-          <a:bodyPr wrap="square" rtlCol="0">
-            <a:spAutoFit/>
-          </a:bodyPr>
-          <a:lstStyle/>
-          <a:p>
-            <a:pPr algn="ctr"/>
-            <a:r>
-              <a:rPr lang="zh-CN" altLang="en-US" sz="1600" dirty="0" smtClean="0">
-                <a:solidFill>
-                  <a:schemeClr val="bg1"/>
-                </a:solidFill>
-                <a:latin typeface="黑体" panose="02010609060101010101" pitchFamily="49" charset="-122"/>
-                <a:ea typeface="黑体" panose="02010609060101010101" pitchFamily="49" charset="-122"/>
-              </a:rPr>
-              <a:t>车辆列表</a:t>
-            </a:r>
-            <a:endParaRPr lang="zh-CN" altLang="en-US" sz="1600" dirty="0">
-              <a:solidFill>
-                <a:schemeClr val="bg1"/>
-              </a:solidFill>
-              <a:latin typeface="黑体" panose="02010609060101010101" pitchFamily="49" charset="-122"/>
-              <a:ea typeface="黑体" panose="02010609060101010101" pitchFamily="49" charset="-122"/>
-            </a:endParaRPr>
-          </a:p>
-        </p:txBody>
-      </p:sp>
-      <p:sp>
-        <p:nvSpPr>
-          <p:cNvPr id="10" name="圆角矩形 9"/>
-          <p:cNvSpPr/>
-          <p:nvPr/>
-        </p:nvSpPr>
-        <p:spPr>
-          <a:xfrm>
-            <a:off x="4322031" y="1828479"/>
-            <a:ext cx="3446462" cy="568960"/>
-          </a:xfrm>
-          <a:prstGeom prst="roundRect">
-            <a:avLst>
-              <a:gd name="adj" fmla="val 10516"/>
-            </a:avLst>
-          </a:prstGeom>
-        </p:spPr>
-        <p:style>
-          <a:lnRef idx="2">
-            <a:schemeClr val="accent1">
-              <a:shade val="50000"/>
-            </a:schemeClr>
-          </a:lnRef>
-          <a:fillRef idx="1">
-            <a:schemeClr val="accent1"/>
-          </a:fillRef>
-          <a:effectRef idx="0">
-            <a:schemeClr val="accent1"/>
-          </a:effectRef>
-          <a:fontRef idx="minor">
-            <a:schemeClr val="lt1"/>
-          </a:fontRef>
-        </p:style>
-        <p:txBody>
-          <a:bodyPr rtlCol="0" anchor="ctr"/>
-          <a:lstStyle/>
-          <a:p>
-            <a:pPr algn="ctr"/>
-            <a:endParaRPr lang="zh-CN" altLang="en-US"/>
-          </a:p>
-        </p:txBody>
-      </p:sp>
-      <p:sp>
-        <p:nvSpPr>
-          <p:cNvPr id="11" name="圆角矩形 10"/>
-          <p:cNvSpPr/>
-          <p:nvPr/>
-        </p:nvSpPr>
-        <p:spPr>
-          <a:xfrm>
-            <a:off x="4336098" y="796355"/>
-            <a:ext cx="3446462" cy="568960"/>
-          </a:xfrm>
-          <a:prstGeom prst="roundRect">
-            <a:avLst>
-              <a:gd name="adj" fmla="val 12189"/>
-            </a:avLst>
-          </a:prstGeom>
-          <a:noFill/>
-        </p:spPr>
-        <p:style>
-          <a:lnRef idx="2">
-            <a:schemeClr val="accent1">
-              <a:shade val="50000"/>
-            </a:schemeClr>
-          </a:lnRef>
-          <a:fillRef idx="1">
-            <a:schemeClr val="accent1"/>
-          </a:fillRef>
-          <a:effectRef idx="0">
-            <a:schemeClr val="accent1"/>
-          </a:effectRef>
-          <a:fontRef idx="minor">
-            <a:schemeClr val="lt1"/>
-          </a:fontRef>
-        </p:style>
-        <p:txBody>
-          <a:bodyPr rtlCol="0" anchor="ctr"/>
-          <a:lstStyle/>
-          <a:p>
-            <a:pPr algn="ctr"/>
-            <a:endParaRPr lang="zh-CN" altLang="en-US"/>
-          </a:p>
-        </p:txBody>
-      </p:sp>
-      <p:sp>
-        <p:nvSpPr>
-          <p:cNvPr id="12" name="文本框 11"/>
-          <p:cNvSpPr txBox="1"/>
-          <p:nvPr/>
-        </p:nvSpPr>
-        <p:spPr>
-          <a:xfrm>
-            <a:off x="5303520" y="896169"/>
-            <a:ext cx="1584960" cy="369332"/>
-          </a:xfrm>
-          <a:prstGeom prst="rect">
-            <a:avLst/>
-          </a:prstGeom>
-          <a:noFill/>
-        </p:spPr>
-        <p:txBody>
-          <a:bodyPr wrap="square" rtlCol="0">
-            <a:spAutoFit/>
-          </a:bodyPr>
-          <a:lstStyle/>
-          <a:p>
-            <a:r>
-              <a:rPr lang="zh-CN" altLang="en-US" dirty="0" smtClean="0"/>
-              <a:t>搜索</a:t>
-            </a:r>
-            <a:endParaRPr lang="zh-CN" altLang="en-US" dirty="0"/>
-          </a:p>
-        </p:txBody>
-      </p:sp>
-      <p:sp>
-        <p:nvSpPr>
-          <p:cNvPr id="13" name="文本框 12"/>
-          <p:cNvSpPr txBox="1"/>
-          <p:nvPr/>
-        </p:nvSpPr>
-        <p:spPr>
-          <a:xfrm>
-            <a:off x="6681962" y="1431077"/>
-            <a:ext cx="773049" cy="369332"/>
-          </a:xfrm>
-          <a:prstGeom prst="rect">
-            <a:avLst/>
-          </a:prstGeom>
-          <a:noFill/>
-        </p:spPr>
-        <p:txBody>
-          <a:bodyPr wrap="square" rtlCol="0">
-            <a:spAutoFit/>
-          </a:bodyPr>
-          <a:lstStyle/>
-          <a:p>
-            <a:r>
-              <a:rPr lang="zh-CN" altLang="en-US" dirty="0" smtClean="0"/>
-              <a:t>已售</a:t>
-            </a:r>
-            <a:endParaRPr lang="zh-CN" altLang="en-US" dirty="0"/>
-          </a:p>
-        </p:txBody>
-      </p:sp>
-      <p:sp>
-        <p:nvSpPr>
-          <p:cNvPr id="14" name="圆角矩形 13"/>
-          <p:cNvSpPr/>
-          <p:nvPr/>
-        </p:nvSpPr>
-        <p:spPr>
-          <a:xfrm>
-            <a:off x="7272901" y="1523098"/>
-            <a:ext cx="364220" cy="213360"/>
-          </a:xfrm>
-          <a:prstGeom prst="roundRect">
-            <a:avLst>
-              <a:gd name="adj" fmla="val 50000"/>
-            </a:avLst>
-          </a:prstGeom>
-        </p:spPr>
-        <p:style>
-          <a:lnRef idx="2">
-            <a:schemeClr val="accent1">
-              <a:shade val="50000"/>
-            </a:schemeClr>
-          </a:lnRef>
-          <a:fillRef idx="1">
-            <a:schemeClr val="accent1"/>
-          </a:fillRef>
-          <a:effectRef idx="0">
-            <a:schemeClr val="accent1"/>
-          </a:effectRef>
-          <a:fontRef idx="minor">
-            <a:schemeClr val="lt1"/>
-          </a:fontRef>
-        </p:style>
-        <p:txBody>
-          <a:bodyPr rtlCol="0" anchor="ctr"/>
-          <a:lstStyle/>
-          <a:p>
-            <a:pPr algn="ctr"/>
-            <a:endParaRPr lang="zh-CN" altLang="en-US"/>
-          </a:p>
-        </p:txBody>
-      </p:sp>
-      <p:sp>
-        <p:nvSpPr>
-          <p:cNvPr id="15" name="文本框 14"/>
-          <p:cNvSpPr txBox="1"/>
-          <p:nvPr/>
-        </p:nvSpPr>
-        <p:spPr>
-          <a:xfrm>
-            <a:off x="4310601" y="1928293"/>
-            <a:ext cx="1256824" cy="369332"/>
-          </a:xfrm>
-          <a:prstGeom prst="rect">
-            <a:avLst/>
-          </a:prstGeom>
-          <a:noFill/>
-        </p:spPr>
-        <p:txBody>
-          <a:bodyPr wrap="square" rtlCol="0">
-            <a:spAutoFit/>
-          </a:bodyPr>
-          <a:lstStyle/>
-          <a:p>
-            <a:r>
-              <a:rPr lang="zh-CN" altLang="en-US" dirty="0" smtClean="0"/>
-              <a:t>川</a:t>
-            </a:r>
-            <a:r>
-              <a:rPr lang="en-US" altLang="zh-CN" dirty="0" smtClean="0"/>
-              <a:t>A78987</a:t>
-            </a:r>
-            <a:endParaRPr lang="zh-CN" altLang="en-US" dirty="0"/>
-          </a:p>
-        </p:txBody>
-      </p:sp>
-      <p:sp>
-        <p:nvSpPr>
-          <p:cNvPr id="16" name="文本框 15"/>
-          <p:cNvSpPr txBox="1"/>
-          <p:nvPr/>
-        </p:nvSpPr>
-        <p:spPr>
-          <a:xfrm>
-            <a:off x="5648545" y="1928293"/>
-            <a:ext cx="644305" cy="369332"/>
-          </a:xfrm>
-          <a:prstGeom prst="rect">
-            <a:avLst/>
-          </a:prstGeom>
-          <a:noFill/>
-        </p:spPr>
-        <p:txBody>
-          <a:bodyPr wrap="square" rtlCol="0">
-            <a:spAutoFit/>
-          </a:bodyPr>
-          <a:lstStyle/>
-          <a:p>
-            <a:r>
-              <a:rPr lang="zh-CN" altLang="en-US" dirty="0" smtClean="0"/>
-              <a:t>蓝色</a:t>
-            </a:r>
-            <a:endParaRPr lang="zh-CN" altLang="en-US" dirty="0"/>
-          </a:p>
-        </p:txBody>
-      </p:sp>
-      <p:sp>
-        <p:nvSpPr>
-          <p:cNvPr id="17" name="文本框 16"/>
-          <p:cNvSpPr txBox="1"/>
-          <p:nvPr/>
-        </p:nvSpPr>
-        <p:spPr>
-          <a:xfrm>
-            <a:off x="6359809" y="1928293"/>
-            <a:ext cx="644305" cy="369332"/>
-          </a:xfrm>
-          <a:prstGeom prst="rect">
-            <a:avLst/>
-          </a:prstGeom>
-          <a:noFill/>
-        </p:spPr>
-        <p:txBody>
-          <a:bodyPr wrap="square" rtlCol="0">
-            <a:spAutoFit/>
-          </a:bodyPr>
-          <a:lstStyle/>
-          <a:p>
-            <a:r>
-              <a:rPr lang="zh-CN" altLang="en-US" dirty="0" smtClean="0"/>
-              <a:t>宝马</a:t>
-            </a:r>
-            <a:endParaRPr lang="zh-CN" altLang="en-US" dirty="0"/>
-          </a:p>
-        </p:txBody>
-      </p:sp>
-      <p:sp>
-        <p:nvSpPr>
-          <p:cNvPr id="18" name="文本框 17"/>
-          <p:cNvSpPr txBox="1"/>
-          <p:nvPr/>
-        </p:nvSpPr>
-        <p:spPr>
-          <a:xfrm>
-            <a:off x="5644241" y="1427054"/>
-            <a:ext cx="700540" cy="369332"/>
-          </a:xfrm>
-          <a:prstGeom prst="rect">
-            <a:avLst/>
-          </a:prstGeom>
-          <a:noFill/>
-        </p:spPr>
-        <p:txBody>
-          <a:bodyPr wrap="square" rtlCol="0">
-            <a:spAutoFit/>
-          </a:bodyPr>
-          <a:lstStyle/>
-          <a:p>
-            <a:r>
-              <a:rPr lang="zh-CN" altLang="en-US" dirty="0" smtClean="0"/>
-              <a:t>时间</a:t>
-            </a:r>
-            <a:endParaRPr lang="zh-CN" altLang="en-US" dirty="0"/>
-          </a:p>
-        </p:txBody>
-      </p:sp>
-      <p:sp>
-        <p:nvSpPr>
-          <p:cNvPr id="19" name="等腰三角形 18"/>
-          <p:cNvSpPr/>
-          <p:nvPr/>
-        </p:nvSpPr>
-        <p:spPr>
-          <a:xfrm rot="10800000">
-            <a:off x="6318649" y="1555645"/>
-            <a:ext cx="171987" cy="148265"/>
-          </a:xfrm>
-          <a:prstGeom prst="triangle">
-            <a:avLst/>
-          </a:prstGeom>
-        </p:spPr>
-        <p:style>
-          <a:lnRef idx="2">
-            <a:schemeClr val="accent1">
-              <a:shade val="50000"/>
-            </a:schemeClr>
-          </a:lnRef>
-          <a:fillRef idx="1">
-            <a:schemeClr val="accent1"/>
-          </a:fillRef>
-          <a:effectRef idx="0">
-            <a:schemeClr val="accent1"/>
-          </a:effectRef>
-          <a:fontRef idx="minor">
-            <a:schemeClr val="lt1"/>
-          </a:fontRef>
-        </p:style>
-        <p:txBody>
-          <a:bodyPr rtlCol="0" anchor="ctr"/>
-          <a:lstStyle/>
-          <a:p>
-            <a:pPr algn="ctr"/>
-            <a:endParaRPr lang="zh-CN" altLang="en-US"/>
-          </a:p>
-        </p:txBody>
-      </p:sp>
-    </p:spTree>
-    <p:extLst>
-      <p:ext uri="{BB962C8B-B14F-4D97-AF65-F5344CB8AC3E}">
-        <p14:creationId xmlns:p14="http://schemas.microsoft.com/office/powerpoint/2010/main" val="3866586568"/>
-      </p:ext>
-    </p:extLst>
-  </p:cSld>
-  <p:clrMapOvr>
-    <a:masterClrMapping/>
-  </p:clrMapOvr>
-</p:sld>
-</file>
-
-<file path=ppt/slides/slide20.xml><?xml version="1.0" encoding="utf-8"?>
+<file path=ppt/slides/slide21.xml><?xml version="1.0" encoding="utf-8"?>
 <p:sld xmlns:a="http://schemas.openxmlformats.org/drawingml/2006/main" xmlns:r="http://schemas.openxmlformats.org/officeDocument/2006/relationships" xmlns:p="http://schemas.openxmlformats.org/presentationml/2006/main">
   <p:cSld>
     <p:spTree>
@@ -9404,7 +9308,7 @@
                     <a:lstStyle/>
                     <a:p>
                       <a:r>
-                        <a:rPr lang="en-US" altLang="zh-CN" dirty="0" smtClean="0"/>
+                        <a:rPr lang="en-US" altLang="zh-CN" dirty="0"/>
                         <a:t>id</a:t>
                       </a:r>
                       <a:endParaRPr lang="zh-CN" altLang="en-US" dirty="0"/>
@@ -9418,7 +9322,7 @@
                     <a:lstStyle/>
                     <a:p>
                       <a:r>
-                        <a:rPr lang="en-US" altLang="zh-CN" dirty="0" err="1" smtClean="0"/>
+                        <a:rPr lang="en-US" altLang="zh-CN" dirty="0" err="1"/>
                         <a:t>salePrice</a:t>
                       </a:r>
                       <a:endParaRPr lang="zh-CN" altLang="en-US" dirty="0"/>
@@ -9432,7 +9336,7 @@
                     <a:lstStyle/>
                     <a:p>
                       <a:r>
-                        <a:rPr lang="en-US" altLang="zh-CN" dirty="0" err="1" smtClean="0"/>
+                        <a:rPr lang="en-US" altLang="zh-CN" dirty="0" err="1"/>
                         <a:t>commissionRate</a:t>
                       </a:r>
                       <a:endParaRPr lang="zh-CN" altLang="en-US" dirty="0"/>
@@ -9446,7 +9350,7 @@
                     <a:lstStyle/>
                     <a:p>
                       <a:r>
-                        <a:rPr lang="en-US" altLang="zh-CN" dirty="0" err="1" smtClean="0"/>
+                        <a:rPr lang="en-US" altLang="zh-CN" dirty="0" err="1"/>
                         <a:t>commissionPrice</a:t>
                       </a:r>
                       <a:endParaRPr lang="zh-CN" altLang="en-US" dirty="0"/>
@@ -9460,7 +9364,7 @@
                     <a:lstStyle/>
                     <a:p>
                       <a:r>
-                        <a:rPr lang="en-US" altLang="zh-CN" dirty="0" err="1" smtClean="0"/>
+                        <a:rPr lang="en-US" altLang="zh-CN" dirty="0" err="1"/>
                         <a:t>repairPrice</a:t>
                       </a:r>
                       <a:endParaRPr lang="zh-CN" altLang="en-US" dirty="0"/>
@@ -9474,7 +9378,7 @@
                     <a:lstStyle/>
                     <a:p>
                       <a:r>
-                        <a:rPr lang="en-US" altLang="zh-CN" dirty="0" err="1" smtClean="0"/>
+                        <a:rPr lang="en-US" altLang="zh-CN" dirty="0" err="1"/>
                         <a:t>partnerPrice</a:t>
                       </a:r>
                       <a:endParaRPr lang="zh-CN" altLang="en-US" dirty="0"/>
@@ -9488,7 +9392,7 @@
                     <a:lstStyle/>
                     <a:p>
                       <a:r>
-                        <a:rPr lang="en-US" altLang="zh-CN" dirty="0" err="1" smtClean="0"/>
+                        <a:rPr lang="en-US" altLang="zh-CN" dirty="0" err="1"/>
                         <a:t>partnerProfit</a:t>
                       </a:r>
                       <a:endParaRPr lang="zh-CN" altLang="en-US" dirty="0"/>
@@ -9502,7 +9406,7 @@
                     <a:lstStyle/>
                     <a:p>
                       <a:r>
-                        <a:rPr lang="en-US" altLang="zh-CN" dirty="0" err="1" smtClean="0"/>
+                        <a:rPr lang="en-US" altLang="zh-CN" dirty="0" err="1"/>
                         <a:t>selfProfit</a:t>
                       </a:r>
                       <a:endParaRPr lang="zh-CN" altLang="en-US" dirty="0"/>
@@ -9516,7 +9420,7 @@
                     <a:lstStyle/>
                     <a:p>
                       <a:r>
-                        <a:rPr lang="en-US" altLang="zh-CN" dirty="0" err="1" smtClean="0"/>
+                        <a:rPr lang="en-US" altLang="zh-CN" dirty="0" err="1"/>
                         <a:t>saleDate</a:t>
                       </a:r>
                       <a:endParaRPr lang="zh-CN" altLang="en-US" dirty="0"/>
@@ -9530,7 +9434,7 @@
                     <a:lstStyle/>
                     <a:p>
                       <a:r>
-                        <a:rPr lang="en-US" altLang="zh-CN" dirty="0" err="1" smtClean="0"/>
+                        <a:rPr lang="en-US" altLang="zh-CN" dirty="0" err="1"/>
                         <a:t>vehicle_id</a:t>
                       </a:r>
                       <a:endParaRPr lang="zh-CN" altLang="en-US" dirty="0"/>
@@ -9551,14 +9455,13 @@
                     <a:lstStyle/>
                     <a:p>
                       <a:r>
-                        <a:rPr lang="en-US" altLang="zh-CN" dirty="0" smtClean="0"/>
+                        <a:rPr lang="en-US" altLang="zh-CN" dirty="0"/>
                         <a:t>id</a:t>
                       </a:r>
                       <a:r>
-                        <a:rPr lang="zh-CN" altLang="en-US" dirty="0" smtClean="0"/>
+                        <a:rPr lang="zh-CN" altLang="en-US" dirty="0"/>
                         <a:t>自增</a:t>
                       </a:r>
-                      <a:endParaRPr lang="zh-CN" altLang="en-US" dirty="0"/>
                     </a:p>
                   </a:txBody>
                   <a:tcPr/>
@@ -9569,10 +9472,9 @@
                     <a:lstStyle/>
                     <a:p>
                       <a:r>
-                        <a:rPr lang="zh-CN" altLang="en-US" dirty="0" smtClean="0"/>
+                        <a:rPr lang="zh-CN" altLang="en-US" dirty="0"/>
                         <a:t>销售价格</a:t>
                       </a:r>
-                      <a:endParaRPr lang="zh-CN" altLang="en-US" dirty="0"/>
                     </a:p>
                   </a:txBody>
                   <a:tcPr/>
@@ -9583,10 +9485,9 @@
                     <a:lstStyle/>
                     <a:p>
                       <a:r>
-                        <a:rPr lang="zh-CN" altLang="en-US" dirty="0" smtClean="0"/>
+                        <a:rPr lang="zh-CN" altLang="en-US" dirty="0"/>
                         <a:t>提成比例</a:t>
                       </a:r>
-                      <a:endParaRPr lang="zh-CN" altLang="en-US" dirty="0"/>
                     </a:p>
                   </a:txBody>
                   <a:tcPr/>
@@ -9597,10 +9498,9 @@
                     <a:lstStyle/>
                     <a:p>
                       <a:r>
-                        <a:rPr lang="zh-CN" altLang="en-US" dirty="0" smtClean="0"/>
+                        <a:rPr lang="zh-CN" altLang="en-US" dirty="0"/>
                         <a:t>提成费用</a:t>
                       </a:r>
-                      <a:endParaRPr lang="zh-CN" altLang="en-US" dirty="0"/>
                     </a:p>
                   </a:txBody>
                   <a:tcPr/>
@@ -9611,10 +9511,9 @@
                     <a:lstStyle/>
                     <a:p>
                       <a:r>
-                        <a:rPr lang="zh-CN" altLang="en-US" dirty="0" smtClean="0"/>
+                        <a:rPr lang="zh-CN" altLang="en-US" dirty="0"/>
                         <a:t>整备总费用</a:t>
                       </a:r>
-                      <a:endParaRPr lang="zh-CN" altLang="en-US" dirty="0"/>
                     </a:p>
                   </a:txBody>
                   <a:tcPr/>
@@ -9625,10 +9524,9 @@
                     <a:lstStyle/>
                     <a:p>
                       <a:r>
-                        <a:rPr lang="zh-CN" altLang="en-US" dirty="0" smtClean="0"/>
+                        <a:rPr lang="zh-CN" altLang="en-US" dirty="0"/>
                         <a:t>合伙人总费用</a:t>
                       </a:r>
-                      <a:endParaRPr lang="zh-CN" altLang="en-US" dirty="0"/>
                     </a:p>
                   </a:txBody>
                   <a:tcPr/>
@@ -9639,10 +9537,9 @@
                     <a:lstStyle/>
                     <a:p>
                       <a:r>
-                        <a:rPr lang="zh-CN" altLang="en-US" dirty="0" smtClean="0"/>
+                        <a:rPr lang="zh-CN" altLang="en-US" dirty="0"/>
                         <a:t>合伙人总利润</a:t>
                       </a:r>
-                      <a:endParaRPr lang="zh-CN" altLang="en-US" dirty="0"/>
                     </a:p>
                   </a:txBody>
                   <a:tcPr/>
@@ -9653,10 +9550,9 @@
                     <a:lstStyle/>
                     <a:p>
                       <a:r>
-                        <a:rPr lang="zh-CN" altLang="en-US" dirty="0" smtClean="0"/>
+                        <a:rPr lang="zh-CN" altLang="en-US" dirty="0"/>
                         <a:t>自家总利润</a:t>
                       </a:r>
-                      <a:endParaRPr lang="zh-CN" altLang="en-US" dirty="0"/>
                     </a:p>
                   </a:txBody>
                   <a:tcPr/>
@@ -9667,10 +9563,9 @@
                     <a:lstStyle/>
                     <a:p>
                       <a:r>
-                        <a:rPr lang="zh-CN" altLang="en-US" dirty="0" smtClean="0"/>
+                        <a:rPr lang="zh-CN" altLang="en-US" dirty="0"/>
                         <a:t>销售时间</a:t>
                       </a:r>
-                      <a:endParaRPr lang="zh-CN" altLang="en-US" dirty="0"/>
                     </a:p>
                   </a:txBody>
                   <a:tcPr/>
@@ -9681,11 +9576,11 @@
                     <a:lstStyle/>
                     <a:p>
                       <a:r>
-                        <a:rPr lang="zh-CN" altLang="en-US" dirty="0" smtClean="0"/>
+                        <a:rPr lang="zh-CN" altLang="en-US" dirty="0"/>
                         <a:t>车辆</a:t>
                       </a:r>
                       <a:r>
-                        <a:rPr lang="en-US" altLang="zh-CN" dirty="0" smtClean="0"/>
+                        <a:rPr lang="en-US" altLang="zh-CN" dirty="0"/>
                         <a:t>id</a:t>
                       </a:r>
                       <a:endParaRPr lang="zh-CN" altLang="en-US" dirty="0"/>
@@ -9716,7 +9611,7 @@
                     <a:lstStyle/>
                     <a:p>
                       <a:r>
-                        <a:rPr lang="en-US" altLang="zh-CN" dirty="0" smtClean="0"/>
+                        <a:rPr lang="en-US" altLang="zh-CN" dirty="0"/>
                         <a:t>Integer</a:t>
                       </a:r>
                       <a:endParaRPr lang="zh-CN" altLang="en-US" dirty="0"/>
@@ -9730,7 +9625,7 @@
                     <a:lstStyle/>
                     <a:p>
                       <a:r>
-                        <a:rPr lang="en-US" altLang="zh-CN" dirty="0" smtClean="0"/>
+                        <a:rPr lang="en-US" altLang="zh-CN" dirty="0"/>
                         <a:t>double</a:t>
                       </a:r>
                       <a:endParaRPr lang="zh-CN" altLang="en-US" dirty="0"/>
@@ -9744,7 +9639,7 @@
                     <a:lstStyle/>
                     <a:p>
                       <a:r>
-                        <a:rPr lang="en-US" altLang="zh-CN" dirty="0" smtClean="0"/>
+                        <a:rPr lang="en-US" altLang="zh-CN" dirty="0"/>
                         <a:t>double</a:t>
                       </a:r>
                       <a:endParaRPr lang="zh-CN" altLang="en-US" dirty="0"/>
@@ -9758,7 +9653,7 @@
                     <a:lstStyle/>
                     <a:p>
                       <a:r>
-                        <a:rPr lang="en-US" altLang="zh-CN" dirty="0" smtClean="0"/>
+                        <a:rPr lang="en-US" altLang="zh-CN" dirty="0"/>
                         <a:t>Integer</a:t>
                       </a:r>
                       <a:endParaRPr lang="zh-CN" altLang="en-US" dirty="0"/>
@@ -9772,7 +9667,7 @@
                     <a:lstStyle/>
                     <a:p>
                       <a:r>
-                        <a:rPr lang="en-US" altLang="zh-CN" dirty="0" smtClean="0"/>
+                        <a:rPr lang="en-US" altLang="zh-CN" dirty="0"/>
                         <a:t>Integer</a:t>
                       </a:r>
                       <a:endParaRPr lang="zh-CN" altLang="en-US" dirty="0"/>
@@ -9786,7 +9681,7 @@
                     <a:lstStyle/>
                     <a:p>
                       <a:r>
-                        <a:rPr lang="en-US" altLang="zh-CN" dirty="0" smtClean="0"/>
+                        <a:rPr lang="en-US" altLang="zh-CN" dirty="0"/>
                         <a:t>double</a:t>
                       </a:r>
                       <a:endParaRPr lang="zh-CN" altLang="en-US" dirty="0"/>
@@ -9800,7 +9695,7 @@
                     <a:lstStyle/>
                     <a:p>
                       <a:r>
-                        <a:rPr lang="en-US" altLang="zh-CN" dirty="0" smtClean="0"/>
+                        <a:rPr lang="en-US" altLang="zh-CN" dirty="0"/>
                         <a:t>double</a:t>
                       </a:r>
                       <a:endParaRPr lang="zh-CN" altLang="en-US" dirty="0"/>
@@ -9814,15 +9709,15 @@
                     <a:lstStyle/>
                     <a:p>
                       <a:r>
-                        <a:rPr lang="en-US" altLang="zh-CN" dirty="0" smtClean="0"/>
+                        <a:rPr lang="en-US" altLang="zh-CN" dirty="0"/>
                         <a:t>date(</a:t>
                       </a:r>
                       <a:r>
-                        <a:rPr lang="en-US" altLang="zh-CN" dirty="0" err="1" smtClean="0"/>
+                        <a:rPr lang="en-US" altLang="zh-CN" dirty="0" err="1"/>
                         <a:t>sql</a:t>
                       </a:r>
                       <a:r>
-                        <a:rPr lang="en-US" altLang="zh-CN" dirty="0" smtClean="0"/>
+                        <a:rPr lang="en-US" altLang="zh-CN" dirty="0"/>
                         <a:t>)</a:t>
                       </a:r>
                       <a:endParaRPr lang="zh-CN" altLang="en-US" dirty="0"/>
@@ -9836,7 +9731,7 @@
                     <a:lstStyle/>
                     <a:p>
                       <a:r>
-                        <a:rPr lang="en-US" altLang="zh-CN" dirty="0" smtClean="0"/>
+                        <a:rPr lang="en-US" altLang="zh-CN" dirty="0"/>
                         <a:t>Integer</a:t>
                       </a:r>
                       <a:endParaRPr lang="zh-CN" altLang="en-US" dirty="0"/>
@@ -10091,7 +9986,7 @@
           <a:lstStyle/>
           <a:p>
             <a:r>
-              <a:rPr lang="en-US" altLang="zh-CN" dirty="0" err="1" smtClean="0"/>
+              <a:rPr lang="en-US" altLang="zh-CN" dirty="0" err="1"/>
               <a:t>sale_item</a:t>
             </a:r>
             <a:endParaRPr lang="zh-CN" altLang="en-US" dirty="0"/>
@@ -10102,6 +9997,1852 @@
     <p:extLst>
       <p:ext uri="{BB962C8B-B14F-4D97-AF65-F5344CB8AC3E}">
         <p14:creationId xmlns:p14="http://schemas.microsoft.com/office/powerpoint/2010/main" val="3886625408"/>
+      </p:ext>
+    </p:extLst>
+  </p:cSld>
+  <p:clrMapOvr>
+    <a:masterClrMapping/>
+  </p:clrMapOvr>
+</p:sld>
+</file>
+
+<file path=ppt/slides/slide22.xml><?xml version="1.0" encoding="utf-8"?>
+<p:sld xmlns:a="http://schemas.openxmlformats.org/drawingml/2006/main" xmlns:r="http://schemas.openxmlformats.org/officeDocument/2006/relationships" xmlns:p="http://schemas.openxmlformats.org/presentationml/2006/main">
+  <p:cSld>
+    <p:spTree>
+      <p:nvGrpSpPr>
+        <p:cNvPr id="1" name=""/>
+        <p:cNvGrpSpPr/>
+        <p:nvPr/>
+      </p:nvGrpSpPr>
+      <p:grpSpPr>
+        <a:xfrm>
+          <a:off x="0" y="0"/>
+          <a:ext cx="0" cy="0"/>
+          <a:chOff x="0" y="0"/>
+          <a:chExt cx="0" cy="0"/>
+        </a:xfrm>
+      </p:grpSpPr>
+      <p:sp>
+        <p:nvSpPr>
+          <p:cNvPr id="4" name="文本框 3">
+            <a:extLst>
+              <a:ext uri="{FF2B5EF4-FFF2-40B4-BE49-F238E27FC236}">
+                <a16:creationId xmlns:a16="http://schemas.microsoft.com/office/drawing/2014/main" id="{1A6173F6-7427-6D41-B231-420485199FA0}"/>
+              </a:ext>
+            </a:extLst>
+          </p:cNvPr>
+          <p:cNvSpPr txBox="1"/>
+          <p:nvPr/>
+        </p:nvSpPr>
+        <p:spPr>
+          <a:xfrm>
+            <a:off x="1099930" y="781878"/>
+            <a:ext cx="2063385" cy="369332"/>
+          </a:xfrm>
+          <a:prstGeom prst="rect">
+            <a:avLst/>
+          </a:prstGeom>
+          <a:noFill/>
+        </p:spPr>
+        <p:txBody>
+          <a:bodyPr wrap="none" rtlCol="0">
+            <a:spAutoFit/>
+          </a:bodyPr>
+          <a:lstStyle/>
+          <a:p>
+            <a:r>
+              <a:rPr kumimoji="1" lang="zh-CN" altLang="en-US" dirty="0"/>
+              <a:t>需要新增公司信息</a:t>
+            </a:r>
+          </a:p>
+        </p:txBody>
+      </p:sp>
+      <p:sp>
+        <p:nvSpPr>
+          <p:cNvPr id="5" name="文本框 4">
+            <a:extLst>
+              <a:ext uri="{FF2B5EF4-FFF2-40B4-BE49-F238E27FC236}">
+                <a16:creationId xmlns:a16="http://schemas.microsoft.com/office/drawing/2014/main" id="{4CC3C7AD-354A-5645-B833-803A944CB28B}"/>
+              </a:ext>
+            </a:extLst>
+          </p:cNvPr>
+          <p:cNvSpPr txBox="1"/>
+          <p:nvPr/>
+        </p:nvSpPr>
+        <p:spPr>
+          <a:xfrm>
+            <a:off x="1099930" y="1337750"/>
+            <a:ext cx="4806124" cy="1477328"/>
+          </a:xfrm>
+          <a:prstGeom prst="rect">
+            <a:avLst/>
+          </a:prstGeom>
+          <a:noFill/>
+        </p:spPr>
+        <p:txBody>
+          <a:bodyPr wrap="none" rtlCol="0">
+            <a:spAutoFit/>
+          </a:bodyPr>
+          <a:lstStyle/>
+          <a:p>
+            <a:r>
+              <a:rPr kumimoji="1" lang="en-US" altLang="zh-CN" dirty="0"/>
+              <a:t>1</a:t>
+            </a:r>
+            <a:r>
+              <a:rPr kumimoji="1" lang="zh-CN" altLang="en-US" dirty="0"/>
+              <a:t>、</a:t>
+            </a:r>
+            <a:r>
+              <a:rPr kumimoji="1" lang="en-US" altLang="zh-CN" dirty="0"/>
+              <a:t>id</a:t>
+            </a:r>
+            <a:r>
+              <a:rPr kumimoji="1" lang="zh-CN" altLang="en-US" dirty="0"/>
+              <a:t> 主键</a:t>
+            </a:r>
+            <a:endParaRPr kumimoji="1" lang="en-US" altLang="zh-CN" dirty="0"/>
+          </a:p>
+          <a:p>
+            <a:r>
+              <a:rPr kumimoji="1" lang="en-US" altLang="zh-CN" dirty="0"/>
+              <a:t>2</a:t>
+            </a:r>
+            <a:r>
+              <a:rPr kumimoji="1" lang="zh-CN" altLang="en-US" dirty="0"/>
+              <a:t>、公司全称： 成都市万达鑫名车 。。。</a:t>
+            </a:r>
+            <a:endParaRPr kumimoji="1" lang="en-US" altLang="zh-CN" dirty="0"/>
+          </a:p>
+          <a:p>
+            <a:r>
+              <a:rPr kumimoji="1" lang="en-US" altLang="zh-CN" dirty="0"/>
+              <a:t>3</a:t>
+            </a:r>
+            <a:r>
+              <a:rPr kumimoji="1" lang="zh-CN" altLang="en-US" dirty="0"/>
+              <a:t>、公司简称：万达鑫</a:t>
+            </a:r>
+            <a:r>
+              <a:rPr kumimoji="1" lang="en-US" altLang="zh-CN" dirty="0"/>
+              <a:t>(</a:t>
+            </a:r>
+            <a:r>
+              <a:rPr kumimoji="1" lang="zh-CN" altLang="en-US" dirty="0"/>
+              <a:t>限制到</a:t>
+            </a:r>
+            <a:r>
+              <a:rPr kumimoji="1" lang="en-US" altLang="zh-CN" dirty="0"/>
+              <a:t>4</a:t>
+            </a:r>
+            <a:r>
+              <a:rPr kumimoji="1" lang="zh-CN" altLang="en-US" dirty="0"/>
+              <a:t>位数）</a:t>
+            </a:r>
+            <a:endParaRPr kumimoji="1" lang="en-US" altLang="zh-CN" dirty="0"/>
+          </a:p>
+          <a:p>
+            <a:r>
+              <a:rPr kumimoji="1" lang="en-US" altLang="zh-CN" dirty="0"/>
+              <a:t>4</a:t>
+            </a:r>
+            <a:r>
+              <a:rPr kumimoji="1" lang="zh-CN" altLang="en-US" dirty="0"/>
+              <a:t>、失效时间：</a:t>
+            </a:r>
+            <a:r>
+              <a:rPr kumimoji="1" lang="en-US" altLang="zh-CN" dirty="0"/>
+              <a:t>2021</a:t>
+            </a:r>
+            <a:r>
+              <a:rPr kumimoji="1" lang="zh-CN" altLang="en-US" dirty="0"/>
+              <a:t>年</a:t>
+            </a:r>
+            <a:r>
+              <a:rPr kumimoji="1" lang="en-US" altLang="zh-CN" dirty="0"/>
+              <a:t>10</a:t>
+            </a:r>
+            <a:r>
+              <a:rPr kumimoji="1" lang="zh-CN" altLang="en-US" dirty="0"/>
+              <a:t>月</a:t>
+            </a:r>
+            <a:r>
+              <a:rPr kumimoji="1" lang="en-US" altLang="zh-CN" dirty="0"/>
+              <a:t>30</a:t>
+            </a:r>
+            <a:r>
+              <a:rPr kumimoji="1" lang="zh-CN" altLang="en-US" dirty="0"/>
+              <a:t>日 默认为一个月</a:t>
+            </a:r>
+            <a:endParaRPr kumimoji="1" lang="en-US" altLang="zh-CN" dirty="0"/>
+          </a:p>
+          <a:p>
+            <a:r>
+              <a:rPr kumimoji="1" lang="en-US" altLang="zh-CN" dirty="0"/>
+              <a:t>5</a:t>
+            </a:r>
+            <a:r>
+              <a:rPr kumimoji="1" lang="zh-CN" altLang="en-US" dirty="0"/>
+              <a:t>、有效账号：</a:t>
+            </a:r>
+            <a:r>
+              <a:rPr kumimoji="1" lang="en-US" altLang="zh-CN" dirty="0"/>
+              <a:t>5 </a:t>
+            </a:r>
+            <a:r>
+              <a:rPr kumimoji="1" lang="zh-CN" altLang="en-US" dirty="0"/>
+              <a:t>默认为</a:t>
+            </a:r>
+            <a:r>
+              <a:rPr kumimoji="1" lang="en-US" altLang="zh-CN" dirty="0"/>
+              <a:t>1</a:t>
+            </a:r>
+            <a:endParaRPr kumimoji="1" lang="zh-CN" altLang="en-US" dirty="0"/>
+          </a:p>
+        </p:txBody>
+      </p:sp>
+      <p:sp>
+        <p:nvSpPr>
+          <p:cNvPr id="6" name="文本框 5">
+            <a:extLst>
+              <a:ext uri="{FF2B5EF4-FFF2-40B4-BE49-F238E27FC236}">
+                <a16:creationId xmlns:a16="http://schemas.microsoft.com/office/drawing/2014/main" id="{8B8DAF5B-A468-FB4A-A4AC-940F4FCBC208}"/>
+              </a:ext>
+            </a:extLst>
+          </p:cNvPr>
+          <p:cNvSpPr txBox="1"/>
+          <p:nvPr/>
+        </p:nvSpPr>
+        <p:spPr>
+          <a:xfrm>
+            <a:off x="1815548" y="3856383"/>
+            <a:ext cx="1973617" cy="1477328"/>
+          </a:xfrm>
+          <a:prstGeom prst="rect">
+            <a:avLst/>
+          </a:prstGeom>
+          <a:noFill/>
+        </p:spPr>
+        <p:txBody>
+          <a:bodyPr wrap="none" rtlCol="0">
+            <a:spAutoFit/>
+          </a:bodyPr>
+          <a:lstStyle/>
+          <a:p>
+            <a:r>
+              <a:rPr kumimoji="1" lang="en-US" altLang="zh-CN" dirty="0"/>
+              <a:t>1.id</a:t>
+            </a:r>
+            <a:r>
+              <a:rPr kumimoji="1" lang="zh-CN" altLang="en-US" dirty="0"/>
+              <a:t>：</a:t>
+            </a:r>
+            <a:endParaRPr kumimoji="1" lang="en-US" altLang="zh-CN" dirty="0"/>
+          </a:p>
+          <a:p>
+            <a:r>
+              <a:rPr kumimoji="1" lang="en-US" altLang="zh-CN" dirty="0"/>
+              <a:t>2.company_name:</a:t>
+            </a:r>
+          </a:p>
+          <a:p>
+            <a:r>
+              <a:rPr kumimoji="1" lang="en-US" altLang="zh-CN" dirty="0"/>
+              <a:t>3.</a:t>
+            </a:r>
+            <a:r>
+              <a:rPr lang="en" altLang="zh-CN" dirty="0"/>
+              <a:t> abbreviation</a:t>
+            </a:r>
+          </a:p>
+          <a:p>
+            <a:r>
+              <a:rPr lang="en-US" altLang="zh-CN" dirty="0"/>
+              <a:t>4.</a:t>
+            </a:r>
+            <a:r>
+              <a:rPr lang="en" altLang="zh-CN" dirty="0" err="1"/>
+              <a:t>expiration_time</a:t>
+            </a:r>
+            <a:r>
+              <a:rPr lang="en" altLang="zh-CN" dirty="0"/>
+              <a:t>:</a:t>
+            </a:r>
+          </a:p>
+          <a:p>
+            <a:r>
+              <a:rPr lang="en" altLang="zh-CN" dirty="0"/>
+              <a:t>5.valid_account</a:t>
+            </a:r>
+          </a:p>
+        </p:txBody>
+      </p:sp>
+      <p:sp>
+        <p:nvSpPr>
+          <p:cNvPr id="7" name="矩形 6">
+            <a:extLst>
+              <a:ext uri="{FF2B5EF4-FFF2-40B4-BE49-F238E27FC236}">
+                <a16:creationId xmlns:a16="http://schemas.microsoft.com/office/drawing/2014/main" id="{C5F79173-C11F-F94B-B54B-1303B32961B8}"/>
+              </a:ext>
+            </a:extLst>
+          </p:cNvPr>
+          <p:cNvSpPr/>
+          <p:nvPr/>
+        </p:nvSpPr>
+        <p:spPr>
+          <a:xfrm>
+            <a:off x="3962399" y="2825017"/>
+            <a:ext cx="8362122" cy="2585323"/>
+          </a:xfrm>
+          <a:prstGeom prst="rect">
+            <a:avLst/>
+          </a:prstGeom>
+        </p:spPr>
+        <p:txBody>
+          <a:bodyPr wrap="square">
+            <a:spAutoFit/>
+          </a:bodyPr>
+          <a:lstStyle/>
+          <a:p>
+            <a:r>
+              <a:rPr kumimoji="1" lang="en" altLang="zh-CN" dirty="0"/>
+              <a:t>| id                | int          | NO   | PRI | NULL              | </a:t>
+            </a:r>
+            <a:r>
+              <a:rPr kumimoji="1" lang="en" altLang="zh-CN" dirty="0" err="1"/>
+              <a:t>auto_increment</a:t>
+            </a:r>
+            <a:r>
+              <a:rPr kumimoji="1" lang="en" altLang="zh-CN" dirty="0"/>
+              <a:t>                                </a:t>
+            </a:r>
+          </a:p>
+          <a:p>
+            <a:r>
+              <a:rPr kumimoji="1" lang="en" altLang="zh-CN" dirty="0"/>
+              <a:t>| </a:t>
+            </a:r>
+            <a:r>
+              <a:rPr kumimoji="1" lang="en-US" altLang="zh-CN" dirty="0" err="1"/>
+              <a:t>company_name</a:t>
+            </a:r>
+            <a:r>
+              <a:rPr kumimoji="1" lang="en" altLang="zh-CN" dirty="0"/>
+              <a:t> | varchar(</a:t>
+            </a:r>
+            <a:r>
+              <a:rPr kumimoji="1" lang="en-US" altLang="zh-CN" dirty="0"/>
+              <a:t>255</a:t>
+            </a:r>
+            <a:r>
+              <a:rPr kumimoji="1" lang="en" altLang="zh-CN" dirty="0"/>
+              <a:t>) | NO  |     | NULL    |       |</a:t>
+            </a:r>
+          </a:p>
+          <a:p>
+            <a:r>
+              <a:rPr kumimoji="1" lang="en" altLang="zh-CN" dirty="0"/>
+              <a:t>| </a:t>
+            </a:r>
+            <a:r>
+              <a:rPr lang="en" altLang="zh-CN" dirty="0"/>
+              <a:t>abbreviation </a:t>
+            </a:r>
+            <a:r>
+              <a:rPr kumimoji="1" lang="en" altLang="zh-CN" dirty="0"/>
+              <a:t>| varchar(</a:t>
+            </a:r>
+            <a:r>
+              <a:rPr kumimoji="1" lang="en-US" altLang="zh-CN" dirty="0"/>
+              <a:t>10</a:t>
+            </a:r>
+            <a:r>
+              <a:rPr kumimoji="1" lang="en" altLang="zh-CN" dirty="0"/>
+              <a:t>) | NO  |     | NULL    |       |</a:t>
+            </a:r>
+          </a:p>
+          <a:p>
+            <a:r>
+              <a:rPr kumimoji="1" lang="en" altLang="zh-CN" dirty="0"/>
+              <a:t>| </a:t>
+            </a:r>
+            <a:r>
+              <a:rPr lang="en" altLang="zh-CN" dirty="0" err="1"/>
+              <a:t>valid_account</a:t>
+            </a:r>
+            <a:r>
+              <a:rPr kumimoji="1" lang="en" altLang="zh-CN" dirty="0"/>
+              <a:t> | </a:t>
+            </a:r>
+            <a:r>
+              <a:rPr kumimoji="1" lang="en-US" altLang="zh-CN" dirty="0"/>
+              <a:t>int</a:t>
+            </a:r>
+            <a:r>
+              <a:rPr kumimoji="1" lang="en" altLang="zh-CN" dirty="0"/>
+              <a:t>| NO  |     | 1    |       |</a:t>
+            </a:r>
+          </a:p>
+          <a:p>
+            <a:r>
+              <a:rPr kumimoji="1" lang="en" altLang="zh-CN" dirty="0"/>
+              <a:t>| </a:t>
+            </a:r>
+            <a:r>
+              <a:rPr lang="en" altLang="zh-CN" dirty="0" err="1"/>
+              <a:t>expiration_time</a:t>
+            </a:r>
+            <a:r>
+              <a:rPr lang="en" altLang="zh-CN" dirty="0"/>
+              <a:t> </a:t>
+            </a:r>
+            <a:r>
+              <a:rPr kumimoji="1" lang="en" altLang="zh-CN" dirty="0"/>
+              <a:t>| datetime | NO  |     | NULL    |       |</a:t>
+            </a:r>
+          </a:p>
+          <a:p>
+            <a:r>
+              <a:rPr kumimoji="1" lang="en-US" altLang="zh-CN" dirty="0"/>
+              <a:t>| </a:t>
+            </a:r>
+            <a:r>
+              <a:rPr kumimoji="1" lang="en" altLang="zh-CN" dirty="0" err="1"/>
+              <a:t>create_time</a:t>
+            </a:r>
+            <a:r>
+              <a:rPr kumimoji="1" lang="en" altLang="zh-CN" dirty="0"/>
+              <a:t>       | datetime     | NO   |     | CURRENT_TIMESTAMP | DEFAULT_GENERATED                             |</a:t>
+            </a:r>
+          </a:p>
+          <a:p>
+            <a:r>
+              <a:rPr kumimoji="1" lang="en" altLang="zh-CN" dirty="0"/>
+              <a:t>| </a:t>
+            </a:r>
+            <a:r>
+              <a:rPr kumimoji="1" lang="en" altLang="zh-CN" dirty="0" err="1"/>
+              <a:t>modify_time</a:t>
+            </a:r>
+            <a:r>
+              <a:rPr kumimoji="1" lang="en" altLang="zh-CN" dirty="0"/>
+              <a:t>       | datetime     | NO   |     | CURRENT_TIMESTAMP | DEFAULT_GENERATED on update CURRENT_TIMESTAMP |</a:t>
+            </a:r>
+          </a:p>
+        </p:txBody>
+      </p:sp>
+      <p:sp>
+        <p:nvSpPr>
+          <p:cNvPr id="8" name="文本框 7">
+            <a:extLst>
+              <a:ext uri="{FF2B5EF4-FFF2-40B4-BE49-F238E27FC236}">
+                <a16:creationId xmlns:a16="http://schemas.microsoft.com/office/drawing/2014/main" id="{EE277F28-49F6-4A44-BF36-A394075004A5}"/>
+              </a:ext>
+            </a:extLst>
+          </p:cNvPr>
+          <p:cNvSpPr txBox="1"/>
+          <p:nvPr/>
+        </p:nvSpPr>
+        <p:spPr>
+          <a:xfrm>
+            <a:off x="1815548" y="6003235"/>
+            <a:ext cx="5203669" cy="369332"/>
+          </a:xfrm>
+          <a:prstGeom prst="rect">
+            <a:avLst/>
+          </a:prstGeom>
+          <a:noFill/>
+        </p:spPr>
+        <p:txBody>
+          <a:bodyPr wrap="none" rtlCol="0">
+            <a:spAutoFit/>
+          </a:bodyPr>
+          <a:lstStyle/>
+          <a:p>
+            <a:r>
+              <a:rPr kumimoji="1" lang="en-US" altLang="zh-CN" dirty="0"/>
+              <a:t>Insert</a:t>
+            </a:r>
+            <a:r>
+              <a:rPr kumimoji="1" lang="zh-CN" altLang="en-US" dirty="0"/>
+              <a:t> </a:t>
+            </a:r>
+            <a:r>
+              <a:rPr kumimoji="1" lang="en-US" altLang="zh-CN" dirty="0"/>
+              <a:t>into company (</a:t>
+            </a:r>
+            <a:r>
+              <a:rPr kumimoji="1" lang="en-US" altLang="zh-CN" dirty="0" err="1"/>
+              <a:t>company_name</a:t>
+            </a:r>
+            <a:r>
+              <a:rPr kumimoji="1" lang="en-US" altLang="zh-CN" dirty="0"/>
+              <a:t>, abbreviation</a:t>
+            </a:r>
+            <a:endParaRPr kumimoji="1" lang="zh-CN" altLang="en-US" dirty="0"/>
+          </a:p>
+        </p:txBody>
+      </p:sp>
+    </p:spTree>
+    <p:extLst>
+      <p:ext uri="{BB962C8B-B14F-4D97-AF65-F5344CB8AC3E}">
+        <p14:creationId xmlns:p14="http://schemas.microsoft.com/office/powerpoint/2010/main" val="1602554158"/>
+      </p:ext>
+    </p:extLst>
+  </p:cSld>
+  <p:clrMapOvr>
+    <a:masterClrMapping/>
+  </p:clrMapOvr>
+</p:sld>
+</file>
+
+<file path=ppt/slides/slide23.xml><?xml version="1.0" encoding="utf-8"?>
+<p:sld xmlns:a="http://schemas.openxmlformats.org/drawingml/2006/main" xmlns:r="http://schemas.openxmlformats.org/officeDocument/2006/relationships" xmlns:p="http://schemas.openxmlformats.org/presentationml/2006/main">
+  <p:cSld>
+    <p:spTree>
+      <p:nvGrpSpPr>
+        <p:cNvPr id="1" name=""/>
+        <p:cNvGrpSpPr/>
+        <p:nvPr/>
+      </p:nvGrpSpPr>
+      <p:grpSpPr>
+        <a:xfrm>
+          <a:off x="0" y="0"/>
+          <a:ext cx="0" cy="0"/>
+          <a:chOff x="0" y="0"/>
+          <a:chExt cx="0" cy="0"/>
+        </a:xfrm>
+      </p:grpSpPr>
+      <p:sp>
+        <p:nvSpPr>
+          <p:cNvPr id="4" name="文本框 3">
+            <a:extLst>
+              <a:ext uri="{FF2B5EF4-FFF2-40B4-BE49-F238E27FC236}">
+                <a16:creationId xmlns:a16="http://schemas.microsoft.com/office/drawing/2014/main" id="{83890F63-BEAA-C244-B4AD-FB8158D94D42}"/>
+              </a:ext>
+            </a:extLst>
+          </p:cNvPr>
+          <p:cNvSpPr txBox="1"/>
+          <p:nvPr/>
+        </p:nvSpPr>
+        <p:spPr>
+          <a:xfrm>
+            <a:off x="877328" y="875959"/>
+            <a:ext cx="10231395" cy="2308324"/>
+          </a:xfrm>
+          <a:prstGeom prst="rect">
+            <a:avLst/>
+          </a:prstGeom>
+          <a:noFill/>
+        </p:spPr>
+        <p:txBody>
+          <a:bodyPr wrap="square" rtlCol="0">
+            <a:spAutoFit/>
+          </a:bodyPr>
+          <a:lstStyle/>
+          <a:p>
+            <a:r>
+              <a:rPr kumimoji="1" lang="en" altLang="zh-CN" dirty="0"/>
+              <a:t>+----------+--------------+------+-----+---------+-------+</a:t>
+            </a:r>
+          </a:p>
+          <a:p>
+            <a:r>
+              <a:rPr kumimoji="1" lang="en" altLang="zh-CN" dirty="0"/>
+              <a:t>| Field    | Type         | Null | Key | Default | Extra |</a:t>
+            </a:r>
+          </a:p>
+          <a:p>
+            <a:r>
+              <a:rPr kumimoji="1" lang="en" altLang="zh-CN" dirty="0"/>
+              <a:t>+----------+--------------+------+-----+---------+-------+</a:t>
+            </a:r>
+          </a:p>
+          <a:p>
+            <a:r>
+              <a:rPr kumimoji="1" lang="en" altLang="zh-CN" dirty="0"/>
+              <a:t>| id       | int          | NO   | PRI | NULL    |       |</a:t>
+            </a:r>
+          </a:p>
+          <a:p>
+            <a:r>
+              <a:rPr kumimoji="1" lang="en" altLang="zh-CN" dirty="0"/>
+              <a:t>| username | varchar(255) | YES  |     | NULL    |       |</a:t>
+            </a:r>
+          </a:p>
+          <a:p>
+            <a:r>
+              <a:rPr kumimoji="1" lang="en" altLang="zh-CN" dirty="0"/>
+              <a:t>| password | varchar(255) | YES  |     | NULL    |       |</a:t>
+            </a:r>
+          </a:p>
+          <a:p>
+            <a:r>
+              <a:rPr kumimoji="1" lang="en" altLang="zh-CN" dirty="0"/>
+              <a:t>+----------+--------------+------+-----+---------+-------+</a:t>
+            </a:r>
+          </a:p>
+          <a:p>
+            <a:endParaRPr kumimoji="1" lang="zh-CN" altLang="en-US" dirty="0"/>
+          </a:p>
+        </p:txBody>
+      </p:sp>
+      <p:sp>
+        <p:nvSpPr>
+          <p:cNvPr id="5" name="文本框 4">
+            <a:extLst>
+              <a:ext uri="{FF2B5EF4-FFF2-40B4-BE49-F238E27FC236}">
+                <a16:creationId xmlns:a16="http://schemas.microsoft.com/office/drawing/2014/main" id="{8D9A92B9-0BD0-2D4E-8024-1FB3DDBACCA6}"/>
+              </a:ext>
+            </a:extLst>
+          </p:cNvPr>
+          <p:cNvSpPr txBox="1"/>
+          <p:nvPr/>
+        </p:nvSpPr>
+        <p:spPr>
+          <a:xfrm>
+            <a:off x="877328" y="506627"/>
+            <a:ext cx="1385316" cy="369332"/>
+          </a:xfrm>
+          <a:prstGeom prst="rect">
+            <a:avLst/>
+          </a:prstGeom>
+          <a:noFill/>
+        </p:spPr>
+        <p:txBody>
+          <a:bodyPr wrap="none" rtlCol="0">
+            <a:spAutoFit/>
+          </a:bodyPr>
+          <a:lstStyle/>
+          <a:p>
+            <a:r>
+              <a:rPr kumimoji="1" lang="en-US" altLang="zh-CN" dirty="0"/>
+              <a:t>User </a:t>
+            </a:r>
+            <a:r>
+              <a:rPr kumimoji="1" lang="zh-CN" altLang="en-US" dirty="0"/>
+              <a:t>用户表</a:t>
+            </a:r>
+          </a:p>
+        </p:txBody>
+      </p:sp>
+      <p:sp>
+        <p:nvSpPr>
+          <p:cNvPr id="6" name="文本框 5">
+            <a:extLst>
+              <a:ext uri="{FF2B5EF4-FFF2-40B4-BE49-F238E27FC236}">
+                <a16:creationId xmlns:a16="http://schemas.microsoft.com/office/drawing/2014/main" id="{7C7C9F70-9F65-014E-9B50-7DD88C0F39DF}"/>
+              </a:ext>
+            </a:extLst>
+          </p:cNvPr>
+          <p:cNvSpPr txBox="1"/>
+          <p:nvPr/>
+        </p:nvSpPr>
+        <p:spPr>
+          <a:xfrm>
+            <a:off x="877328" y="3657600"/>
+            <a:ext cx="5367175" cy="923330"/>
+          </a:xfrm>
+          <a:prstGeom prst="rect">
+            <a:avLst/>
+          </a:prstGeom>
+          <a:noFill/>
+        </p:spPr>
+        <p:txBody>
+          <a:bodyPr wrap="none" rtlCol="0">
+            <a:spAutoFit/>
+          </a:bodyPr>
+          <a:lstStyle/>
+          <a:p>
+            <a:r>
+              <a:rPr kumimoji="1" lang="zh-CN" altLang="en-US" dirty="0"/>
+              <a:t>新增：</a:t>
+            </a:r>
+            <a:endParaRPr kumimoji="1" lang="en-US" altLang="zh-CN" dirty="0"/>
+          </a:p>
+          <a:p>
+            <a:r>
+              <a:rPr kumimoji="1" lang="en-US" altLang="zh-CN" dirty="0"/>
+              <a:t>1</a:t>
+            </a:r>
+            <a:r>
+              <a:rPr kumimoji="1" lang="zh-CN" altLang="en-US" dirty="0"/>
+              <a:t>、</a:t>
+            </a:r>
+            <a:r>
+              <a:rPr kumimoji="1" lang="en-US" altLang="zh-CN" dirty="0"/>
+              <a:t>user</a:t>
+            </a:r>
+            <a:r>
+              <a:rPr kumimoji="1" lang="zh-CN" altLang="en-US" dirty="0"/>
+              <a:t>表新增 类型：</a:t>
+            </a:r>
+            <a:r>
+              <a:rPr kumimoji="1" lang="en-US" altLang="zh-CN" dirty="0"/>
+              <a:t>admin/user type: varchar(20)  </a:t>
+            </a:r>
+          </a:p>
+          <a:p>
+            <a:r>
+              <a:rPr kumimoji="1" lang="en-US" altLang="zh-CN" dirty="0"/>
+              <a:t>2</a:t>
+            </a:r>
+            <a:r>
+              <a:rPr kumimoji="1" lang="zh-CN" altLang="en-US" dirty="0"/>
+              <a:t>、主键</a:t>
+            </a:r>
+            <a:r>
+              <a:rPr kumimoji="1" lang="en-US" altLang="zh-CN" dirty="0"/>
+              <a:t>id</a:t>
+            </a:r>
+            <a:r>
+              <a:rPr kumimoji="1" lang="zh-CN" altLang="en-US" dirty="0"/>
+              <a:t>，公司</a:t>
+            </a:r>
+            <a:r>
+              <a:rPr kumimoji="1" lang="en-US" altLang="zh-CN" dirty="0"/>
+              <a:t>id    </a:t>
+            </a:r>
+            <a:r>
+              <a:rPr kumimoji="1" lang="en-US" altLang="zh-CN" dirty="0" err="1"/>
+              <a:t>company_id</a:t>
+            </a:r>
+            <a:r>
+              <a:rPr kumimoji="1" lang="en-US" altLang="zh-CN" dirty="0"/>
+              <a:t>: int</a:t>
+            </a:r>
+            <a:endParaRPr kumimoji="1" lang="zh-CN" altLang="en-US" dirty="0"/>
+          </a:p>
+        </p:txBody>
+      </p:sp>
+    </p:spTree>
+    <p:extLst>
+      <p:ext uri="{BB962C8B-B14F-4D97-AF65-F5344CB8AC3E}">
+        <p14:creationId xmlns:p14="http://schemas.microsoft.com/office/powerpoint/2010/main" val="3150529970"/>
+      </p:ext>
+    </p:extLst>
+  </p:cSld>
+  <p:clrMapOvr>
+    <a:masterClrMapping/>
+  </p:clrMapOvr>
+</p:sld>
+</file>
+
+<file path=ppt/slides/slide24.xml><?xml version="1.0" encoding="utf-8"?>
+<p:sld xmlns:a="http://schemas.openxmlformats.org/drawingml/2006/main" xmlns:r="http://schemas.openxmlformats.org/officeDocument/2006/relationships" xmlns:p="http://schemas.openxmlformats.org/presentationml/2006/main">
+  <p:cSld>
+    <p:spTree>
+      <p:nvGrpSpPr>
+        <p:cNvPr id="1" name=""/>
+        <p:cNvGrpSpPr/>
+        <p:nvPr/>
+      </p:nvGrpSpPr>
+      <p:grpSpPr>
+        <a:xfrm>
+          <a:off x="0" y="0"/>
+          <a:ext cx="0" cy="0"/>
+          <a:chOff x="0" y="0"/>
+          <a:chExt cx="0" cy="0"/>
+        </a:xfrm>
+      </p:grpSpPr>
+      <p:sp>
+        <p:nvSpPr>
+          <p:cNvPr id="4" name="文本框 3">
+            <a:extLst>
+              <a:ext uri="{FF2B5EF4-FFF2-40B4-BE49-F238E27FC236}">
+                <a16:creationId xmlns:a16="http://schemas.microsoft.com/office/drawing/2014/main" id="{965F5428-B0AA-2D4E-83A5-D85156AD5831}"/>
+              </a:ext>
+            </a:extLst>
+          </p:cNvPr>
+          <p:cNvSpPr txBox="1"/>
+          <p:nvPr/>
+        </p:nvSpPr>
+        <p:spPr>
+          <a:xfrm>
+            <a:off x="228601" y="1171575"/>
+            <a:ext cx="14972080" cy="3539430"/>
+          </a:xfrm>
+          <a:prstGeom prst="rect">
+            <a:avLst/>
+          </a:prstGeom>
+          <a:noFill/>
+        </p:spPr>
+        <p:txBody>
+          <a:bodyPr wrap="square" rtlCol="0">
+            <a:spAutoFit/>
+          </a:bodyPr>
+          <a:lstStyle/>
+          <a:p>
+            <a:r>
+              <a:rPr kumimoji="1" lang="en" altLang="zh-CN" sz="1400" dirty="0"/>
+              <a:t>+-------------------+--------------+------+-----+-------------------+-----------------------------------------------+</a:t>
+            </a:r>
+          </a:p>
+          <a:p>
+            <a:r>
+              <a:rPr kumimoji="1" lang="en" altLang="zh-CN" sz="1400" dirty="0"/>
+              <a:t>| Field             | Type         | Null | Key | Default           | Extra                                         |</a:t>
+            </a:r>
+          </a:p>
+          <a:p>
+            <a:r>
+              <a:rPr kumimoji="1" lang="en" altLang="zh-CN" sz="1400" dirty="0"/>
+              <a:t>+-------------------+--------------+------+-----+-------------------+-----------------------------------------------+</a:t>
+            </a:r>
+          </a:p>
+          <a:p>
+            <a:r>
+              <a:rPr kumimoji="1" lang="en" altLang="zh-CN" sz="1400" dirty="0"/>
+              <a:t>| id                | int          | NO   | PRI | NULL              | </a:t>
+            </a:r>
+            <a:r>
+              <a:rPr kumimoji="1" lang="en" altLang="zh-CN" sz="1400" dirty="0" err="1"/>
+              <a:t>auto_increment</a:t>
+            </a:r>
+            <a:r>
+              <a:rPr kumimoji="1" lang="en" altLang="zh-CN" sz="1400" dirty="0"/>
+              <a:t>                                |</a:t>
+            </a:r>
+          </a:p>
+          <a:p>
+            <a:r>
+              <a:rPr kumimoji="1" lang="en" altLang="zh-CN" sz="1400" dirty="0"/>
+              <a:t>| </a:t>
+            </a:r>
+            <a:r>
+              <a:rPr kumimoji="1" lang="en" altLang="zh-CN" sz="1400" dirty="0" err="1"/>
+              <a:t>vehicle_plate</a:t>
+            </a:r>
+            <a:r>
+              <a:rPr kumimoji="1" lang="en" altLang="zh-CN" sz="1400" dirty="0"/>
+              <a:t>     | varchar(45)  | NO   |     | NULL              |                                               |</a:t>
+            </a:r>
+          </a:p>
+          <a:p>
+            <a:r>
+              <a:rPr kumimoji="1" lang="en" altLang="zh-CN" sz="1400" dirty="0"/>
+              <a:t>| </a:t>
+            </a:r>
+            <a:r>
+              <a:rPr kumimoji="1" lang="en" altLang="zh-CN" sz="1400" dirty="0" err="1"/>
+              <a:t>vehicle_brand</a:t>
+            </a:r>
+            <a:r>
+              <a:rPr kumimoji="1" lang="en" altLang="zh-CN" sz="1400" dirty="0"/>
+              <a:t>     | varchar(45)  | YES  |     | NULL              |                                               |</a:t>
+            </a:r>
+          </a:p>
+          <a:p>
+            <a:r>
+              <a:rPr kumimoji="1" lang="en" altLang="zh-CN" sz="1400" dirty="0"/>
+              <a:t>| </a:t>
+            </a:r>
+            <a:r>
+              <a:rPr kumimoji="1" lang="en" altLang="zh-CN" sz="1400" dirty="0" err="1"/>
+              <a:t>registration_date</a:t>
+            </a:r>
+            <a:r>
+              <a:rPr kumimoji="1" lang="en" altLang="zh-CN" sz="1400" dirty="0"/>
+              <a:t> | datetime     | YES  |     | NULL              |                                               |</a:t>
+            </a:r>
+          </a:p>
+          <a:p>
+            <a:r>
+              <a:rPr kumimoji="1" lang="en" altLang="zh-CN" sz="1400" dirty="0"/>
+              <a:t>| </a:t>
+            </a:r>
+            <a:r>
+              <a:rPr kumimoji="1" lang="en" altLang="zh-CN" sz="1400" dirty="0" err="1"/>
+              <a:t>vehicle_color</a:t>
+            </a:r>
+            <a:r>
+              <a:rPr kumimoji="1" lang="en" altLang="zh-CN" sz="1400" dirty="0"/>
+              <a:t>     | varchar(45)  | YES  |     | NULL              |                                               |</a:t>
+            </a:r>
+          </a:p>
+          <a:p>
+            <a:r>
+              <a:rPr kumimoji="1" lang="en" altLang="zh-CN" sz="1400" dirty="0"/>
+              <a:t>| </a:t>
+            </a:r>
+            <a:r>
+              <a:rPr kumimoji="1" lang="en" altLang="zh-CN" sz="1400" dirty="0" err="1"/>
+              <a:t>purchase_date</a:t>
+            </a:r>
+            <a:r>
+              <a:rPr kumimoji="1" lang="en" altLang="zh-CN" sz="1400" dirty="0"/>
+              <a:t>     | datetime     | YES  |     | NULL              |                                               |</a:t>
+            </a:r>
+          </a:p>
+          <a:p>
+            <a:r>
+              <a:rPr kumimoji="1" lang="en" altLang="zh-CN" sz="1400" dirty="0"/>
+              <a:t>| </a:t>
+            </a:r>
+            <a:r>
+              <a:rPr kumimoji="1" lang="en" altLang="zh-CN" sz="1400" dirty="0" err="1"/>
+              <a:t>purchase_price</a:t>
+            </a:r>
+            <a:r>
+              <a:rPr kumimoji="1" lang="en" altLang="zh-CN" sz="1400" dirty="0"/>
+              <a:t>    | int          | NO   |     | NULL              |                                               |</a:t>
+            </a:r>
+          </a:p>
+          <a:p>
+            <a:r>
+              <a:rPr kumimoji="1" lang="en" altLang="zh-CN" sz="1400" dirty="0"/>
+              <a:t>| </a:t>
+            </a:r>
+            <a:r>
+              <a:rPr kumimoji="1" lang="en" altLang="zh-CN" sz="1400" dirty="0" err="1"/>
+              <a:t>vehicle_note</a:t>
+            </a:r>
+            <a:r>
+              <a:rPr kumimoji="1" lang="en" altLang="zh-CN" sz="1400" dirty="0"/>
+              <a:t>      | varchar(255) | YES  |     | NULL              |                                               |</a:t>
+            </a:r>
+          </a:p>
+          <a:p>
+            <a:r>
+              <a:rPr kumimoji="1" lang="en" altLang="zh-CN" sz="1400" dirty="0"/>
+              <a:t>| </a:t>
+            </a:r>
+            <a:r>
+              <a:rPr kumimoji="1" lang="en" altLang="zh-CN" sz="1400" dirty="0" err="1"/>
+              <a:t>saleitem_id</a:t>
+            </a:r>
+            <a:r>
+              <a:rPr kumimoji="1" lang="en" altLang="zh-CN" sz="1400" dirty="0"/>
+              <a:t>       | int          | YES  |     | NULL              |                                               |</a:t>
+            </a:r>
+          </a:p>
+          <a:p>
+            <a:r>
+              <a:rPr kumimoji="1" lang="en" altLang="zh-CN" sz="1400" dirty="0"/>
+              <a:t>| </a:t>
+            </a:r>
+            <a:r>
+              <a:rPr kumimoji="1" lang="en" altLang="zh-CN" sz="1400" dirty="0" err="1"/>
+              <a:t>create_time</a:t>
+            </a:r>
+            <a:r>
+              <a:rPr kumimoji="1" lang="en" altLang="zh-CN" sz="1400" dirty="0"/>
+              <a:t>       | datetime     | NO   |     | CURRENT_TIMESTAMP | DEFAULT_GENERATED                             |</a:t>
+            </a:r>
+          </a:p>
+          <a:p>
+            <a:r>
+              <a:rPr kumimoji="1" lang="en" altLang="zh-CN" sz="1400" dirty="0"/>
+              <a:t>| </a:t>
+            </a:r>
+            <a:r>
+              <a:rPr kumimoji="1" lang="en" altLang="zh-CN" sz="1400" dirty="0" err="1"/>
+              <a:t>modify_time</a:t>
+            </a:r>
+            <a:r>
+              <a:rPr kumimoji="1" lang="en" altLang="zh-CN" sz="1400" dirty="0"/>
+              <a:t>       | datetime     | NO   |     | CURRENT_TIMESTAMP | DEFAULT_GENERATED on update CURRENT_TIMESTAMP |</a:t>
+            </a:r>
+          </a:p>
+          <a:p>
+            <a:r>
+              <a:rPr kumimoji="1" lang="en" altLang="zh-CN" sz="1400" dirty="0"/>
+              <a:t>+-------------------+--------------+------+-----+-------------------+-----------------------------------------------+</a:t>
+            </a:r>
+          </a:p>
+          <a:p>
+            <a:endParaRPr kumimoji="1" lang="zh-CN" altLang="en-US" sz="1400" dirty="0"/>
+          </a:p>
+        </p:txBody>
+      </p:sp>
+      <p:sp>
+        <p:nvSpPr>
+          <p:cNvPr id="5" name="文本框 4">
+            <a:extLst>
+              <a:ext uri="{FF2B5EF4-FFF2-40B4-BE49-F238E27FC236}">
+                <a16:creationId xmlns:a16="http://schemas.microsoft.com/office/drawing/2014/main" id="{8C559AF2-4972-B44F-B7DE-C3A63F77C30D}"/>
+              </a:ext>
+            </a:extLst>
+          </p:cNvPr>
+          <p:cNvSpPr txBox="1"/>
+          <p:nvPr/>
+        </p:nvSpPr>
+        <p:spPr>
+          <a:xfrm>
+            <a:off x="808383" y="781878"/>
+            <a:ext cx="1343638" cy="369332"/>
+          </a:xfrm>
+          <a:prstGeom prst="rect">
+            <a:avLst/>
+          </a:prstGeom>
+          <a:noFill/>
+        </p:spPr>
+        <p:txBody>
+          <a:bodyPr wrap="none" rtlCol="0">
+            <a:spAutoFit/>
+          </a:bodyPr>
+          <a:lstStyle/>
+          <a:p>
+            <a:r>
+              <a:rPr kumimoji="1" lang="en-US" altLang="zh-CN" dirty="0"/>
+              <a:t>Vehicle Info</a:t>
+            </a:r>
+            <a:endParaRPr kumimoji="1" lang="zh-CN" altLang="en-US" dirty="0"/>
+          </a:p>
+        </p:txBody>
+      </p:sp>
+      <p:sp>
+        <p:nvSpPr>
+          <p:cNvPr id="6" name="文本框 5">
+            <a:extLst>
+              <a:ext uri="{FF2B5EF4-FFF2-40B4-BE49-F238E27FC236}">
+                <a16:creationId xmlns:a16="http://schemas.microsoft.com/office/drawing/2014/main" id="{8306C177-49B6-684B-ABCA-DD4BE5BFB0A1}"/>
+              </a:ext>
+            </a:extLst>
+          </p:cNvPr>
+          <p:cNvSpPr txBox="1"/>
+          <p:nvPr/>
+        </p:nvSpPr>
+        <p:spPr>
+          <a:xfrm>
+            <a:off x="808383" y="5075583"/>
+            <a:ext cx="1292341" cy="646331"/>
+          </a:xfrm>
+          <a:prstGeom prst="rect">
+            <a:avLst/>
+          </a:prstGeom>
+          <a:noFill/>
+        </p:spPr>
+        <p:txBody>
+          <a:bodyPr wrap="none" rtlCol="0">
+            <a:spAutoFit/>
+          </a:bodyPr>
+          <a:lstStyle/>
+          <a:p>
+            <a:r>
+              <a:rPr kumimoji="1" lang="zh-CN" altLang="en-US" dirty="0"/>
+              <a:t>新增：</a:t>
+            </a:r>
+            <a:endParaRPr kumimoji="1" lang="en-US" altLang="zh-CN" dirty="0"/>
+          </a:p>
+          <a:p>
+            <a:r>
+              <a:rPr kumimoji="1" lang="zh-CN" altLang="en-US" dirty="0"/>
+              <a:t>公司外键</a:t>
+            </a:r>
+            <a:r>
+              <a:rPr kumimoji="1" lang="en-US" altLang="zh-CN" dirty="0"/>
+              <a:t>id</a:t>
+            </a:r>
+            <a:endParaRPr kumimoji="1" lang="zh-CN" altLang="en-US" dirty="0"/>
+          </a:p>
+        </p:txBody>
+      </p:sp>
+    </p:spTree>
+    <p:extLst>
+      <p:ext uri="{BB962C8B-B14F-4D97-AF65-F5344CB8AC3E}">
+        <p14:creationId xmlns:p14="http://schemas.microsoft.com/office/powerpoint/2010/main" val="2517757484"/>
+      </p:ext>
+    </p:extLst>
+  </p:cSld>
+  <p:clrMapOvr>
+    <a:masterClrMapping/>
+  </p:clrMapOvr>
+</p:sld>
+</file>
+
+<file path=ppt/slides/slide25.xml><?xml version="1.0" encoding="utf-8"?>
+<p:sld xmlns:a="http://schemas.openxmlformats.org/drawingml/2006/main" xmlns:r="http://schemas.openxmlformats.org/officeDocument/2006/relationships" xmlns:p="http://schemas.openxmlformats.org/presentationml/2006/main">
+  <p:cSld>
+    <p:spTree>
+      <p:nvGrpSpPr>
+        <p:cNvPr id="1" name=""/>
+        <p:cNvGrpSpPr/>
+        <p:nvPr/>
+      </p:nvGrpSpPr>
+      <p:grpSpPr>
+        <a:xfrm>
+          <a:off x="0" y="0"/>
+          <a:ext cx="0" cy="0"/>
+          <a:chOff x="0" y="0"/>
+          <a:chExt cx="0" cy="0"/>
+        </a:xfrm>
+      </p:grpSpPr>
+      <p:sp>
+        <p:nvSpPr>
+          <p:cNvPr id="4" name="文本框 3">
+            <a:extLst>
+              <a:ext uri="{FF2B5EF4-FFF2-40B4-BE49-F238E27FC236}">
+                <a16:creationId xmlns:a16="http://schemas.microsoft.com/office/drawing/2014/main" id="{70D3C1F4-BF2B-BD41-BFD2-8FBC671CD5EA}"/>
+              </a:ext>
+            </a:extLst>
+          </p:cNvPr>
+          <p:cNvSpPr txBox="1"/>
+          <p:nvPr/>
+        </p:nvSpPr>
+        <p:spPr>
+          <a:xfrm>
+            <a:off x="940905" y="1789044"/>
+            <a:ext cx="8302273" cy="2585323"/>
+          </a:xfrm>
+          <a:prstGeom prst="rect">
+            <a:avLst/>
+          </a:prstGeom>
+          <a:noFill/>
+        </p:spPr>
+        <p:txBody>
+          <a:bodyPr wrap="none" rtlCol="0">
+            <a:spAutoFit/>
+          </a:bodyPr>
+          <a:lstStyle/>
+          <a:p>
+            <a:r>
+              <a:rPr kumimoji="1" lang="en" altLang="zh-CN" dirty="0"/>
+              <a:t>+------------+-------------+------+-----+---------+----------------+</a:t>
+            </a:r>
+          </a:p>
+          <a:p>
+            <a:r>
+              <a:rPr kumimoji="1" lang="en" altLang="zh-CN" dirty="0"/>
+              <a:t>| Field      | Type        | Null | Key | Default | Extra          |</a:t>
+            </a:r>
+          </a:p>
+          <a:p>
+            <a:r>
+              <a:rPr kumimoji="1" lang="en" altLang="zh-CN" dirty="0"/>
+              <a:t>+------------+-------------+------+-----+---------+----------------+</a:t>
+            </a:r>
+          </a:p>
+          <a:p>
+            <a:r>
+              <a:rPr kumimoji="1" lang="en" altLang="zh-CN" dirty="0"/>
+              <a:t>| id         | int         | NO   | PRI | NULL    | </a:t>
+            </a:r>
+            <a:r>
+              <a:rPr kumimoji="1" lang="en" altLang="zh-CN" dirty="0" err="1"/>
+              <a:t>auto_increment</a:t>
+            </a:r>
+            <a:r>
+              <a:rPr kumimoji="1" lang="en" altLang="zh-CN" dirty="0"/>
+              <a:t> |</a:t>
+            </a:r>
+          </a:p>
+          <a:p>
+            <a:r>
+              <a:rPr kumimoji="1" lang="en" altLang="zh-CN" dirty="0"/>
+              <a:t>| name       | varchar(45) | NO   |     | NULL    |                |</a:t>
+            </a:r>
+          </a:p>
+          <a:p>
+            <a:r>
+              <a:rPr kumimoji="1" lang="en" altLang="zh-CN" dirty="0"/>
+              <a:t>| price      | int         | NO   |     | NULL    |                |</a:t>
+            </a:r>
+          </a:p>
+          <a:p>
+            <a:r>
+              <a:rPr kumimoji="1" lang="en" altLang="zh-CN" dirty="0"/>
+              <a:t>| </a:t>
+            </a:r>
+            <a:r>
+              <a:rPr kumimoji="1" lang="en" altLang="zh-CN" dirty="0" err="1"/>
+              <a:t>vehicle_id</a:t>
+            </a:r>
+            <a:r>
+              <a:rPr kumimoji="1" lang="en" altLang="zh-CN" dirty="0"/>
+              <a:t> | int         | NO   |     | NULL    |                |</a:t>
+            </a:r>
+          </a:p>
+          <a:p>
+            <a:r>
+              <a:rPr kumimoji="1" lang="en" altLang="zh-CN" dirty="0"/>
+              <a:t>+------------+-------------+------+-----+---------+----------------+</a:t>
+            </a:r>
+          </a:p>
+          <a:p>
+            <a:endParaRPr kumimoji="1" lang="zh-CN" altLang="en-US" dirty="0"/>
+          </a:p>
+        </p:txBody>
+      </p:sp>
+      <p:sp>
+        <p:nvSpPr>
+          <p:cNvPr id="5" name="文本框 4">
+            <a:extLst>
+              <a:ext uri="{FF2B5EF4-FFF2-40B4-BE49-F238E27FC236}">
+                <a16:creationId xmlns:a16="http://schemas.microsoft.com/office/drawing/2014/main" id="{C0942A8A-2B75-5E4D-922C-063B9CE46934}"/>
+              </a:ext>
+            </a:extLst>
+          </p:cNvPr>
+          <p:cNvSpPr txBox="1"/>
+          <p:nvPr/>
+        </p:nvSpPr>
+        <p:spPr>
+          <a:xfrm>
+            <a:off x="1126435" y="954157"/>
+            <a:ext cx="909223" cy="369332"/>
+          </a:xfrm>
+          <a:prstGeom prst="rect">
+            <a:avLst/>
+          </a:prstGeom>
+          <a:noFill/>
+        </p:spPr>
+        <p:txBody>
+          <a:bodyPr wrap="none" rtlCol="0">
+            <a:spAutoFit/>
+          </a:bodyPr>
+          <a:lstStyle/>
+          <a:p>
+            <a:r>
+              <a:rPr kumimoji="1" lang="en-US" altLang="zh-CN" dirty="0"/>
+              <a:t>partner</a:t>
+            </a:r>
+            <a:endParaRPr kumimoji="1" lang="zh-CN" altLang="en-US" dirty="0"/>
+          </a:p>
+        </p:txBody>
+      </p:sp>
+    </p:spTree>
+    <p:extLst>
+      <p:ext uri="{BB962C8B-B14F-4D97-AF65-F5344CB8AC3E}">
+        <p14:creationId xmlns:p14="http://schemas.microsoft.com/office/powerpoint/2010/main" val="2190018441"/>
+      </p:ext>
+    </p:extLst>
+  </p:cSld>
+  <p:clrMapOvr>
+    <a:masterClrMapping/>
+  </p:clrMapOvr>
+</p:sld>
+</file>
+
+<file path=ppt/slides/slide26.xml><?xml version="1.0" encoding="utf-8"?>
+<p:sld xmlns:a="http://schemas.openxmlformats.org/drawingml/2006/main" xmlns:r="http://schemas.openxmlformats.org/officeDocument/2006/relationships" xmlns:p="http://schemas.openxmlformats.org/presentationml/2006/main">
+  <p:cSld>
+    <p:spTree>
+      <p:nvGrpSpPr>
+        <p:cNvPr id="1" name=""/>
+        <p:cNvGrpSpPr/>
+        <p:nvPr/>
+      </p:nvGrpSpPr>
+      <p:grpSpPr>
+        <a:xfrm>
+          <a:off x="0" y="0"/>
+          <a:ext cx="0" cy="0"/>
+          <a:chOff x="0" y="0"/>
+          <a:chExt cx="0" cy="0"/>
+        </a:xfrm>
+      </p:grpSpPr>
+      <p:sp>
+        <p:nvSpPr>
+          <p:cNvPr id="4" name="文本框 3">
+            <a:extLst>
+              <a:ext uri="{FF2B5EF4-FFF2-40B4-BE49-F238E27FC236}">
+                <a16:creationId xmlns:a16="http://schemas.microsoft.com/office/drawing/2014/main" id="{3057E51D-F437-6F49-8FD6-2E3AEE006B61}"/>
+              </a:ext>
+            </a:extLst>
+          </p:cNvPr>
+          <p:cNvSpPr txBox="1"/>
+          <p:nvPr/>
+        </p:nvSpPr>
+        <p:spPr>
+          <a:xfrm>
+            <a:off x="1232452" y="1219200"/>
+            <a:ext cx="10310191" cy="3139321"/>
+          </a:xfrm>
+          <a:prstGeom prst="rect">
+            <a:avLst/>
+          </a:prstGeom>
+          <a:noFill/>
+        </p:spPr>
+        <p:txBody>
+          <a:bodyPr wrap="square" rtlCol="0">
+            <a:spAutoFit/>
+          </a:bodyPr>
+          <a:lstStyle/>
+          <a:p>
+            <a:r>
+              <a:rPr kumimoji="1" lang="en" altLang="zh-CN" dirty="0"/>
+              <a:t>describe preparedness;</a:t>
+            </a:r>
+          </a:p>
+          <a:p>
+            <a:r>
+              <a:rPr kumimoji="1" lang="en" altLang="zh-CN" dirty="0"/>
+              <a:t>+--------------+-------------+------+-----+---------+----------------+</a:t>
+            </a:r>
+          </a:p>
+          <a:p>
+            <a:r>
+              <a:rPr kumimoji="1" lang="en" altLang="zh-CN" dirty="0"/>
+              <a:t>| Field        | Type        | Null | Key | Default | Extra          |</a:t>
+            </a:r>
+          </a:p>
+          <a:p>
+            <a:r>
+              <a:rPr kumimoji="1" lang="en" altLang="zh-CN" dirty="0"/>
+              <a:t>+--------------+-------------+------+-----+---------+----------------+</a:t>
+            </a:r>
+          </a:p>
+          <a:p>
+            <a:r>
+              <a:rPr kumimoji="1" lang="en" altLang="zh-CN" dirty="0"/>
+              <a:t>| id           | int         | NO   | PRI | NULL    | </a:t>
+            </a:r>
+            <a:r>
+              <a:rPr kumimoji="1" lang="en" altLang="zh-CN" dirty="0" err="1"/>
+              <a:t>auto_increment</a:t>
+            </a:r>
+            <a:r>
+              <a:rPr kumimoji="1" lang="en" altLang="zh-CN" dirty="0"/>
+              <a:t> |</a:t>
+            </a:r>
+          </a:p>
+          <a:p>
+            <a:r>
+              <a:rPr kumimoji="1" lang="en" altLang="zh-CN" dirty="0"/>
+              <a:t>| </a:t>
+            </a:r>
+            <a:r>
+              <a:rPr kumimoji="1" lang="en" altLang="zh-CN" dirty="0" err="1"/>
+              <a:t>repair_item</a:t>
+            </a:r>
+            <a:r>
+              <a:rPr kumimoji="1" lang="en" altLang="zh-CN" dirty="0"/>
+              <a:t>  | varchar(45) | NO   |     | NULL    |                |</a:t>
+            </a:r>
+          </a:p>
+          <a:p>
+            <a:r>
+              <a:rPr kumimoji="1" lang="en" altLang="zh-CN" dirty="0"/>
+              <a:t>| </a:t>
+            </a:r>
+            <a:r>
+              <a:rPr kumimoji="1" lang="en" altLang="zh-CN" dirty="0" err="1"/>
+              <a:t>repair_price</a:t>
+            </a:r>
+            <a:r>
+              <a:rPr kumimoji="1" lang="en" altLang="zh-CN" dirty="0"/>
+              <a:t> | int         | NO   |     | NULL    |                |</a:t>
+            </a:r>
+          </a:p>
+          <a:p>
+            <a:r>
+              <a:rPr kumimoji="1" lang="en" altLang="zh-CN" dirty="0"/>
+              <a:t>| </a:t>
+            </a:r>
+            <a:r>
+              <a:rPr kumimoji="1" lang="en" altLang="zh-CN" dirty="0" err="1"/>
+              <a:t>handler_name</a:t>
+            </a:r>
+            <a:r>
+              <a:rPr kumimoji="1" lang="en" altLang="zh-CN" dirty="0"/>
+              <a:t> | varchar(45) | YES  |     | NULL    |                |</a:t>
+            </a:r>
+          </a:p>
+          <a:p>
+            <a:r>
+              <a:rPr kumimoji="1" lang="en" altLang="zh-CN" dirty="0"/>
+              <a:t>| </a:t>
+            </a:r>
+            <a:r>
+              <a:rPr kumimoji="1" lang="en" altLang="zh-CN" dirty="0" err="1"/>
+              <a:t>handle_date</a:t>
+            </a:r>
+            <a:r>
+              <a:rPr kumimoji="1" lang="en" altLang="zh-CN" dirty="0"/>
+              <a:t>  | datetime    | YES  |     | NULL    |                |</a:t>
+            </a:r>
+          </a:p>
+          <a:p>
+            <a:r>
+              <a:rPr kumimoji="1" lang="en" altLang="zh-CN" dirty="0"/>
+              <a:t>| </a:t>
+            </a:r>
+            <a:r>
+              <a:rPr kumimoji="1" lang="en" altLang="zh-CN" dirty="0" err="1"/>
+              <a:t>vehicle_id</a:t>
+            </a:r>
+            <a:r>
+              <a:rPr kumimoji="1" lang="en" altLang="zh-CN" dirty="0"/>
+              <a:t>   | int         | NO   |     | NULL    |                |</a:t>
+            </a:r>
+          </a:p>
+          <a:p>
+            <a:r>
+              <a:rPr kumimoji="1" lang="en" altLang="zh-CN" dirty="0"/>
+              <a:t>+--------------+-------------+------+-----+---------+----------------+</a:t>
+            </a:r>
+          </a:p>
+        </p:txBody>
+      </p:sp>
+    </p:spTree>
+    <p:extLst>
+      <p:ext uri="{BB962C8B-B14F-4D97-AF65-F5344CB8AC3E}">
+        <p14:creationId xmlns:p14="http://schemas.microsoft.com/office/powerpoint/2010/main" val="3460387178"/>
+      </p:ext>
+    </p:extLst>
+  </p:cSld>
+  <p:clrMapOvr>
+    <a:masterClrMapping/>
+  </p:clrMapOvr>
+</p:sld>
+</file>
+
+<file path=ppt/slides/slide27.xml><?xml version="1.0" encoding="utf-8"?>
+<p:sld xmlns:a="http://schemas.openxmlformats.org/drawingml/2006/main" xmlns:r="http://schemas.openxmlformats.org/officeDocument/2006/relationships" xmlns:p="http://schemas.openxmlformats.org/presentationml/2006/main">
+  <p:cSld>
+    <p:spTree>
+      <p:nvGrpSpPr>
+        <p:cNvPr id="1" name=""/>
+        <p:cNvGrpSpPr/>
+        <p:nvPr/>
+      </p:nvGrpSpPr>
+      <p:grpSpPr>
+        <a:xfrm>
+          <a:off x="0" y="0"/>
+          <a:ext cx="0" cy="0"/>
+          <a:chOff x="0" y="0"/>
+          <a:chExt cx="0" cy="0"/>
+        </a:xfrm>
+      </p:grpSpPr>
+      <p:sp>
+        <p:nvSpPr>
+          <p:cNvPr id="4" name="文本框 3">
+            <a:extLst>
+              <a:ext uri="{FF2B5EF4-FFF2-40B4-BE49-F238E27FC236}">
+                <a16:creationId xmlns:a16="http://schemas.microsoft.com/office/drawing/2014/main" id="{95D627E9-D2DF-F445-9495-05FB37C5B534}"/>
+              </a:ext>
+            </a:extLst>
+          </p:cNvPr>
+          <p:cNvSpPr txBox="1"/>
+          <p:nvPr/>
+        </p:nvSpPr>
+        <p:spPr>
+          <a:xfrm>
+            <a:off x="667578" y="278296"/>
+            <a:ext cx="10856843" cy="5355312"/>
+          </a:xfrm>
+          <a:prstGeom prst="rect">
+            <a:avLst/>
+          </a:prstGeom>
+          <a:noFill/>
+        </p:spPr>
+        <p:txBody>
+          <a:bodyPr wrap="square" rtlCol="0">
+            <a:spAutoFit/>
+          </a:bodyPr>
+          <a:lstStyle/>
+          <a:p>
+            <a:r>
+              <a:rPr kumimoji="1" lang="en" altLang="zh-CN" dirty="0" err="1"/>
+              <a:t>mysql</a:t>
+            </a:r>
+            <a:r>
+              <a:rPr kumimoji="1" lang="en" altLang="zh-CN" dirty="0"/>
+              <a:t>&gt; describe </a:t>
+            </a:r>
+            <a:r>
+              <a:rPr kumimoji="1" lang="en" altLang="zh-CN" dirty="0" err="1"/>
+              <a:t>sale_item</a:t>
+            </a:r>
+            <a:r>
+              <a:rPr kumimoji="1" lang="en" altLang="zh-CN" dirty="0"/>
+              <a:t>;</a:t>
+            </a:r>
+          </a:p>
+          <a:p>
+            <a:r>
+              <a:rPr kumimoji="1" lang="en" altLang="zh-CN" dirty="0"/>
+              <a:t>+------------------+------------+------+-----+-------------------+-------------------+</a:t>
+            </a:r>
+          </a:p>
+          <a:p>
+            <a:r>
+              <a:rPr kumimoji="1" lang="en" altLang="zh-CN" dirty="0"/>
+              <a:t>| Field            | Type       | Null | Key | Default           | Extra             |</a:t>
+            </a:r>
+          </a:p>
+          <a:p>
+            <a:r>
+              <a:rPr kumimoji="1" lang="en" altLang="zh-CN" dirty="0"/>
+              <a:t>+------------------+------------+------+-----+-------------------+-------------------+</a:t>
+            </a:r>
+          </a:p>
+          <a:p>
+            <a:r>
+              <a:rPr kumimoji="1" lang="en" altLang="zh-CN" dirty="0"/>
+              <a:t>| id               | int        | NO   | PRI | NULL              | </a:t>
+            </a:r>
+            <a:r>
+              <a:rPr kumimoji="1" lang="en" altLang="zh-CN" dirty="0" err="1"/>
+              <a:t>auto_increment</a:t>
+            </a:r>
+            <a:r>
+              <a:rPr kumimoji="1" lang="en" altLang="zh-CN" dirty="0"/>
+              <a:t>    |</a:t>
+            </a:r>
+          </a:p>
+          <a:p>
+            <a:r>
+              <a:rPr kumimoji="1" lang="en" altLang="zh-CN" dirty="0"/>
+              <a:t>| </a:t>
+            </a:r>
+            <a:r>
+              <a:rPr kumimoji="1" lang="en" altLang="zh-CN" dirty="0" err="1"/>
+              <a:t>sale_price</a:t>
+            </a:r>
+            <a:r>
+              <a:rPr kumimoji="1" lang="en" altLang="zh-CN" dirty="0"/>
+              <a:t>       | int        | NO   |     | NULL              |                   |</a:t>
+            </a:r>
+          </a:p>
+          <a:p>
+            <a:r>
+              <a:rPr kumimoji="1" lang="en" altLang="zh-CN" dirty="0"/>
+              <a:t>| </a:t>
+            </a:r>
+            <a:r>
+              <a:rPr kumimoji="1" lang="en" altLang="zh-CN" dirty="0" err="1"/>
+              <a:t>commission_rate</a:t>
+            </a:r>
+            <a:r>
+              <a:rPr kumimoji="1" lang="en" altLang="zh-CN" dirty="0"/>
+              <a:t>  | double     | YES  |     | 6                 |                   |</a:t>
+            </a:r>
+          </a:p>
+          <a:p>
+            <a:r>
+              <a:rPr kumimoji="1" lang="en" altLang="zh-CN" dirty="0"/>
+              <a:t>| </a:t>
+            </a:r>
+            <a:r>
+              <a:rPr kumimoji="1" lang="en" altLang="zh-CN" dirty="0" err="1"/>
+              <a:t>repair_price</a:t>
+            </a:r>
+            <a:r>
+              <a:rPr kumimoji="1" lang="en" altLang="zh-CN" dirty="0"/>
+              <a:t>     | int        | YES  |     | NULL              |                   |</a:t>
+            </a:r>
+          </a:p>
+          <a:p>
+            <a:r>
+              <a:rPr kumimoji="1" lang="en" altLang="zh-CN" dirty="0"/>
+              <a:t>| </a:t>
+            </a:r>
+            <a:r>
+              <a:rPr kumimoji="1" lang="en" altLang="zh-CN" dirty="0" err="1"/>
+              <a:t>partner_price</a:t>
+            </a:r>
+            <a:r>
+              <a:rPr kumimoji="1" lang="en" altLang="zh-CN" dirty="0"/>
+              <a:t>    | int        | YES  |     | NULL              |                   |</a:t>
+            </a:r>
+          </a:p>
+          <a:p>
+            <a:r>
+              <a:rPr kumimoji="1" lang="en" altLang="zh-CN" dirty="0"/>
+              <a:t>| </a:t>
+            </a:r>
+            <a:r>
+              <a:rPr kumimoji="1" lang="en" altLang="zh-CN" dirty="0" err="1"/>
+              <a:t>partner_profit</a:t>
+            </a:r>
+            <a:r>
+              <a:rPr kumimoji="1" lang="en" altLang="zh-CN" dirty="0"/>
+              <a:t>   | double     | YES  |     | NULL              |                   |</a:t>
+            </a:r>
+          </a:p>
+          <a:p>
+            <a:r>
+              <a:rPr kumimoji="1" lang="en" altLang="zh-CN" dirty="0"/>
+              <a:t>| </a:t>
+            </a:r>
+            <a:r>
+              <a:rPr kumimoji="1" lang="en" altLang="zh-CN" dirty="0" err="1"/>
+              <a:t>self_profit</a:t>
+            </a:r>
+            <a:r>
+              <a:rPr kumimoji="1" lang="en" altLang="zh-CN" dirty="0"/>
+              <a:t>      | double     | NO   |     | NULL              |                   |</a:t>
+            </a:r>
+          </a:p>
+          <a:p>
+            <a:r>
+              <a:rPr kumimoji="1" lang="en" altLang="zh-CN" dirty="0"/>
+              <a:t>| </a:t>
+            </a:r>
+            <a:r>
+              <a:rPr kumimoji="1" lang="en" altLang="zh-CN" dirty="0" err="1"/>
+              <a:t>sale_date</a:t>
+            </a:r>
+            <a:r>
+              <a:rPr kumimoji="1" lang="en" altLang="zh-CN" dirty="0"/>
+              <a:t>        | datetime   | YES  |     | NULL              |                   |</a:t>
+            </a:r>
+          </a:p>
+          <a:p>
+            <a:r>
+              <a:rPr kumimoji="1" lang="en" altLang="zh-CN" dirty="0"/>
+              <a:t>| </a:t>
+            </a:r>
+            <a:r>
+              <a:rPr kumimoji="1" lang="en" altLang="zh-CN" dirty="0" err="1"/>
+              <a:t>vehicle_id</a:t>
+            </a:r>
+            <a:r>
+              <a:rPr kumimoji="1" lang="en" altLang="zh-CN" dirty="0"/>
+              <a:t>       | int        | NO   |     | NULL              |                   |</a:t>
+            </a:r>
+          </a:p>
+          <a:p>
+            <a:r>
+              <a:rPr kumimoji="1" lang="en" altLang="zh-CN" dirty="0"/>
+              <a:t>| </a:t>
+            </a:r>
+            <a:r>
+              <a:rPr kumimoji="1" lang="en" altLang="zh-CN" dirty="0" err="1"/>
+              <a:t>created_time</a:t>
+            </a:r>
+            <a:r>
+              <a:rPr kumimoji="1" lang="en" altLang="zh-CN" dirty="0"/>
+              <a:t>     | datetime   | YES  |     | CURRENT_TIMESTAMP | DEFAULT_GENERATED |</a:t>
+            </a:r>
+          </a:p>
+          <a:p>
+            <a:r>
+              <a:rPr kumimoji="1" lang="en" altLang="zh-CN" dirty="0"/>
+              <a:t>| </a:t>
+            </a:r>
+            <a:r>
+              <a:rPr kumimoji="1" lang="en" altLang="zh-CN" dirty="0" err="1"/>
+              <a:t>clear_state</a:t>
+            </a:r>
+            <a:r>
+              <a:rPr kumimoji="1" lang="en" altLang="zh-CN" dirty="0"/>
+              <a:t>      | </a:t>
+            </a:r>
+            <a:r>
+              <a:rPr kumimoji="1" lang="en" altLang="zh-CN" dirty="0" err="1"/>
+              <a:t>tinyint</a:t>
+            </a:r>
+            <a:r>
+              <a:rPr kumimoji="1" lang="en" altLang="zh-CN" dirty="0"/>
+              <a:t>    | YES  |     | 0                 |                   |</a:t>
+            </a:r>
+          </a:p>
+          <a:p>
+            <a:r>
+              <a:rPr kumimoji="1" lang="en" altLang="zh-CN" dirty="0"/>
+              <a:t>| </a:t>
+            </a:r>
+            <a:r>
+              <a:rPr kumimoji="1" lang="en" altLang="zh-CN" dirty="0" err="1"/>
+              <a:t>mortgage_rebate</a:t>
+            </a:r>
+            <a:r>
+              <a:rPr kumimoji="1" lang="en" altLang="zh-CN" dirty="0"/>
+              <a:t>  | float(8,2) | YES  |     | NULL              |                   |</a:t>
+            </a:r>
+          </a:p>
+          <a:p>
+            <a:r>
+              <a:rPr kumimoji="1" lang="en" altLang="zh-CN" dirty="0"/>
+              <a:t>| </a:t>
+            </a:r>
+            <a:r>
+              <a:rPr kumimoji="1" lang="en" altLang="zh-CN" dirty="0" err="1"/>
+              <a:t>insurance_refund</a:t>
+            </a:r>
+            <a:r>
+              <a:rPr kumimoji="1" lang="en" altLang="zh-CN" dirty="0"/>
+              <a:t> | float(8,2) | YES  |     | NULL              |                   |</a:t>
+            </a:r>
+          </a:p>
+          <a:p>
+            <a:r>
+              <a:rPr kumimoji="1" lang="en" altLang="zh-CN" dirty="0"/>
+              <a:t>+------------------+------------+------+-----+-------------------+-------------------+</a:t>
+            </a:r>
+          </a:p>
+          <a:p>
+            <a:endParaRPr kumimoji="1" lang="zh-CN" altLang="en-US" dirty="0"/>
+          </a:p>
+        </p:txBody>
+      </p:sp>
+      <p:sp>
+        <p:nvSpPr>
+          <p:cNvPr id="3" name="文本框 2">
+            <a:extLst>
+              <a:ext uri="{FF2B5EF4-FFF2-40B4-BE49-F238E27FC236}">
+                <a16:creationId xmlns:a16="http://schemas.microsoft.com/office/drawing/2014/main" id="{21CB397D-4203-E945-87F4-089AC9D03DCD}"/>
+              </a:ext>
+            </a:extLst>
+          </p:cNvPr>
+          <p:cNvSpPr txBox="1"/>
+          <p:nvPr/>
+        </p:nvSpPr>
+        <p:spPr>
+          <a:xfrm>
+            <a:off x="808383" y="5633608"/>
+            <a:ext cx="1292341" cy="646331"/>
+          </a:xfrm>
+          <a:prstGeom prst="rect">
+            <a:avLst/>
+          </a:prstGeom>
+          <a:noFill/>
+        </p:spPr>
+        <p:txBody>
+          <a:bodyPr wrap="none" rtlCol="0">
+            <a:spAutoFit/>
+          </a:bodyPr>
+          <a:lstStyle/>
+          <a:p>
+            <a:r>
+              <a:rPr kumimoji="1" lang="zh-CN" altLang="en-US" dirty="0"/>
+              <a:t>新增：</a:t>
+            </a:r>
+            <a:endParaRPr kumimoji="1" lang="en-US" altLang="zh-CN" dirty="0"/>
+          </a:p>
+          <a:p>
+            <a:r>
+              <a:rPr kumimoji="1" lang="zh-CN" altLang="en-US" dirty="0"/>
+              <a:t>公司外键</a:t>
+            </a:r>
+            <a:r>
+              <a:rPr kumimoji="1" lang="en-US" altLang="zh-CN" dirty="0"/>
+              <a:t>id</a:t>
+            </a:r>
+            <a:endParaRPr kumimoji="1" lang="zh-CN" altLang="en-US" dirty="0"/>
+          </a:p>
+        </p:txBody>
+      </p:sp>
+    </p:spTree>
+    <p:extLst>
+      <p:ext uri="{BB962C8B-B14F-4D97-AF65-F5344CB8AC3E}">
+        <p14:creationId xmlns:p14="http://schemas.microsoft.com/office/powerpoint/2010/main" val="111428507"/>
+      </p:ext>
+    </p:extLst>
+  </p:cSld>
+  <p:clrMapOvr>
+    <a:masterClrMapping/>
+  </p:clrMapOvr>
+</p:sld>
+</file>
+
+<file path=ppt/slides/slide28.xml><?xml version="1.0" encoding="utf-8"?>
+<p:sld xmlns:a="http://schemas.openxmlformats.org/drawingml/2006/main" xmlns:r="http://schemas.openxmlformats.org/officeDocument/2006/relationships" xmlns:p="http://schemas.openxmlformats.org/presentationml/2006/main">
+  <p:cSld>
+    <p:spTree>
+      <p:nvGrpSpPr>
+        <p:cNvPr id="1" name=""/>
+        <p:cNvGrpSpPr/>
+        <p:nvPr/>
+      </p:nvGrpSpPr>
+      <p:grpSpPr>
+        <a:xfrm>
+          <a:off x="0" y="0"/>
+          <a:ext cx="0" cy="0"/>
+          <a:chOff x="0" y="0"/>
+          <a:chExt cx="0" cy="0"/>
+        </a:xfrm>
+      </p:grpSpPr>
+      <p:sp>
+        <p:nvSpPr>
+          <p:cNvPr id="4" name="文本框 3">
+            <a:extLst>
+              <a:ext uri="{FF2B5EF4-FFF2-40B4-BE49-F238E27FC236}">
+                <a16:creationId xmlns:a16="http://schemas.microsoft.com/office/drawing/2014/main" id="{83B60C51-D72F-E24C-BCB2-C18DFF1BF52F}"/>
+              </a:ext>
+            </a:extLst>
+          </p:cNvPr>
+          <p:cNvSpPr txBox="1"/>
+          <p:nvPr/>
+        </p:nvSpPr>
+        <p:spPr>
+          <a:xfrm>
+            <a:off x="1075038" y="803189"/>
+            <a:ext cx="7231467" cy="1754326"/>
+          </a:xfrm>
+          <a:prstGeom prst="rect">
+            <a:avLst/>
+          </a:prstGeom>
+          <a:noFill/>
+        </p:spPr>
+        <p:txBody>
+          <a:bodyPr wrap="none" rtlCol="0">
+            <a:spAutoFit/>
+          </a:bodyPr>
+          <a:lstStyle/>
+          <a:p>
+            <a:r>
+              <a:rPr kumimoji="1" lang="en-US" altLang="zh-CN" dirty="0"/>
+              <a:t>1</a:t>
+            </a:r>
+            <a:r>
+              <a:rPr kumimoji="1" lang="zh-CN" altLang="en-US" dirty="0"/>
+              <a:t>、新添加账号系统，新登录以后即记录上公司的</a:t>
+            </a:r>
+            <a:r>
+              <a:rPr kumimoji="1" lang="en-US" altLang="zh-CN" dirty="0"/>
+              <a:t>id (</a:t>
+            </a:r>
+            <a:r>
+              <a:rPr kumimoji="1" lang="zh-CN" altLang="en-US" dirty="0"/>
+              <a:t>完成）</a:t>
+            </a:r>
+            <a:endParaRPr kumimoji="1" lang="en-US" altLang="zh-CN" dirty="0"/>
+          </a:p>
+          <a:p>
+            <a:r>
+              <a:rPr kumimoji="1" lang="en-US" altLang="zh-CN" dirty="0"/>
+              <a:t>2</a:t>
+            </a:r>
+            <a:r>
+              <a:rPr kumimoji="1" lang="zh-CN" altLang="en-US" dirty="0"/>
+              <a:t>、新添加主账号的管理系统，可以对副账号进行删除和添加</a:t>
+            </a:r>
+            <a:endParaRPr kumimoji="1" lang="en-US" altLang="zh-CN" dirty="0"/>
+          </a:p>
+          <a:p>
+            <a:r>
+              <a:rPr kumimoji="1" lang="en-US" altLang="zh-CN" dirty="0"/>
+              <a:t>3</a:t>
+            </a:r>
+            <a:r>
+              <a:rPr kumimoji="1" lang="zh-CN" altLang="en-US" dirty="0"/>
+              <a:t>、添加账号的详情页面，可以看到账号的限制数量，失效时间；</a:t>
+            </a:r>
+            <a:endParaRPr kumimoji="1" lang="en-US" altLang="zh-CN" dirty="0"/>
+          </a:p>
+          <a:p>
+            <a:r>
+              <a:rPr kumimoji="1" lang="en-US" altLang="zh-CN" dirty="0"/>
+              <a:t>4</a:t>
+            </a:r>
+            <a:r>
+              <a:rPr kumimoji="1" lang="zh-CN" altLang="en-US" dirty="0"/>
+              <a:t>、增加一个管理页面： 添加公司的页面，同时添加初始化账号</a:t>
+            </a:r>
+            <a:endParaRPr kumimoji="1" lang="en-US" altLang="zh-CN" dirty="0"/>
+          </a:p>
+          <a:p>
+            <a:endParaRPr kumimoji="1" lang="en-US" altLang="zh-CN" dirty="0"/>
+          </a:p>
+          <a:p>
+            <a:r>
+              <a:rPr kumimoji="1" lang="en-US" altLang="zh-CN" dirty="0"/>
+              <a:t>5</a:t>
+            </a:r>
+            <a:r>
+              <a:rPr kumimoji="1" lang="zh-CN" altLang="en-US" dirty="0"/>
+              <a:t>、修改的内容，修改再售车列表和已经出售的车辆列表。（未完成）</a:t>
+            </a:r>
+          </a:p>
+        </p:txBody>
+      </p:sp>
+    </p:spTree>
+    <p:extLst>
+      <p:ext uri="{BB962C8B-B14F-4D97-AF65-F5344CB8AC3E}">
+        <p14:creationId xmlns:p14="http://schemas.microsoft.com/office/powerpoint/2010/main" val="3927389973"/>
       </p:ext>
     </p:extLst>
   </p:cSld>
@@ -10415,7 +12156,7 @@
           <a:p>
             <a:pPr algn="ctr"/>
             <a:r>
-              <a:rPr lang="zh-CN" altLang="en-US" sz="1600" dirty="0" smtClean="0">
+              <a:rPr lang="zh-CN" altLang="en-US" sz="1600" dirty="0">
                 <a:solidFill>
                   <a:schemeClr val="bg1"/>
                 </a:solidFill>
@@ -10424,13 +12165,6 @@
               </a:rPr>
               <a:t>车辆入库</a:t>
             </a:r>
-            <a:endParaRPr lang="zh-CN" altLang="en-US" sz="1600" dirty="0">
-              <a:solidFill>
-                <a:schemeClr val="bg1"/>
-              </a:solidFill>
-              <a:latin typeface="黑体" panose="02010609060101010101" pitchFamily="49" charset="-122"/>
-              <a:ea typeface="黑体" panose="02010609060101010101" pitchFamily="49" charset="-122"/>
-            </a:endParaRPr>
           </a:p>
         </p:txBody>
       </p:sp>
@@ -10456,7 +12190,7 @@
           <a:lstStyle/>
           <a:p>
             <a:r>
-              <a:rPr lang="en-US" altLang="zh-CN" b="0" i="0" dirty="0" smtClean="0">
+              <a:rPr lang="en-US" altLang="zh-CN" b="0" i="0" dirty="0">
                 <a:solidFill>
                   <a:srgbClr val="333333"/>
                 </a:solidFill>
@@ -10600,17 +12334,16 @@
           <a:lstStyle/>
           <a:p>
             <a:r>
-              <a:rPr lang="zh-CN" altLang="en-US" dirty="0" smtClean="0"/>
+              <a:rPr lang="zh-CN" altLang="en-US" dirty="0"/>
               <a:t>入库登记好</a:t>
             </a:r>
-            <a:endParaRPr lang="en-US" altLang="zh-CN" dirty="0" smtClean="0"/>
-          </a:p>
-          <a:p>
-            <a:r>
-              <a:rPr lang="zh-CN" altLang="en-US" dirty="0" smtClean="0"/>
+            <a:endParaRPr lang="en-US" altLang="zh-CN" dirty="0"/>
+          </a:p>
+          <a:p>
+            <a:r>
+              <a:rPr lang="zh-CN" altLang="en-US" dirty="0"/>
               <a:t>待售车型</a:t>
             </a:r>
-            <a:endParaRPr lang="zh-CN" altLang="en-US" dirty="0"/>
           </a:p>
         </p:txBody>
       </p:sp>
@@ -10637,14 +12370,14 @@
           <a:lstStyle/>
           <a:p>
             <a:r>
-              <a:rPr lang="zh-CN" altLang="en-US" dirty="0" smtClean="0"/>
+              <a:rPr lang="zh-CN" altLang="en-US" dirty="0"/>
               <a:t>车牌号：</a:t>
             </a:r>
-            <a:endParaRPr lang="en-US" altLang="zh-CN" dirty="0" smtClean="0"/>
-          </a:p>
-          <a:p>
-            <a:r>
-              <a:rPr lang="zh-CN" altLang="en-US" dirty="0" smtClean="0"/>
+            <a:endParaRPr lang="en-US" altLang="zh-CN" dirty="0"/>
+          </a:p>
+          <a:p>
+            <a:r>
+              <a:rPr lang="zh-CN" altLang="en-US" dirty="0"/>
               <a:t>汽车品牌</a:t>
             </a:r>
             <a:r>
@@ -10653,86 +12386,69 @@
               </a:rPr>
               <a:t>：</a:t>
             </a:r>
-            <a:endParaRPr lang="en-US" altLang="zh-CN" dirty="0" smtClean="0"/>
+            <a:endParaRPr lang="en-US" altLang="zh-CN" dirty="0"/>
           </a:p>
           <a:p>
             <a:r>
               <a:rPr lang="zh-CN" altLang="en-US" dirty="0"/>
-              <a:t>上</a:t>
-            </a:r>
-            <a:r>
-              <a:rPr lang="zh-CN" altLang="en-US" dirty="0" smtClean="0"/>
-              <a:t>户时间：</a:t>
-            </a:r>
-            <a:endParaRPr lang="en-US" altLang="zh-CN" dirty="0" smtClean="0"/>
-          </a:p>
-          <a:p>
-            <a:r>
-              <a:rPr lang="zh-CN" altLang="en-US" dirty="0" smtClean="0"/>
+              <a:t>上户时间：</a:t>
+            </a:r>
+            <a:endParaRPr lang="en-US" altLang="zh-CN" dirty="0"/>
+          </a:p>
+          <a:p>
+            <a:r>
+              <a:rPr lang="zh-CN" altLang="en-US" dirty="0"/>
               <a:t>颜色配置：</a:t>
             </a:r>
-            <a:endParaRPr lang="en-US" altLang="zh-CN" dirty="0" smtClean="0"/>
+            <a:endParaRPr lang="en-US" altLang="zh-CN" dirty="0"/>
           </a:p>
           <a:p>
             <a:r>
               <a:rPr lang="zh-CN" altLang="en-US" dirty="0"/>
-              <a:t>购</a:t>
-            </a:r>
-            <a:r>
-              <a:rPr lang="zh-CN" altLang="en-US" dirty="0" smtClean="0"/>
-              <a:t>车时间：</a:t>
-            </a:r>
-            <a:endParaRPr lang="en-US" altLang="zh-CN" dirty="0" smtClean="0"/>
+              <a:t>购车时间：</a:t>
+            </a:r>
+            <a:endParaRPr lang="en-US" altLang="zh-CN" dirty="0"/>
           </a:p>
           <a:p>
             <a:r>
               <a:rPr lang="zh-CN" altLang="en-US" dirty="0"/>
-              <a:t>购</a:t>
-            </a:r>
-            <a:r>
-              <a:rPr lang="zh-CN" altLang="en-US" dirty="0" smtClean="0"/>
-              <a:t>车价格：</a:t>
-            </a:r>
-            <a:endParaRPr lang="en-US" altLang="zh-CN" dirty="0" smtClean="0"/>
-          </a:p>
-          <a:p>
-            <a:r>
-              <a:rPr lang="zh-CN" altLang="en-US" dirty="0" smtClean="0"/>
+              <a:t>购车价格：</a:t>
+            </a:r>
+            <a:endParaRPr lang="en-US" altLang="zh-CN" dirty="0"/>
+          </a:p>
+          <a:p>
+            <a:r>
+              <a:rPr lang="zh-CN" altLang="en-US" dirty="0"/>
               <a:t>万达鑫出资：</a:t>
             </a:r>
-            <a:endParaRPr lang="en-US" altLang="zh-CN" dirty="0" smtClean="0"/>
-          </a:p>
-          <a:p>
-            <a:r>
-              <a:rPr lang="zh-CN" altLang="en-US" dirty="0" smtClean="0"/>
+            <a:endParaRPr lang="en-US" altLang="zh-CN" dirty="0"/>
+          </a:p>
+          <a:p>
+            <a:r>
+              <a:rPr lang="zh-CN" altLang="en-US" dirty="0"/>
               <a:t>合作伙伴：</a:t>
             </a:r>
-            <a:endParaRPr lang="en-US" altLang="zh-CN" dirty="0" smtClean="0"/>
+            <a:endParaRPr lang="en-US" altLang="zh-CN" dirty="0"/>
           </a:p>
           <a:p>
             <a:r>
               <a:rPr lang="zh-CN" altLang="en-US" dirty="0"/>
-              <a:t>合作</a:t>
-            </a:r>
-            <a:r>
-              <a:rPr lang="zh-CN" altLang="en-US" dirty="0" smtClean="0"/>
-              <a:t>伙伴出资：</a:t>
-            </a:r>
-            <a:endParaRPr lang="en-US" altLang="zh-CN" dirty="0" smtClean="0"/>
-          </a:p>
-          <a:p>
-            <a:r>
-              <a:rPr lang="zh-CN" altLang="en-US" dirty="0" smtClean="0"/>
+              <a:t>合作伙伴出资：</a:t>
+            </a:r>
+            <a:endParaRPr lang="en-US" altLang="zh-CN" dirty="0"/>
+          </a:p>
+          <a:p>
+            <a:r>
+              <a:rPr lang="zh-CN" altLang="en-US" dirty="0"/>
               <a:t>备注信息：</a:t>
             </a:r>
-            <a:endParaRPr lang="en-US" altLang="zh-CN" dirty="0" smtClean="0"/>
-          </a:p>
-          <a:p>
-            <a:r>
-              <a:rPr lang="zh-CN" altLang="en-US" dirty="0" smtClean="0"/>
+            <a:endParaRPr lang="en-US" altLang="zh-CN" dirty="0"/>
+          </a:p>
+          <a:p>
+            <a:r>
+              <a:rPr lang="zh-CN" altLang="en-US" dirty="0"/>
               <a:t>照片：</a:t>
             </a:r>
-            <a:endParaRPr lang="zh-CN" altLang="en-US" dirty="0"/>
           </a:p>
         </p:txBody>
       </p:sp>
@@ -10759,10 +12475,9 @@
           <a:lstStyle/>
           <a:p>
             <a:r>
-              <a:rPr lang="zh-CN" altLang="en-US" dirty="0" smtClean="0"/>
+              <a:rPr lang="zh-CN" altLang="en-US" dirty="0"/>
               <a:t>这里是一对多的关系</a:t>
             </a:r>
-            <a:endParaRPr lang="zh-CN" altLang="en-US" dirty="0"/>
           </a:p>
         </p:txBody>
       </p:sp>
@@ -10789,10 +12504,9 @@
           <a:lstStyle/>
           <a:p>
             <a:r>
-              <a:rPr lang="zh-CN" altLang="en-US" dirty="0" smtClean="0"/>
+              <a:rPr lang="zh-CN" altLang="en-US" dirty="0"/>
               <a:t>车辆整备按钮跳转整备</a:t>
             </a:r>
-            <a:endParaRPr lang="zh-CN" altLang="en-US" dirty="0"/>
           </a:p>
         </p:txBody>
       </p:sp>
@@ -10819,10 +12533,9 @@
           <a:lstStyle/>
           <a:p>
             <a:r>
-              <a:rPr lang="zh-CN" altLang="en-US" sz="1400" dirty="0" smtClean="0"/>
+              <a:rPr lang="zh-CN" altLang="en-US" sz="1400" dirty="0"/>
               <a:t>车辆编码</a:t>
             </a:r>
-            <a:endParaRPr lang="zh-CN" altLang="en-US" sz="1400" dirty="0"/>
           </a:p>
         </p:txBody>
       </p:sp>
@@ -10849,10 +12562,9 @@
           <a:lstStyle/>
           <a:p>
             <a:r>
-              <a:rPr lang="zh-CN" altLang="en-US" sz="1400" dirty="0" smtClean="0"/>
+              <a:rPr lang="zh-CN" altLang="en-US" sz="1400" dirty="0"/>
               <a:t>车牌号</a:t>
             </a:r>
-            <a:endParaRPr lang="zh-CN" altLang="en-US" sz="1400" dirty="0"/>
           </a:p>
         </p:txBody>
       </p:sp>
@@ -10879,10 +12591,9 @@
           <a:lstStyle/>
           <a:p>
             <a:r>
-              <a:rPr lang="zh-CN" altLang="en-US" sz="1400" dirty="0" smtClean="0"/>
+              <a:rPr lang="zh-CN" altLang="en-US" sz="1400" dirty="0"/>
               <a:t>汽车品牌</a:t>
             </a:r>
-            <a:endParaRPr lang="zh-CN" altLang="en-US" sz="1400" dirty="0"/>
           </a:p>
         </p:txBody>
       </p:sp>
@@ -10909,10 +12620,9 @@
           <a:lstStyle/>
           <a:p>
             <a:r>
-              <a:rPr lang="zh-CN" altLang="en-US" sz="1400" dirty="0" smtClean="0"/>
+              <a:rPr lang="zh-CN" altLang="en-US" sz="1400" dirty="0"/>
               <a:t>车身颜色：</a:t>
             </a:r>
-            <a:endParaRPr lang="zh-CN" altLang="en-US" sz="1400" dirty="0"/>
           </a:p>
         </p:txBody>
       </p:sp>
@@ -10939,10 +12649,9 @@
           <a:lstStyle/>
           <a:p>
             <a:r>
-              <a:rPr lang="zh-CN" altLang="en-US" sz="1400" dirty="0" smtClean="0"/>
+              <a:rPr lang="zh-CN" altLang="en-US" sz="1400" dirty="0"/>
               <a:t>购车时间：</a:t>
             </a:r>
-            <a:endParaRPr lang="zh-CN" altLang="en-US" sz="1400" dirty="0"/>
           </a:p>
         </p:txBody>
       </p:sp>
@@ -10969,10 +12678,9 @@
           <a:lstStyle/>
           <a:p>
             <a:r>
-              <a:rPr lang="zh-CN" altLang="en-US" sz="1400" dirty="0" smtClean="0"/>
+              <a:rPr lang="zh-CN" altLang="en-US" sz="1400" dirty="0"/>
               <a:t>注册时间</a:t>
             </a:r>
-            <a:endParaRPr lang="zh-CN" altLang="en-US" sz="1400" dirty="0"/>
           </a:p>
         </p:txBody>
       </p:sp>
@@ -10999,10 +12707,9 @@
           <a:lstStyle/>
           <a:p>
             <a:r>
-              <a:rPr lang="zh-CN" altLang="en-US" sz="1400" dirty="0" smtClean="0"/>
+              <a:rPr lang="zh-CN" altLang="en-US" sz="1400" dirty="0"/>
               <a:t>购车价格</a:t>
             </a:r>
-            <a:endParaRPr lang="zh-CN" altLang="en-US" sz="1400" dirty="0"/>
           </a:p>
         </p:txBody>
       </p:sp>
@@ -11029,10 +12736,9 @@
           <a:lstStyle/>
           <a:p>
             <a:r>
-              <a:rPr lang="zh-CN" altLang="en-US" sz="1400" dirty="0" smtClean="0"/>
+              <a:rPr lang="zh-CN" altLang="en-US" sz="1400" dirty="0"/>
               <a:t>万达鑫出资：</a:t>
             </a:r>
-            <a:endParaRPr lang="zh-CN" altLang="en-US" sz="1400" dirty="0"/>
           </a:p>
         </p:txBody>
       </p:sp>
@@ -11329,7 +13035,7 @@
           <a:p>
             <a:pPr algn="ctr"/>
             <a:r>
-              <a:rPr lang="zh-CN" altLang="en-US" sz="1600" dirty="0" smtClean="0">
+              <a:rPr lang="zh-CN" altLang="en-US" sz="1600" dirty="0">
                 <a:solidFill>
                   <a:schemeClr val="bg1"/>
                 </a:solidFill>
@@ -11338,13 +13044,6 @@
               </a:rPr>
               <a:t>车辆整备</a:t>
             </a:r>
-            <a:endParaRPr lang="zh-CN" altLang="en-US" sz="1600" dirty="0">
-              <a:solidFill>
-                <a:schemeClr val="bg1"/>
-              </a:solidFill>
-              <a:latin typeface="黑体" panose="02010609060101010101" pitchFamily="49" charset="-122"/>
-              <a:ea typeface="黑体" panose="02010609060101010101" pitchFamily="49" charset="-122"/>
-            </a:endParaRPr>
           </a:p>
         </p:txBody>
       </p:sp>
@@ -11419,10 +13118,9 @@
           <a:lstStyle/>
           <a:p>
             <a:r>
-              <a:rPr lang="zh-CN" altLang="en-US" dirty="0" smtClean="0"/>
+              <a:rPr lang="zh-CN" altLang="en-US" dirty="0"/>
               <a:t>整备登记</a:t>
             </a:r>
-            <a:endParaRPr lang="zh-CN" altLang="en-US" dirty="0"/>
           </a:p>
         </p:txBody>
       </p:sp>
@@ -11449,10 +13147,9 @@
           <a:lstStyle/>
           <a:p>
             <a:r>
-              <a:rPr lang="zh-CN" altLang="en-US" dirty="0" smtClean="0"/>
+              <a:rPr lang="zh-CN" altLang="en-US" dirty="0"/>
               <a:t>选中某一个车辆后，对其添加整备信息</a:t>
             </a:r>
-            <a:endParaRPr lang="zh-CN" altLang="en-US" dirty="0"/>
           </a:p>
         </p:txBody>
       </p:sp>
@@ -11479,31 +13176,31 @@
           <a:lstStyle/>
           <a:p>
             <a:r>
-              <a:rPr lang="zh-CN" altLang="en-US" dirty="0" smtClean="0"/>
+              <a:rPr lang="zh-CN" altLang="en-US" dirty="0"/>
               <a:t>整备项目：</a:t>
             </a:r>
-            <a:endParaRPr lang="en-US" altLang="zh-CN" dirty="0" smtClean="0"/>
-          </a:p>
-          <a:p>
-            <a:r>
-              <a:rPr lang="zh-CN" altLang="en-US" dirty="0" smtClean="0"/>
+            <a:endParaRPr lang="en-US" altLang="zh-CN" dirty="0"/>
+          </a:p>
+          <a:p>
+            <a:r>
+              <a:rPr lang="zh-CN" altLang="en-US" dirty="0"/>
               <a:t>整备金额：</a:t>
             </a:r>
-            <a:endParaRPr lang="en-US" altLang="zh-CN" dirty="0" smtClean="0"/>
-          </a:p>
-          <a:p>
-            <a:r>
-              <a:rPr lang="zh-CN" altLang="en-US" dirty="0" smtClean="0"/>
+            <a:endParaRPr lang="en-US" altLang="zh-CN" dirty="0"/>
+          </a:p>
+          <a:p>
+            <a:r>
+              <a:rPr lang="zh-CN" altLang="en-US" dirty="0"/>
               <a:t>经手人：</a:t>
             </a:r>
-            <a:endParaRPr lang="en-US" altLang="zh-CN" dirty="0" smtClean="0"/>
-          </a:p>
-          <a:p>
-            <a:r>
-              <a:rPr lang="zh-CN" altLang="en-US" dirty="0" smtClean="0"/>
+            <a:endParaRPr lang="en-US" altLang="zh-CN" dirty="0"/>
+          </a:p>
+          <a:p>
+            <a:r>
+              <a:rPr lang="zh-CN" altLang="en-US" dirty="0"/>
               <a:t>时间：</a:t>
             </a:r>
-            <a:endParaRPr lang="en-US" altLang="zh-CN" dirty="0" smtClean="0"/>
+            <a:endParaRPr lang="en-US" altLang="zh-CN" dirty="0"/>
           </a:p>
         </p:txBody>
       </p:sp>
@@ -11530,10 +13227,9 @@
           <a:lstStyle/>
           <a:p>
             <a:r>
-              <a:rPr lang="zh-CN" altLang="en-US" dirty="0" smtClean="0"/>
+              <a:rPr lang="zh-CN" altLang="en-US" dirty="0"/>
               <a:t>这是一个一对多的关系</a:t>
             </a:r>
-            <a:endParaRPr lang="zh-CN" altLang="en-US" dirty="0"/>
           </a:p>
         </p:txBody>
       </p:sp>
@@ -11830,7 +13526,7 @@
           <a:p>
             <a:pPr algn="ctr"/>
             <a:r>
-              <a:rPr lang="zh-CN" altLang="en-US" sz="1600" dirty="0" smtClean="0">
+              <a:rPr lang="zh-CN" altLang="en-US" sz="1600" dirty="0">
                 <a:solidFill>
                   <a:schemeClr val="bg1"/>
                 </a:solidFill>
@@ -11839,13 +13535,6 @@
               </a:rPr>
               <a:t>车辆销售</a:t>
             </a:r>
-            <a:endParaRPr lang="zh-CN" altLang="en-US" sz="1600" dirty="0">
-              <a:solidFill>
-                <a:schemeClr val="bg1"/>
-              </a:solidFill>
-              <a:latin typeface="黑体" panose="02010609060101010101" pitchFamily="49" charset="-122"/>
-              <a:ea typeface="黑体" panose="02010609060101010101" pitchFamily="49" charset="-122"/>
-            </a:endParaRPr>
           </a:p>
         </p:txBody>
       </p:sp>
@@ -11872,10 +13561,9 @@
           <a:lstStyle/>
           <a:p>
             <a:r>
-              <a:rPr lang="zh-CN" altLang="en-US" dirty="0" smtClean="0"/>
+              <a:rPr lang="zh-CN" altLang="en-US" dirty="0"/>
               <a:t>车辆销售</a:t>
             </a:r>
-            <a:endParaRPr lang="zh-CN" altLang="en-US" dirty="0"/>
           </a:p>
         </p:txBody>
       </p:sp>
@@ -11902,10 +13590,9 @@
           <a:lstStyle/>
           <a:p>
             <a:r>
-              <a:rPr lang="zh-CN" altLang="en-US" dirty="0" smtClean="0"/>
+              <a:rPr lang="zh-CN" altLang="en-US" dirty="0"/>
               <a:t>选中某一个车辆后，对其进行售卖操作</a:t>
             </a:r>
-            <a:endParaRPr lang="zh-CN" altLang="en-US" dirty="0"/>
           </a:p>
         </p:txBody>
       </p:sp>
@@ -11932,10 +13619,9 @@
           <a:lstStyle/>
           <a:p>
             <a:r>
-              <a:rPr lang="zh-CN" altLang="en-US" dirty="0" smtClean="0"/>
+              <a:rPr lang="zh-CN" altLang="en-US" dirty="0"/>
               <a:t>车辆基本信息</a:t>
             </a:r>
-            <a:endParaRPr lang="zh-CN" altLang="en-US" dirty="0"/>
           </a:p>
         </p:txBody>
       </p:sp>
@@ -12002,10 +13688,9 @@
           <a:lstStyle/>
           <a:p>
             <a:r>
-              <a:rPr lang="zh-CN" altLang="en-US" dirty="0" smtClean="0"/>
+              <a:rPr lang="zh-CN" altLang="en-US" dirty="0"/>
               <a:t>编辑</a:t>
             </a:r>
-            <a:endParaRPr lang="zh-CN" altLang="en-US" dirty="0"/>
           </a:p>
         </p:txBody>
       </p:sp>
@@ -12032,10 +13717,9 @@
           <a:lstStyle/>
           <a:p>
             <a:r>
-              <a:rPr lang="zh-CN" altLang="en-US" dirty="0" smtClean="0"/>
+              <a:rPr lang="zh-CN" altLang="en-US" dirty="0"/>
               <a:t>车辆购车费用</a:t>
             </a:r>
-            <a:endParaRPr lang="zh-CN" altLang="en-US" dirty="0"/>
           </a:p>
         </p:txBody>
       </p:sp>
@@ -12062,10 +13746,9 @@
           <a:lstStyle/>
           <a:p>
             <a:r>
-              <a:rPr lang="zh-CN" altLang="en-US" dirty="0" smtClean="0"/>
+              <a:rPr lang="zh-CN" altLang="en-US" dirty="0"/>
               <a:t>车辆整备费用</a:t>
             </a:r>
-            <a:endParaRPr lang="zh-CN" altLang="en-US" dirty="0"/>
           </a:p>
         </p:txBody>
       </p:sp>
@@ -12092,10 +13775,9 @@
           <a:lstStyle/>
           <a:p>
             <a:r>
-              <a:rPr lang="zh-CN" altLang="en-US" dirty="0" smtClean="0"/>
+              <a:rPr lang="zh-CN" altLang="en-US" dirty="0"/>
               <a:t>售车价格</a:t>
             </a:r>
-            <a:endParaRPr lang="zh-CN" altLang="en-US" dirty="0"/>
           </a:p>
         </p:txBody>
       </p:sp>
@@ -12122,10 +13804,9 @@
           <a:lstStyle/>
           <a:p>
             <a:r>
-              <a:rPr lang="zh-CN" altLang="en-US" dirty="0" smtClean="0"/>
+              <a:rPr lang="zh-CN" altLang="en-US" dirty="0"/>
               <a:t>销售提成</a:t>
             </a:r>
-            <a:endParaRPr lang="zh-CN" altLang="en-US" dirty="0"/>
           </a:p>
         </p:txBody>
       </p:sp>
@@ -12153,10 +13834,9 @@
           <a:p>
             <a:pPr algn="ctr"/>
             <a:r>
-              <a:rPr lang="zh-CN" altLang="en-US" dirty="0" smtClean="0"/>
+              <a:rPr lang="zh-CN" altLang="en-US" dirty="0"/>
               <a:t>销售车辆</a:t>
             </a:r>
-            <a:endParaRPr lang="zh-CN" altLang="en-US" dirty="0"/>
           </a:p>
         </p:txBody>
       </p:sp>
@@ -12183,10 +13863,9 @@
           <a:lstStyle/>
           <a:p>
             <a:r>
-              <a:rPr lang="zh-CN" altLang="en-US" dirty="0" smtClean="0"/>
+              <a:rPr lang="zh-CN" altLang="en-US" dirty="0"/>
               <a:t>是否结账</a:t>
             </a:r>
-            <a:endParaRPr lang="zh-CN" altLang="en-US" dirty="0"/>
           </a:p>
         </p:txBody>
       </p:sp>
@@ -12213,10 +13892,9 @@
           <a:lstStyle/>
           <a:p>
             <a:r>
-              <a:rPr lang="zh-CN" altLang="en-US" dirty="0" smtClean="0"/>
+              <a:rPr lang="zh-CN" altLang="en-US" dirty="0"/>
               <a:t>前端计算</a:t>
             </a:r>
-            <a:endParaRPr lang="zh-CN" altLang="en-US" dirty="0"/>
           </a:p>
         </p:txBody>
       </p:sp>
@@ -12597,7 +14275,7 @@
           <a:p>
             <a:pPr algn="ctr"/>
             <a:r>
-              <a:rPr lang="zh-CN" altLang="en-US" sz="1600" dirty="0" smtClean="0">
+              <a:rPr lang="zh-CN" altLang="en-US" sz="1600" dirty="0">
                 <a:solidFill>
                   <a:schemeClr val="bg1"/>
                 </a:solidFill>
@@ -12606,13 +14284,6 @@
               </a:rPr>
               <a:t>车辆销售</a:t>
             </a:r>
-            <a:endParaRPr lang="zh-CN" altLang="en-US" sz="1600" dirty="0">
-              <a:solidFill>
-                <a:schemeClr val="bg1"/>
-              </a:solidFill>
-              <a:latin typeface="黑体" panose="02010609060101010101" pitchFamily="49" charset="-122"/>
-              <a:ea typeface="黑体" panose="02010609060101010101" pitchFamily="49" charset="-122"/>
-            </a:endParaRPr>
           </a:p>
         </p:txBody>
       </p:sp>
@@ -12639,10 +14310,9 @@
           <a:lstStyle/>
           <a:p>
             <a:r>
-              <a:rPr lang="zh-CN" altLang="en-US" dirty="0" smtClean="0"/>
+              <a:rPr lang="zh-CN" altLang="en-US" dirty="0"/>
               <a:t>车辆销售</a:t>
             </a:r>
-            <a:endParaRPr lang="zh-CN" altLang="en-US" dirty="0"/>
           </a:p>
         </p:txBody>
       </p:sp>
@@ -12669,10 +14339,9 @@
           <a:lstStyle/>
           <a:p>
             <a:r>
-              <a:rPr lang="zh-CN" altLang="en-US" dirty="0" smtClean="0"/>
+              <a:rPr lang="zh-CN" altLang="en-US" dirty="0"/>
               <a:t>选中某一个车辆后，对其进行售卖操作</a:t>
             </a:r>
-            <a:endParaRPr lang="zh-CN" altLang="en-US" dirty="0"/>
           </a:p>
         </p:txBody>
       </p:sp>
@@ -12699,10 +14368,9 @@
           <a:lstStyle/>
           <a:p>
             <a:r>
-              <a:rPr lang="zh-CN" altLang="en-US" dirty="0" smtClean="0"/>
+              <a:rPr lang="zh-CN" altLang="en-US" dirty="0"/>
               <a:t>车辆基本信息</a:t>
             </a:r>
-            <a:endParaRPr lang="zh-CN" altLang="en-US" dirty="0"/>
           </a:p>
         </p:txBody>
       </p:sp>
@@ -12769,10 +14437,9 @@
           <a:lstStyle/>
           <a:p>
             <a:r>
-              <a:rPr lang="zh-CN" altLang="en-US" dirty="0" smtClean="0"/>
+              <a:rPr lang="zh-CN" altLang="en-US" dirty="0"/>
               <a:t>编辑</a:t>
             </a:r>
-            <a:endParaRPr lang="zh-CN" altLang="en-US" dirty="0"/>
           </a:p>
         </p:txBody>
       </p:sp>
@@ -12799,10 +14466,9 @@
           <a:lstStyle/>
           <a:p>
             <a:r>
-              <a:rPr lang="zh-CN" altLang="en-US" dirty="0" smtClean="0"/>
+              <a:rPr lang="zh-CN" altLang="en-US" dirty="0"/>
               <a:t>车辆购车费用</a:t>
             </a:r>
-            <a:endParaRPr lang="zh-CN" altLang="en-US" dirty="0"/>
           </a:p>
         </p:txBody>
       </p:sp>
@@ -12829,10 +14495,9 @@
           <a:lstStyle/>
           <a:p>
             <a:r>
-              <a:rPr lang="zh-CN" altLang="en-US" dirty="0" smtClean="0"/>
+              <a:rPr lang="zh-CN" altLang="en-US" dirty="0"/>
               <a:t>车辆整备费用</a:t>
             </a:r>
-            <a:endParaRPr lang="zh-CN" altLang="en-US" dirty="0"/>
           </a:p>
         </p:txBody>
       </p:sp>
@@ -12859,10 +14524,9 @@
           <a:lstStyle/>
           <a:p>
             <a:r>
-              <a:rPr lang="zh-CN" altLang="en-US" dirty="0" smtClean="0"/>
+              <a:rPr lang="zh-CN" altLang="en-US" dirty="0"/>
               <a:t>售车价格</a:t>
             </a:r>
-            <a:endParaRPr lang="zh-CN" altLang="en-US" dirty="0"/>
           </a:p>
         </p:txBody>
       </p:sp>
@@ -12889,10 +14553,9 @@
           <a:lstStyle/>
           <a:p>
             <a:r>
-              <a:rPr lang="zh-CN" altLang="en-US" dirty="0" smtClean="0"/>
+              <a:rPr lang="zh-CN" altLang="en-US" dirty="0"/>
               <a:t>销售提成</a:t>
             </a:r>
-            <a:endParaRPr lang="zh-CN" altLang="en-US" dirty="0"/>
           </a:p>
         </p:txBody>
       </p:sp>
@@ -12920,10 +14583,9 @@
           <a:p>
             <a:pPr algn="ctr"/>
             <a:r>
-              <a:rPr lang="zh-CN" altLang="en-US" dirty="0" smtClean="0"/>
+              <a:rPr lang="zh-CN" altLang="en-US" dirty="0"/>
               <a:t>取消销售</a:t>
             </a:r>
-            <a:endParaRPr lang="zh-CN" altLang="en-US" dirty="0"/>
           </a:p>
         </p:txBody>
       </p:sp>
@@ -12950,10 +14612,9 @@
           <a:lstStyle/>
           <a:p>
             <a:r>
-              <a:rPr lang="zh-CN" altLang="en-US" dirty="0" smtClean="0"/>
+              <a:rPr lang="zh-CN" altLang="en-US" dirty="0"/>
               <a:t>是否结账</a:t>
             </a:r>
-            <a:endParaRPr lang="zh-CN" altLang="en-US" dirty="0"/>
           </a:p>
         </p:txBody>
       </p:sp>
@@ -13250,7 +14911,7 @@
           <a:p>
             <a:pPr algn="ctr"/>
             <a:r>
-              <a:rPr lang="zh-CN" altLang="en-US" sz="1600" dirty="0" smtClean="0">
+              <a:rPr lang="zh-CN" altLang="en-US" sz="1600" dirty="0">
                 <a:solidFill>
                   <a:schemeClr val="bg1"/>
                 </a:solidFill>
@@ -13259,13 +14920,6 @@
               </a:rPr>
               <a:t>已售列表</a:t>
             </a:r>
-            <a:endParaRPr lang="zh-CN" altLang="en-US" sz="1600" dirty="0">
-              <a:solidFill>
-                <a:schemeClr val="bg1"/>
-              </a:solidFill>
-              <a:latin typeface="黑体" panose="02010609060101010101" pitchFamily="49" charset="-122"/>
-              <a:ea typeface="黑体" panose="02010609060101010101" pitchFamily="49" charset="-122"/>
-            </a:endParaRPr>
           </a:p>
         </p:txBody>
       </p:sp>
@@ -13377,10 +15031,9 @@
           <a:lstStyle/>
           <a:p>
             <a:r>
-              <a:rPr lang="zh-CN" altLang="en-US" dirty="0" smtClean="0"/>
+              <a:rPr lang="zh-CN" altLang="en-US" dirty="0"/>
               <a:t>搜索</a:t>
             </a:r>
-            <a:endParaRPr lang="zh-CN" altLang="en-US" dirty="0"/>
           </a:p>
         </p:txBody>
       </p:sp>
@@ -13407,10 +15060,9 @@
           <a:lstStyle/>
           <a:p>
             <a:r>
-              <a:rPr lang="zh-CN" altLang="en-US" dirty="0" smtClean="0"/>
+              <a:rPr lang="zh-CN" altLang="en-US" dirty="0"/>
               <a:t>已结账</a:t>
             </a:r>
-            <a:endParaRPr lang="zh-CN" altLang="en-US" dirty="0"/>
           </a:p>
         </p:txBody>
       </p:sp>
@@ -13479,11 +15131,11 @@
           <a:lstStyle/>
           <a:p>
             <a:r>
-              <a:rPr lang="zh-CN" altLang="en-US" dirty="0" smtClean="0"/>
+              <a:rPr lang="zh-CN" altLang="en-US" dirty="0"/>
               <a:t>川</a:t>
             </a:r>
             <a:r>
-              <a:rPr lang="en-US" altLang="zh-CN" dirty="0" smtClean="0"/>
+              <a:rPr lang="en-US" altLang="zh-CN" dirty="0"/>
               <a:t>A78987</a:t>
             </a:r>
             <a:endParaRPr lang="zh-CN" altLang="en-US" dirty="0"/>
@@ -13513,10 +15165,9 @@
           <a:lstStyle/>
           <a:p>
             <a:r>
-              <a:rPr lang="zh-CN" altLang="en-US" dirty="0" smtClean="0"/>
+              <a:rPr lang="zh-CN" altLang="en-US" dirty="0"/>
               <a:t>蓝色</a:t>
             </a:r>
-            <a:endParaRPr lang="zh-CN" altLang="en-US" dirty="0"/>
           </a:p>
         </p:txBody>
       </p:sp>
@@ -13543,10 +15194,9 @@
           <a:lstStyle/>
           <a:p>
             <a:r>
-              <a:rPr lang="zh-CN" altLang="en-US" dirty="0" smtClean="0"/>
+              <a:rPr lang="zh-CN" altLang="en-US" dirty="0"/>
               <a:t>宝马</a:t>
             </a:r>
-            <a:endParaRPr lang="zh-CN" altLang="en-US" dirty="0"/>
           </a:p>
         </p:txBody>
       </p:sp>
@@ -13573,10 +15223,9 @@
           <a:lstStyle/>
           <a:p>
             <a:r>
-              <a:rPr lang="zh-CN" altLang="en-US" dirty="0" smtClean="0"/>
+              <a:rPr lang="zh-CN" altLang="en-US" dirty="0"/>
               <a:t>时间</a:t>
             </a:r>
-            <a:endParaRPr lang="zh-CN" altLang="en-US" dirty="0"/>
           </a:p>
         </p:txBody>
       </p:sp>
@@ -13913,7 +15562,7 @@
           <a:p>
             <a:pPr algn="ctr"/>
             <a:r>
-              <a:rPr lang="zh-CN" altLang="en-US" sz="1600" dirty="0" smtClean="0">
+              <a:rPr lang="zh-CN" altLang="en-US" sz="1600" dirty="0">
                 <a:solidFill>
                   <a:schemeClr val="bg1"/>
                 </a:solidFill>
@@ -13922,13 +15571,6 @@
               </a:rPr>
               <a:t>销售报表</a:t>
             </a:r>
-            <a:endParaRPr lang="zh-CN" altLang="en-US" sz="1600" dirty="0">
-              <a:solidFill>
-                <a:schemeClr val="bg1"/>
-              </a:solidFill>
-              <a:latin typeface="黑体" panose="02010609060101010101" pitchFamily="49" charset="-122"/>
-              <a:ea typeface="黑体" panose="02010609060101010101" pitchFamily="49" charset="-122"/>
-            </a:endParaRPr>
           </a:p>
         </p:txBody>
       </p:sp>
@@ -13955,10 +15597,9 @@
           <a:lstStyle/>
           <a:p>
             <a:r>
-              <a:rPr lang="zh-CN" altLang="en-US" dirty="0" smtClean="0"/>
+              <a:rPr lang="zh-CN" altLang="en-US" dirty="0"/>
               <a:t>年度报表</a:t>
             </a:r>
-            <a:endParaRPr lang="zh-CN" altLang="en-US" dirty="0"/>
           </a:p>
         </p:txBody>
       </p:sp>
@@ -13986,10 +15627,9 @@
           <a:p>
             <a:pPr algn="r"/>
             <a:r>
-              <a:rPr lang="zh-CN" altLang="en-US" dirty="0" smtClean="0"/>
+              <a:rPr lang="zh-CN" altLang="en-US" dirty="0"/>
               <a:t>累计销售额</a:t>
             </a:r>
-            <a:endParaRPr lang="zh-CN" altLang="en-US" dirty="0"/>
           </a:p>
         </p:txBody>
       </p:sp>
@@ -14017,7 +15657,7 @@
           <a:p>
             <a:pPr algn="r"/>
             <a:r>
-              <a:rPr lang="en-US" altLang="zh-CN" sz="3200" dirty="0" smtClean="0"/>
+              <a:rPr lang="en-US" altLang="zh-CN" sz="3200" dirty="0"/>
               <a:t>123456.99</a:t>
             </a:r>
             <a:endParaRPr lang="zh-CN" altLang="en-US" sz="3200" dirty="0"/>
@@ -14048,10 +15688,9 @@
           <a:p>
             <a:pPr algn="r"/>
             <a:r>
-              <a:rPr lang="zh-CN" altLang="en-US" dirty="0" smtClean="0"/>
+              <a:rPr lang="zh-CN" altLang="en-US" dirty="0"/>
               <a:t>累计利润</a:t>
             </a:r>
-            <a:endParaRPr lang="zh-CN" altLang="en-US" dirty="0"/>
           </a:p>
         </p:txBody>
       </p:sp>
@@ -14079,7 +15718,7 @@
           <a:p>
             <a:pPr algn="r"/>
             <a:r>
-              <a:rPr lang="en-US" altLang="zh-CN" sz="3200" dirty="0" smtClean="0"/>
+              <a:rPr lang="en-US" altLang="zh-CN" sz="3200" dirty="0"/>
               <a:t>123323</a:t>
             </a:r>
             <a:endParaRPr lang="zh-CN" altLang="en-US" sz="3200" dirty="0"/>
@@ -14109,10 +15748,9 @@
           <a:lstStyle/>
           <a:p>
             <a:r>
-              <a:rPr lang="zh-CN" altLang="en-US" dirty="0" smtClean="0"/>
+              <a:rPr lang="zh-CN" altLang="en-US" dirty="0"/>
               <a:t>在售车辆</a:t>
             </a:r>
-            <a:endParaRPr lang="zh-CN" altLang="en-US" dirty="0"/>
           </a:p>
         </p:txBody>
       </p:sp>
@@ -14140,10 +15778,9 @@
           <a:p>
             <a:pPr algn="ctr"/>
             <a:r>
-              <a:rPr lang="zh-CN" altLang="en-US" dirty="0" smtClean="0"/>
+              <a:rPr lang="zh-CN" altLang="en-US" dirty="0"/>
               <a:t>已售车辆</a:t>
             </a:r>
-            <a:endParaRPr lang="zh-CN" altLang="en-US" dirty="0"/>
           </a:p>
         </p:txBody>
       </p:sp>
@@ -14373,10 +16010,9 @@
           <a:p>
             <a:pPr algn="ctr"/>
             <a:r>
-              <a:rPr lang="zh-CN" altLang="en-US" sz="3600" dirty="0" smtClean="0"/>
+              <a:rPr lang="zh-CN" altLang="en-US" sz="3600" dirty="0"/>
               <a:t>网页原型设计</a:t>
             </a:r>
-            <a:endParaRPr lang="zh-CN" altLang="en-US" sz="3600" dirty="0"/>
           </a:p>
         </p:txBody>
       </p:sp>

--- a/设计.pptx
+++ b/设计.pptx
@@ -33,6 +33,7 @@
     <p:sldId id="281" r:id="rId27"/>
     <p:sldId id="282" r:id="rId28"/>
     <p:sldId id="283" r:id="rId29"/>
+    <p:sldId id="284" r:id="rId30"/>
   </p:sldIdLst>
   <p:sldSz cx="12192000" cy="6858000"/>
   <p:notesSz cx="6858000" cy="9144000"/>
@@ -291,7 +292,7 @@
           <a:p>
             <a:fld id="{F87617FB-8A08-49EA-AAB1-E559B965B279}" type="datetimeFigureOut">
               <a:rPr lang="zh-CN" altLang="en-US" smtClean="0"/>
-              <a:t>2021/7/4</a:t>
+              <a:t>2021/7/11</a:t>
             </a:fld>
             <a:endParaRPr lang="zh-CN" altLang="en-US"/>
           </a:p>
@@ -459,7 +460,7 @@
           <a:p>
             <a:fld id="{F87617FB-8A08-49EA-AAB1-E559B965B279}" type="datetimeFigureOut">
               <a:rPr lang="zh-CN" altLang="en-US" smtClean="0"/>
-              <a:t>2021/7/4</a:t>
+              <a:t>2021/7/11</a:t>
             </a:fld>
             <a:endParaRPr lang="zh-CN" altLang="en-US"/>
           </a:p>
@@ -637,7 +638,7 @@
           <a:p>
             <a:fld id="{F87617FB-8A08-49EA-AAB1-E559B965B279}" type="datetimeFigureOut">
               <a:rPr lang="zh-CN" altLang="en-US" smtClean="0"/>
-              <a:t>2021/7/4</a:t>
+              <a:t>2021/7/11</a:t>
             </a:fld>
             <a:endParaRPr lang="zh-CN" altLang="en-US"/>
           </a:p>
@@ -805,7 +806,7 @@
           <a:p>
             <a:fld id="{F87617FB-8A08-49EA-AAB1-E559B965B279}" type="datetimeFigureOut">
               <a:rPr lang="zh-CN" altLang="en-US" smtClean="0"/>
-              <a:t>2021/7/4</a:t>
+              <a:t>2021/7/11</a:t>
             </a:fld>
             <a:endParaRPr lang="zh-CN" altLang="en-US"/>
           </a:p>
@@ -1050,7 +1051,7 @@
           <a:p>
             <a:fld id="{F87617FB-8A08-49EA-AAB1-E559B965B279}" type="datetimeFigureOut">
               <a:rPr lang="zh-CN" altLang="en-US" smtClean="0"/>
-              <a:t>2021/7/4</a:t>
+              <a:t>2021/7/11</a:t>
             </a:fld>
             <a:endParaRPr lang="zh-CN" altLang="en-US"/>
           </a:p>
@@ -1279,7 +1280,7 @@
           <a:p>
             <a:fld id="{F87617FB-8A08-49EA-AAB1-E559B965B279}" type="datetimeFigureOut">
               <a:rPr lang="zh-CN" altLang="en-US" smtClean="0"/>
-              <a:t>2021/7/4</a:t>
+              <a:t>2021/7/11</a:t>
             </a:fld>
             <a:endParaRPr lang="zh-CN" altLang="en-US"/>
           </a:p>
@@ -1643,7 +1644,7 @@
           <a:p>
             <a:fld id="{F87617FB-8A08-49EA-AAB1-E559B965B279}" type="datetimeFigureOut">
               <a:rPr lang="zh-CN" altLang="en-US" smtClean="0"/>
-              <a:t>2021/7/4</a:t>
+              <a:t>2021/7/11</a:t>
             </a:fld>
             <a:endParaRPr lang="zh-CN" altLang="en-US"/>
           </a:p>
@@ -1760,7 +1761,7 @@
           <a:p>
             <a:fld id="{F87617FB-8A08-49EA-AAB1-E559B965B279}" type="datetimeFigureOut">
               <a:rPr lang="zh-CN" altLang="en-US" smtClean="0"/>
-              <a:t>2021/7/4</a:t>
+              <a:t>2021/7/11</a:t>
             </a:fld>
             <a:endParaRPr lang="zh-CN" altLang="en-US"/>
           </a:p>
@@ -1855,7 +1856,7 @@
           <a:p>
             <a:fld id="{F87617FB-8A08-49EA-AAB1-E559B965B279}" type="datetimeFigureOut">
               <a:rPr lang="zh-CN" altLang="en-US" smtClean="0"/>
-              <a:t>2021/7/4</a:t>
+              <a:t>2021/7/11</a:t>
             </a:fld>
             <a:endParaRPr lang="zh-CN" altLang="en-US"/>
           </a:p>
@@ -2130,7 +2131,7 @@
           <a:p>
             <a:fld id="{F87617FB-8A08-49EA-AAB1-E559B965B279}" type="datetimeFigureOut">
               <a:rPr lang="zh-CN" altLang="en-US" smtClean="0"/>
-              <a:t>2021/7/4</a:t>
+              <a:t>2021/7/11</a:t>
             </a:fld>
             <a:endParaRPr lang="zh-CN" altLang="en-US"/>
           </a:p>
@@ -2382,7 +2383,7 @@
           <a:p>
             <a:fld id="{F87617FB-8A08-49EA-AAB1-E559B965B279}" type="datetimeFigureOut">
               <a:rPr lang="zh-CN" altLang="en-US" smtClean="0"/>
-              <a:t>2021/7/4</a:t>
+              <a:t>2021/7/11</a:t>
             </a:fld>
             <a:endParaRPr lang="zh-CN" altLang="en-US"/>
           </a:p>
@@ -2593,7 +2594,7 @@
           <a:p>
             <a:fld id="{F87617FB-8A08-49EA-AAB1-E559B965B279}" type="datetimeFigureOut">
               <a:rPr lang="zh-CN" altLang="en-US" smtClean="0"/>
-              <a:t>2021/7/4</a:t>
+              <a:t>2021/7/11</a:t>
             </a:fld>
             <a:endParaRPr lang="zh-CN" altLang="en-US"/>
           </a:p>
@@ -5472,6 +5473,11 @@
           <a:prstGeom prst="rect">
             <a:avLst/>
           </a:prstGeom>
+          <a:ln>
+            <a:solidFill>
+              <a:schemeClr val="tx1"/>
+            </a:solidFill>
+          </a:ln>
         </p:spPr>
       </p:pic>
       <p:sp>
@@ -5597,6 +5603,350 @@
               <a:t>"totalSold":89}}</a:t>
             </a:r>
             <a:endParaRPr lang="zh-CN" altLang="en-US" dirty="0"/>
+          </a:p>
+        </p:txBody>
+      </p:sp>
+      <p:sp>
+        <p:nvSpPr>
+          <p:cNvPr id="2" name="矩形 1">
+            <a:extLst>
+              <a:ext uri="{FF2B5EF4-FFF2-40B4-BE49-F238E27FC236}">
+                <a16:creationId xmlns:a16="http://schemas.microsoft.com/office/drawing/2014/main" id="{C1F0BFC9-B1EC-584F-ADAD-7D2BB9CFBB97}"/>
+              </a:ext>
+            </a:extLst>
+          </p:cNvPr>
+          <p:cNvSpPr/>
+          <p:nvPr/>
+        </p:nvSpPr>
+        <p:spPr>
+          <a:xfrm>
+            <a:off x="1079619" y="4263122"/>
+            <a:ext cx="3529012" cy="1938992"/>
+          </a:xfrm>
+          <a:prstGeom prst="rect">
+            <a:avLst/>
+          </a:prstGeom>
+          <a:noFill/>
+        </p:spPr>
+        <p:txBody>
+          <a:bodyPr wrap="square" lIns="91440" tIns="45720" rIns="91440" bIns="45720">
+            <a:spAutoFit/>
+          </a:bodyPr>
+          <a:lstStyle/>
+          <a:p>
+            <a:pPr algn="just"/>
+            <a:r>
+              <a:rPr lang="zh-CN" altLang="en-US" sz="2400" b="1" dirty="0">
+                <a:ln w="22225">
+                  <a:solidFill>
+                    <a:schemeClr val="accent2"/>
+                  </a:solidFill>
+                  <a:prstDash val="solid"/>
+                </a:ln>
+                <a:solidFill>
+                  <a:schemeClr val="accent2">
+                    <a:lumMod val="40000"/>
+                    <a:lumOff val="60000"/>
+                  </a:schemeClr>
+                </a:solidFill>
+              </a:rPr>
+              <a:t>正在开发的软件：</a:t>
+            </a:r>
+            <a:endParaRPr lang="en-US" altLang="zh-CN" sz="2400" b="1" dirty="0">
+              <a:ln w="22225">
+                <a:solidFill>
+                  <a:schemeClr val="accent2"/>
+                </a:solidFill>
+                <a:prstDash val="solid"/>
+              </a:ln>
+              <a:solidFill>
+                <a:schemeClr val="accent2">
+                  <a:lumMod val="40000"/>
+                  <a:lumOff val="60000"/>
+                </a:schemeClr>
+              </a:solidFill>
+            </a:endParaRPr>
+          </a:p>
+          <a:p>
+            <a:pPr algn="just"/>
+            <a:r>
+              <a:rPr lang="zh-CN" altLang="en-US" sz="2400" b="1" dirty="0">
+                <a:ln w="22225">
+                  <a:solidFill>
+                    <a:schemeClr val="accent2"/>
+                  </a:solidFill>
+                  <a:prstDash val="solid"/>
+                </a:ln>
+                <a:solidFill>
+                  <a:schemeClr val="accent2">
+                    <a:lumMod val="40000"/>
+                    <a:lumOff val="60000"/>
+                  </a:schemeClr>
+                </a:solidFill>
+              </a:rPr>
+              <a:t>二手车销售管理</a:t>
+            </a:r>
+            <a:r>
+              <a:rPr lang="en-US" altLang="zh-CN" sz="2400" b="1" dirty="0">
+                <a:ln w="22225">
+                  <a:solidFill>
+                    <a:schemeClr val="accent2"/>
+                  </a:solidFill>
+                  <a:prstDash val="solid"/>
+                </a:ln>
+                <a:solidFill>
+                  <a:schemeClr val="accent2">
+                    <a:lumMod val="40000"/>
+                    <a:lumOff val="60000"/>
+                  </a:schemeClr>
+                </a:solidFill>
+              </a:rPr>
+              <a:t>web</a:t>
+            </a:r>
+          </a:p>
+          <a:p>
+            <a:pPr algn="just"/>
+            <a:r>
+              <a:rPr lang="zh-CN" altLang="en-US" sz="2400" b="1" dirty="0">
+                <a:ln w="22225">
+                  <a:solidFill>
+                    <a:schemeClr val="accent2"/>
+                  </a:solidFill>
+                  <a:prstDash val="solid"/>
+                </a:ln>
+                <a:solidFill>
+                  <a:schemeClr val="accent2">
+                    <a:lumMod val="40000"/>
+                    <a:lumOff val="60000"/>
+                  </a:schemeClr>
+                </a:solidFill>
+              </a:rPr>
+              <a:t>技术栈：</a:t>
+            </a:r>
+            <a:endParaRPr lang="en-US" altLang="zh-CN" sz="2400" b="1" dirty="0">
+              <a:ln w="22225">
+                <a:solidFill>
+                  <a:schemeClr val="accent2"/>
+                </a:solidFill>
+                <a:prstDash val="solid"/>
+              </a:ln>
+              <a:solidFill>
+                <a:schemeClr val="accent2">
+                  <a:lumMod val="40000"/>
+                  <a:lumOff val="60000"/>
+                </a:schemeClr>
+              </a:solidFill>
+            </a:endParaRPr>
+          </a:p>
+          <a:p>
+            <a:pPr algn="just"/>
+            <a:r>
+              <a:rPr lang="en-US" altLang="zh-CN" sz="2400" b="1" dirty="0" err="1">
+                <a:ln w="22225">
+                  <a:solidFill>
+                    <a:schemeClr val="accent2"/>
+                  </a:solidFill>
+                  <a:prstDash val="solid"/>
+                </a:ln>
+                <a:solidFill>
+                  <a:schemeClr val="accent2">
+                    <a:lumMod val="40000"/>
+                    <a:lumOff val="60000"/>
+                  </a:schemeClr>
+                </a:solidFill>
+              </a:rPr>
+              <a:t>Springboot</a:t>
+            </a:r>
+            <a:r>
+              <a:rPr lang="zh-CN" altLang="en-US" sz="2400" b="1" dirty="0">
+                <a:ln w="22225">
+                  <a:solidFill>
+                    <a:schemeClr val="accent2"/>
+                  </a:solidFill>
+                  <a:prstDash val="solid"/>
+                </a:ln>
+                <a:solidFill>
+                  <a:schemeClr val="accent2">
+                    <a:lumMod val="40000"/>
+                    <a:lumOff val="60000"/>
+                  </a:schemeClr>
+                </a:solidFill>
+              </a:rPr>
+              <a:t> </a:t>
+            </a:r>
+            <a:r>
+              <a:rPr lang="en-US" altLang="zh-CN" sz="2400" b="1" dirty="0">
+                <a:ln w="22225">
+                  <a:solidFill>
+                    <a:schemeClr val="accent2"/>
+                  </a:solidFill>
+                  <a:prstDash val="solid"/>
+                </a:ln>
+                <a:solidFill>
+                  <a:schemeClr val="accent2">
+                    <a:lumMod val="40000"/>
+                    <a:lumOff val="60000"/>
+                  </a:schemeClr>
+                </a:solidFill>
+              </a:rPr>
+              <a:t>+</a:t>
+            </a:r>
+            <a:r>
+              <a:rPr lang="zh-CN" altLang="en-US" sz="2400" b="1" dirty="0">
+                <a:ln w="22225">
+                  <a:solidFill>
+                    <a:schemeClr val="accent2"/>
+                  </a:solidFill>
+                  <a:prstDash val="solid"/>
+                </a:ln>
+                <a:solidFill>
+                  <a:schemeClr val="accent2">
+                    <a:lumMod val="40000"/>
+                    <a:lumOff val="60000"/>
+                  </a:schemeClr>
+                </a:solidFill>
+              </a:rPr>
+              <a:t> </a:t>
+            </a:r>
+            <a:r>
+              <a:rPr lang="en-US" altLang="zh-CN" sz="2400" b="1" dirty="0" err="1">
+                <a:ln w="22225">
+                  <a:solidFill>
+                    <a:schemeClr val="accent2"/>
+                  </a:solidFill>
+                  <a:prstDash val="solid"/>
+                </a:ln>
+                <a:solidFill>
+                  <a:schemeClr val="accent2">
+                    <a:lumMod val="40000"/>
+                    <a:lumOff val="60000"/>
+                  </a:schemeClr>
+                </a:solidFill>
+              </a:rPr>
+              <a:t>mysql</a:t>
+            </a:r>
+            <a:endParaRPr lang="en-US" altLang="zh-CN" sz="2400" b="1" dirty="0">
+              <a:ln w="22225">
+                <a:solidFill>
+                  <a:schemeClr val="accent2"/>
+                </a:solidFill>
+                <a:prstDash val="solid"/>
+              </a:ln>
+              <a:solidFill>
+                <a:schemeClr val="accent2">
+                  <a:lumMod val="40000"/>
+                  <a:lumOff val="60000"/>
+                </a:schemeClr>
+              </a:solidFill>
+            </a:endParaRPr>
+          </a:p>
+          <a:p>
+            <a:pPr algn="just"/>
+            <a:r>
+              <a:rPr lang="en-US" altLang="zh-CN" sz="2400" b="1" cap="none" spc="0" dirty="0">
+                <a:ln w="22225">
+                  <a:solidFill>
+                    <a:schemeClr val="accent2"/>
+                  </a:solidFill>
+                  <a:prstDash val="solid"/>
+                </a:ln>
+                <a:solidFill>
+                  <a:schemeClr val="accent2">
+                    <a:lumMod val="40000"/>
+                    <a:lumOff val="60000"/>
+                  </a:schemeClr>
+                </a:solidFill>
+                <a:effectLst/>
+              </a:rPr>
+              <a:t>Vue</a:t>
+            </a:r>
+            <a:r>
+              <a:rPr lang="zh-CN" altLang="en-US" sz="2400" b="1" cap="none" spc="0" dirty="0">
+                <a:ln w="22225">
+                  <a:solidFill>
+                    <a:schemeClr val="accent2"/>
+                  </a:solidFill>
+                  <a:prstDash val="solid"/>
+                </a:ln>
+                <a:solidFill>
+                  <a:schemeClr val="accent2">
+                    <a:lumMod val="40000"/>
+                    <a:lumOff val="60000"/>
+                  </a:schemeClr>
+                </a:solidFill>
+                <a:effectLst/>
+              </a:rPr>
+              <a:t> </a:t>
+            </a:r>
+            <a:r>
+              <a:rPr lang="en-US" altLang="zh-CN" sz="2400" b="1" cap="none" spc="0" dirty="0">
+                <a:ln w="22225">
+                  <a:solidFill>
+                    <a:schemeClr val="accent2"/>
+                  </a:solidFill>
+                  <a:prstDash val="solid"/>
+                </a:ln>
+                <a:solidFill>
+                  <a:schemeClr val="accent2">
+                    <a:lumMod val="40000"/>
+                    <a:lumOff val="60000"/>
+                  </a:schemeClr>
+                </a:solidFill>
+                <a:effectLst/>
+              </a:rPr>
+              <a:t>+</a:t>
+            </a:r>
+            <a:r>
+              <a:rPr lang="zh-CN" altLang="en-US" sz="2400" b="1" cap="none" spc="0" dirty="0">
+                <a:ln w="22225">
+                  <a:solidFill>
+                    <a:schemeClr val="accent2"/>
+                  </a:solidFill>
+                  <a:prstDash val="solid"/>
+                </a:ln>
+                <a:solidFill>
+                  <a:schemeClr val="accent2">
+                    <a:lumMod val="40000"/>
+                    <a:lumOff val="60000"/>
+                  </a:schemeClr>
+                </a:solidFill>
+                <a:effectLst/>
+              </a:rPr>
+              <a:t> </a:t>
+            </a:r>
+            <a:r>
+              <a:rPr lang="en-US" altLang="zh-CN" sz="2400" b="1" cap="none" spc="0" dirty="0" err="1">
+                <a:ln w="22225">
+                  <a:solidFill>
+                    <a:schemeClr val="accent2"/>
+                  </a:solidFill>
+                  <a:prstDash val="solid"/>
+                </a:ln>
+                <a:solidFill>
+                  <a:schemeClr val="accent2">
+                    <a:lumMod val="40000"/>
+                    <a:lumOff val="60000"/>
+                  </a:schemeClr>
+                </a:solidFill>
+                <a:effectLst/>
+              </a:rPr>
+              <a:t>mintui</a:t>
+            </a:r>
+            <a:endParaRPr lang="en-US" altLang="zh-CN" sz="2400" b="1" cap="none" spc="0" dirty="0">
+              <a:ln w="22225">
+                <a:solidFill>
+                  <a:schemeClr val="accent2"/>
+                </a:solidFill>
+                <a:prstDash val="solid"/>
+              </a:ln>
+              <a:solidFill>
+                <a:schemeClr val="accent2">
+                  <a:lumMod val="40000"/>
+                  <a:lumOff val="60000"/>
+                </a:schemeClr>
+              </a:solidFill>
+              <a:effectLst/>
+            </a:endParaRPr>
           </a:p>
         </p:txBody>
       </p:sp>
@@ -11760,7 +12110,7 @@
         <p:spPr>
           <a:xfrm>
             <a:off x="1075038" y="803189"/>
-            <a:ext cx="7231467" cy="1754326"/>
+            <a:ext cx="7356501" cy="1754326"/>
           </a:xfrm>
           <a:prstGeom prst="rect">
             <a:avLst/>
@@ -11798,7 +12148,7 @@
             </a:r>
             <a:r>
               <a:rPr kumimoji="1" lang="zh-CN" altLang="en-US" dirty="0"/>
-              <a:t>、新添加主账号的管理系统，可以对副账号进行删除和添加</a:t>
+              <a:t>、新添加主账号的管理系统，可以对副账号进行删除和添加； 完成</a:t>
             </a:r>
             <a:endParaRPr kumimoji="1" lang="en-US" altLang="zh-CN" dirty="0"/>
           </a:p>
@@ -11809,7 +12159,7 @@
             </a:r>
             <a:r>
               <a:rPr kumimoji="1" lang="zh-CN" altLang="en-US" dirty="0"/>
-              <a:t>、添加账号的详情页面，可以看到账号的限制数量，失效时间；</a:t>
+              <a:t>、添加账号的详情页面，可以看到账号的限制数量，失效时间；完成</a:t>
             </a:r>
             <a:endParaRPr kumimoji="1" lang="en-US" altLang="zh-CN" dirty="0"/>
           </a:p>
@@ -11820,7 +12170,7 @@
             </a:r>
             <a:r>
               <a:rPr kumimoji="1" lang="zh-CN" altLang="en-US" dirty="0"/>
-              <a:t>、增加一个管理页面： 添加公司的页面，同时添加初始化账号</a:t>
+              <a:t>、增加一个管理页面： 添加公司的页面，同时添加初始化账号； 完成</a:t>
             </a:r>
             <a:endParaRPr kumimoji="1" lang="en-US" altLang="zh-CN" dirty="0"/>
           </a:p>
@@ -11843,6 +12193,234 @@
     <p:extLst>
       <p:ext uri="{BB962C8B-B14F-4D97-AF65-F5344CB8AC3E}">
         <p14:creationId xmlns:p14="http://schemas.microsoft.com/office/powerpoint/2010/main" val="3927389973"/>
+      </p:ext>
+    </p:extLst>
+  </p:cSld>
+  <p:clrMapOvr>
+    <a:masterClrMapping/>
+  </p:clrMapOvr>
+</p:sld>
+</file>
+
+<file path=ppt/slides/slide29.xml><?xml version="1.0" encoding="utf-8"?>
+<p:sld xmlns:a="http://schemas.openxmlformats.org/drawingml/2006/main" xmlns:r="http://schemas.openxmlformats.org/officeDocument/2006/relationships" xmlns:p="http://schemas.openxmlformats.org/presentationml/2006/main">
+  <p:cSld>
+    <p:spTree>
+      <p:nvGrpSpPr>
+        <p:cNvPr id="1" name=""/>
+        <p:cNvGrpSpPr/>
+        <p:nvPr/>
+      </p:nvGrpSpPr>
+      <p:grpSpPr>
+        <a:xfrm>
+          <a:off x="0" y="0"/>
+          <a:ext cx="0" cy="0"/>
+          <a:chOff x="0" y="0"/>
+          <a:chExt cx="0" cy="0"/>
+        </a:xfrm>
+      </p:grpSpPr>
+      <p:sp>
+        <p:nvSpPr>
+          <p:cNvPr id="5" name="文本框 4">
+            <a:extLst>
+              <a:ext uri="{FF2B5EF4-FFF2-40B4-BE49-F238E27FC236}">
+                <a16:creationId xmlns:a16="http://schemas.microsoft.com/office/drawing/2014/main" id="{F982767D-E923-5A49-926D-2EA106C4AF2A}"/>
+              </a:ext>
+            </a:extLst>
+          </p:cNvPr>
+          <p:cNvSpPr txBox="1"/>
+          <p:nvPr/>
+        </p:nvSpPr>
+        <p:spPr>
+          <a:xfrm>
+            <a:off x="988541" y="778476"/>
+            <a:ext cx="3890809" cy="2862322"/>
+          </a:xfrm>
+          <a:prstGeom prst="rect">
+            <a:avLst/>
+          </a:prstGeom>
+          <a:noFill/>
+        </p:spPr>
+        <p:txBody>
+          <a:bodyPr wrap="none" rtlCol="0">
+            <a:spAutoFit/>
+          </a:bodyPr>
+          <a:lstStyle/>
+          <a:p>
+            <a:r>
+              <a:rPr kumimoji="1" lang="zh-CN" altLang="en-US" dirty="0"/>
+              <a:t>新增试用窗口</a:t>
+            </a:r>
+            <a:endParaRPr kumimoji="1" lang="en-US" altLang="zh-CN" dirty="0"/>
+          </a:p>
+          <a:p>
+            <a:r>
+              <a:rPr kumimoji="1" lang="en-US" altLang="zh-CN" dirty="0"/>
+              <a:t>1</a:t>
+            </a:r>
+            <a:r>
+              <a:rPr kumimoji="1" lang="zh-CN" altLang="en-US" dirty="0"/>
+              <a:t>、添加企业名称</a:t>
+            </a:r>
+            <a:endParaRPr kumimoji="1" lang="en-US" altLang="zh-CN" dirty="0"/>
+          </a:p>
+          <a:p>
+            <a:r>
+              <a:rPr kumimoji="1" lang="en-US" altLang="zh-CN" dirty="0"/>
+              <a:t>2</a:t>
+            </a:r>
+            <a:r>
+              <a:rPr kumimoji="1" lang="zh-CN" altLang="en-US" dirty="0"/>
+              <a:t>、添加企业短名称（限定</a:t>
+            </a:r>
+            <a:r>
+              <a:rPr kumimoji="1" lang="en-US" altLang="zh-CN" dirty="0"/>
+              <a:t>4</a:t>
+            </a:r>
+            <a:r>
+              <a:rPr kumimoji="1" lang="zh-CN" altLang="en-US" dirty="0"/>
+              <a:t>位以内）</a:t>
+            </a:r>
+            <a:endParaRPr kumimoji="1" lang="en-US" altLang="zh-CN" dirty="0"/>
+          </a:p>
+          <a:p>
+            <a:r>
+              <a:rPr kumimoji="1" lang="en-US" altLang="zh-CN" dirty="0"/>
+              <a:t>3</a:t>
+            </a:r>
+            <a:r>
+              <a:rPr kumimoji="1" lang="zh-CN" altLang="en-US" dirty="0"/>
+              <a:t>、添加用户</a:t>
+            </a:r>
+            <a:endParaRPr kumimoji="1" lang="en-US" altLang="zh-CN" dirty="0"/>
+          </a:p>
+          <a:p>
+            <a:r>
+              <a:rPr kumimoji="1" lang="en-US" altLang="zh-CN" dirty="0"/>
+              <a:t>4</a:t>
+            </a:r>
+            <a:r>
+              <a:rPr kumimoji="1" lang="zh-CN" altLang="en-US" dirty="0"/>
+              <a:t>、设置密码</a:t>
+            </a:r>
+            <a:endParaRPr kumimoji="1" lang="en-US" altLang="zh-CN" dirty="0"/>
+          </a:p>
+          <a:p>
+            <a:r>
+              <a:rPr kumimoji="1" lang="en-US" altLang="zh-CN" dirty="0"/>
+              <a:t>5</a:t>
+            </a:r>
+            <a:r>
+              <a:rPr kumimoji="1" lang="zh-CN" altLang="en-US" dirty="0"/>
+              <a:t>、确认密码</a:t>
+            </a:r>
+            <a:endParaRPr kumimoji="1" lang="en-US" altLang="zh-CN" dirty="0"/>
+          </a:p>
+          <a:p>
+            <a:r>
+              <a:rPr kumimoji="1" lang="en-US" altLang="zh-CN" dirty="0"/>
+              <a:t>6</a:t>
+            </a:r>
+            <a:r>
+              <a:rPr kumimoji="1" lang="zh-CN" altLang="en-US" dirty="0"/>
+              <a:t>、有效期至，默认加一个月</a:t>
+            </a:r>
+            <a:endParaRPr kumimoji="1" lang="en-US" altLang="zh-CN" dirty="0"/>
+          </a:p>
+          <a:p>
+            <a:r>
+              <a:rPr kumimoji="1" lang="en-US" altLang="zh-CN" dirty="0"/>
+              <a:t>7</a:t>
+            </a:r>
+            <a:r>
+              <a:rPr kumimoji="1" lang="zh-CN" altLang="en-US" dirty="0"/>
+              <a:t>、有效账户，默认一</a:t>
+            </a:r>
+            <a:endParaRPr kumimoji="1" lang="en-US" altLang="zh-CN" dirty="0"/>
+          </a:p>
+          <a:p>
+            <a:endParaRPr kumimoji="1" lang="en-US" altLang="zh-CN" dirty="0"/>
+          </a:p>
+          <a:p>
+            <a:r>
+              <a:rPr kumimoji="1" lang="zh-CN" altLang="en-US" dirty="0"/>
+              <a:t>提交后跳转到登录页面</a:t>
+            </a:r>
+          </a:p>
+        </p:txBody>
+      </p:sp>
+      <p:sp>
+        <p:nvSpPr>
+          <p:cNvPr id="6" name="文本框 5">
+            <a:extLst>
+              <a:ext uri="{FF2B5EF4-FFF2-40B4-BE49-F238E27FC236}">
+                <a16:creationId xmlns:a16="http://schemas.microsoft.com/office/drawing/2014/main" id="{511E24CC-1DC8-5840-9513-657079A6C072}"/>
+              </a:ext>
+            </a:extLst>
+          </p:cNvPr>
+          <p:cNvSpPr txBox="1"/>
+          <p:nvPr/>
+        </p:nvSpPr>
+        <p:spPr>
+          <a:xfrm>
+            <a:off x="1075038" y="3904735"/>
+            <a:ext cx="3898824" cy="1200329"/>
+          </a:xfrm>
+          <a:prstGeom prst="rect">
+            <a:avLst/>
+          </a:prstGeom>
+          <a:noFill/>
+        </p:spPr>
+        <p:txBody>
+          <a:bodyPr wrap="none" rtlCol="0">
+            <a:spAutoFit/>
+          </a:bodyPr>
+          <a:lstStyle/>
+          <a:p>
+            <a:r>
+              <a:rPr kumimoji="1" lang="en-US" altLang="zh-CN" dirty="0"/>
+              <a:t>1</a:t>
+            </a:r>
+            <a:r>
+              <a:rPr kumimoji="1" lang="zh-CN" altLang="en-US" dirty="0"/>
+              <a:t>、新增</a:t>
+            </a:r>
+            <a:r>
+              <a:rPr kumimoji="1" lang="en-US" altLang="zh-CN" dirty="0" err="1"/>
+              <a:t>cotroller</a:t>
+            </a:r>
+            <a:r>
+              <a:rPr kumimoji="1" lang="zh-CN" altLang="en-US" dirty="0"/>
+              <a:t>层，写在用户界面；</a:t>
+            </a:r>
+            <a:endParaRPr kumimoji="1" lang="en-US" altLang="zh-CN" dirty="0"/>
+          </a:p>
+          <a:p>
+            <a:r>
+              <a:rPr kumimoji="1" lang="en-US" altLang="zh-CN" dirty="0"/>
+              <a:t>2</a:t>
+            </a:r>
+            <a:r>
+              <a:rPr kumimoji="1" lang="zh-CN" altLang="en-US" dirty="0"/>
+              <a:t>、新增试用界面。</a:t>
+            </a:r>
+            <a:endParaRPr kumimoji="1" lang="en-US" altLang="zh-CN" dirty="0"/>
+          </a:p>
+          <a:p>
+            <a:endParaRPr kumimoji="1" lang="en-US" altLang="zh-CN" dirty="0"/>
+          </a:p>
+          <a:p>
+            <a:r>
+              <a:rPr kumimoji="1" lang="zh-CN" altLang="en-US" dirty="0"/>
+              <a:t>完成</a:t>
+            </a:r>
+          </a:p>
+        </p:txBody>
+      </p:sp>
+    </p:spTree>
+    <p:extLst>
+      <p:ext uri="{BB962C8B-B14F-4D97-AF65-F5344CB8AC3E}">
+        <p14:creationId xmlns:p14="http://schemas.microsoft.com/office/powerpoint/2010/main" val="3031449875"/>
       </p:ext>
     </p:extLst>
   </p:cSld>

--- a/设计.pptx
+++ b/设计.pptx
@@ -34,6 +34,8 @@
     <p:sldId id="282" r:id="rId28"/>
     <p:sldId id="283" r:id="rId29"/>
     <p:sldId id="284" r:id="rId30"/>
+    <p:sldId id="285" r:id="rId31"/>
+    <p:sldId id="286" r:id="rId32"/>
   </p:sldIdLst>
   <p:sldSz cx="12192000" cy="6858000"/>
   <p:notesSz cx="6858000" cy="9144000"/>
@@ -292,7 +294,7 @@
           <a:p>
             <a:fld id="{F87617FB-8A08-49EA-AAB1-E559B965B279}" type="datetimeFigureOut">
               <a:rPr lang="zh-CN" altLang="en-US" smtClean="0"/>
-              <a:t>2021/7/11</a:t>
+              <a:t>2022/1/16</a:t>
             </a:fld>
             <a:endParaRPr lang="zh-CN" altLang="en-US"/>
           </a:p>
@@ -460,7 +462,7 @@
           <a:p>
             <a:fld id="{F87617FB-8A08-49EA-AAB1-E559B965B279}" type="datetimeFigureOut">
               <a:rPr lang="zh-CN" altLang="en-US" smtClean="0"/>
-              <a:t>2021/7/11</a:t>
+              <a:t>2022/1/16</a:t>
             </a:fld>
             <a:endParaRPr lang="zh-CN" altLang="en-US"/>
           </a:p>
@@ -638,7 +640,7 @@
           <a:p>
             <a:fld id="{F87617FB-8A08-49EA-AAB1-E559B965B279}" type="datetimeFigureOut">
               <a:rPr lang="zh-CN" altLang="en-US" smtClean="0"/>
-              <a:t>2021/7/11</a:t>
+              <a:t>2022/1/16</a:t>
             </a:fld>
             <a:endParaRPr lang="zh-CN" altLang="en-US"/>
           </a:p>
@@ -806,7 +808,7 @@
           <a:p>
             <a:fld id="{F87617FB-8A08-49EA-AAB1-E559B965B279}" type="datetimeFigureOut">
               <a:rPr lang="zh-CN" altLang="en-US" smtClean="0"/>
-              <a:t>2021/7/11</a:t>
+              <a:t>2022/1/16</a:t>
             </a:fld>
             <a:endParaRPr lang="zh-CN" altLang="en-US"/>
           </a:p>
@@ -1051,7 +1053,7 @@
           <a:p>
             <a:fld id="{F87617FB-8A08-49EA-AAB1-E559B965B279}" type="datetimeFigureOut">
               <a:rPr lang="zh-CN" altLang="en-US" smtClean="0"/>
-              <a:t>2021/7/11</a:t>
+              <a:t>2022/1/16</a:t>
             </a:fld>
             <a:endParaRPr lang="zh-CN" altLang="en-US"/>
           </a:p>
@@ -1280,7 +1282,7 @@
           <a:p>
             <a:fld id="{F87617FB-8A08-49EA-AAB1-E559B965B279}" type="datetimeFigureOut">
               <a:rPr lang="zh-CN" altLang="en-US" smtClean="0"/>
-              <a:t>2021/7/11</a:t>
+              <a:t>2022/1/16</a:t>
             </a:fld>
             <a:endParaRPr lang="zh-CN" altLang="en-US"/>
           </a:p>
@@ -1644,7 +1646,7 @@
           <a:p>
             <a:fld id="{F87617FB-8A08-49EA-AAB1-E559B965B279}" type="datetimeFigureOut">
               <a:rPr lang="zh-CN" altLang="en-US" smtClean="0"/>
-              <a:t>2021/7/11</a:t>
+              <a:t>2022/1/16</a:t>
             </a:fld>
             <a:endParaRPr lang="zh-CN" altLang="en-US"/>
           </a:p>
@@ -1761,7 +1763,7 @@
           <a:p>
             <a:fld id="{F87617FB-8A08-49EA-AAB1-E559B965B279}" type="datetimeFigureOut">
               <a:rPr lang="zh-CN" altLang="en-US" smtClean="0"/>
-              <a:t>2021/7/11</a:t>
+              <a:t>2022/1/16</a:t>
             </a:fld>
             <a:endParaRPr lang="zh-CN" altLang="en-US"/>
           </a:p>
@@ -1856,7 +1858,7 @@
           <a:p>
             <a:fld id="{F87617FB-8A08-49EA-AAB1-E559B965B279}" type="datetimeFigureOut">
               <a:rPr lang="zh-CN" altLang="en-US" smtClean="0"/>
-              <a:t>2021/7/11</a:t>
+              <a:t>2022/1/16</a:t>
             </a:fld>
             <a:endParaRPr lang="zh-CN" altLang="en-US"/>
           </a:p>
@@ -2131,7 +2133,7 @@
           <a:p>
             <a:fld id="{F87617FB-8A08-49EA-AAB1-E559B965B279}" type="datetimeFigureOut">
               <a:rPr lang="zh-CN" altLang="en-US" smtClean="0"/>
-              <a:t>2021/7/11</a:t>
+              <a:t>2022/1/16</a:t>
             </a:fld>
             <a:endParaRPr lang="zh-CN" altLang="en-US"/>
           </a:p>
@@ -2383,7 +2385,7 @@
           <a:p>
             <a:fld id="{F87617FB-8A08-49EA-AAB1-E559B965B279}" type="datetimeFigureOut">
               <a:rPr lang="zh-CN" altLang="en-US" smtClean="0"/>
-              <a:t>2021/7/11</a:t>
+              <a:t>2022/1/16</a:t>
             </a:fld>
             <a:endParaRPr lang="zh-CN" altLang="en-US"/>
           </a:p>
@@ -2594,7 +2596,7 @@
           <a:p>
             <a:fld id="{F87617FB-8A08-49EA-AAB1-E559B965B279}" type="datetimeFigureOut">
               <a:rPr lang="zh-CN" altLang="en-US" smtClean="0"/>
-              <a:t>2021/7/11</a:t>
+              <a:t>2022/1/16</a:t>
             </a:fld>
             <a:endParaRPr lang="zh-CN" altLang="en-US"/>
           </a:p>
@@ -13333,6 +13335,1120 @@
 </p:sld>
 </file>
 
+<file path=ppt/slides/slide30.xml><?xml version="1.0" encoding="utf-8"?>
+<p:sld xmlns:a="http://schemas.openxmlformats.org/drawingml/2006/main" xmlns:r="http://schemas.openxmlformats.org/officeDocument/2006/relationships" xmlns:p="http://schemas.openxmlformats.org/presentationml/2006/main">
+  <p:cSld>
+    <p:spTree>
+      <p:nvGrpSpPr>
+        <p:cNvPr id="1" name=""/>
+        <p:cNvGrpSpPr/>
+        <p:nvPr/>
+      </p:nvGrpSpPr>
+      <p:grpSpPr>
+        <a:xfrm>
+          <a:off x="0" y="0"/>
+          <a:ext cx="0" cy="0"/>
+          <a:chOff x="0" y="0"/>
+          <a:chExt cx="0" cy="0"/>
+        </a:xfrm>
+      </p:grpSpPr>
+      <p:sp>
+        <p:nvSpPr>
+          <p:cNvPr id="4" name="文本框 3">
+            <a:extLst>
+              <a:ext uri="{FF2B5EF4-FFF2-40B4-BE49-F238E27FC236}">
+                <a16:creationId xmlns:a16="http://schemas.microsoft.com/office/drawing/2014/main" id="{35D0C145-BCB6-A242-A51E-E28B8ECF2C15}"/>
+              </a:ext>
+            </a:extLst>
+          </p:cNvPr>
+          <p:cNvSpPr txBox="1"/>
+          <p:nvPr/>
+        </p:nvSpPr>
+        <p:spPr>
+          <a:xfrm>
+            <a:off x="914400" y="902043"/>
+            <a:ext cx="5807676" cy="1477328"/>
+          </a:xfrm>
+          <a:prstGeom prst="rect">
+            <a:avLst/>
+          </a:prstGeom>
+          <a:noFill/>
+        </p:spPr>
+        <p:txBody>
+          <a:bodyPr wrap="square" rtlCol="0">
+            <a:spAutoFit/>
+          </a:bodyPr>
+          <a:lstStyle/>
+          <a:p>
+            <a:r>
+              <a:rPr kumimoji="1" lang="zh-CN" altLang="en-US" dirty="0"/>
+              <a:t>第一类统计信息：</a:t>
+            </a:r>
+            <a:endParaRPr kumimoji="1" lang="en-US" altLang="zh-CN" dirty="0"/>
+          </a:p>
+          <a:p>
+            <a:endParaRPr kumimoji="1" lang="en-US" altLang="zh-CN" dirty="0"/>
+          </a:p>
+          <a:p>
+            <a:r>
+              <a:rPr kumimoji="1" lang="zh-CN" altLang="en-US" dirty="0"/>
+              <a:t>本月买入：多少辆车，花了多少钱</a:t>
+            </a:r>
+            <a:endParaRPr kumimoji="1" lang="en-US" altLang="zh-CN" dirty="0"/>
+          </a:p>
+          <a:p>
+            <a:endParaRPr kumimoji="1" lang="en-US" altLang="zh-CN" dirty="0"/>
+          </a:p>
+          <a:p>
+            <a:r>
+              <a:rPr kumimoji="1" lang="zh-CN" altLang="en-US" dirty="0"/>
+              <a:t>本月卖了：多少辆车，收入多少钱，利润多少钱</a:t>
+            </a:r>
+          </a:p>
+        </p:txBody>
+      </p:sp>
+      <p:sp>
+        <p:nvSpPr>
+          <p:cNvPr id="5" name="文本框 4">
+            <a:extLst>
+              <a:ext uri="{FF2B5EF4-FFF2-40B4-BE49-F238E27FC236}">
+                <a16:creationId xmlns:a16="http://schemas.microsoft.com/office/drawing/2014/main" id="{4408CA0E-1184-E347-9A2C-C6C6D4E9F5CB}"/>
+              </a:ext>
+            </a:extLst>
+          </p:cNvPr>
+          <p:cNvSpPr txBox="1"/>
+          <p:nvPr/>
+        </p:nvSpPr>
+        <p:spPr>
+          <a:xfrm>
+            <a:off x="914400" y="2693773"/>
+            <a:ext cx="7525265" cy="923330"/>
+          </a:xfrm>
+          <a:prstGeom prst="rect">
+            <a:avLst/>
+          </a:prstGeom>
+          <a:noFill/>
+        </p:spPr>
+        <p:txBody>
+          <a:bodyPr wrap="square" rtlCol="0">
+            <a:spAutoFit/>
+          </a:bodyPr>
+          <a:lstStyle/>
+          <a:p>
+            <a:r>
+              <a:rPr kumimoji="1" lang="zh-CN" altLang="en-US" dirty="0"/>
+              <a:t>第二类信息：本月卖出车辆统计</a:t>
+            </a:r>
+            <a:endParaRPr kumimoji="1" lang="en-US" altLang="zh-CN" dirty="0"/>
+          </a:p>
+          <a:p>
+            <a:endParaRPr kumimoji="1" lang="en-US" altLang="zh-CN" dirty="0"/>
+          </a:p>
+          <a:p>
+            <a:r>
+              <a:rPr kumimoji="1" lang="zh-CN" altLang="en-US" dirty="0"/>
+              <a:t>每辆车，购车成本，整备成本 售车收入 其他收入 总利润 分成利润</a:t>
+            </a:r>
+          </a:p>
+        </p:txBody>
+      </p:sp>
+      <p:graphicFrame>
+        <p:nvGraphicFramePr>
+          <p:cNvPr id="6" name="表格 6">
+            <a:extLst>
+              <a:ext uri="{FF2B5EF4-FFF2-40B4-BE49-F238E27FC236}">
+                <a16:creationId xmlns:a16="http://schemas.microsoft.com/office/drawing/2014/main" id="{C072D6ED-B76A-6141-BAB5-A6D4BAFD12E1}"/>
+              </a:ext>
+            </a:extLst>
+          </p:cNvPr>
+          <p:cNvGraphicFramePr>
+            <a:graphicFrameLocks noGrp="1"/>
+          </p:cNvGraphicFramePr>
+          <p:nvPr>
+            <p:extLst>
+              <p:ext uri="{D42A27DB-BD31-4B8C-83A1-F6EECF244321}">
+                <p14:modId xmlns:p14="http://schemas.microsoft.com/office/powerpoint/2010/main" val="3481902185"/>
+              </p:ext>
+            </p:extLst>
+          </p:nvPr>
+        </p:nvGraphicFramePr>
+        <p:xfrm>
+          <a:off x="914400" y="4043633"/>
+          <a:ext cx="5968314" cy="1112520"/>
+        </p:xfrm>
+        <a:graphic>
+          <a:graphicData uri="http://schemas.openxmlformats.org/drawingml/2006/table">
+            <a:tbl>
+              <a:tblPr firstRow="1" bandRow="1">
+                <a:tableStyleId>{5C22544A-7EE6-4342-B048-85BDC9FD1C3A}</a:tableStyleId>
+              </a:tblPr>
+              <a:tblGrid>
+                <a:gridCol w="1161143">
+                  <a:extLst>
+                    <a:ext uri="{9D8B030D-6E8A-4147-A177-3AD203B41FA5}">
+                      <a16:colId xmlns:a16="http://schemas.microsoft.com/office/drawing/2014/main" val="884135834"/>
+                    </a:ext>
+                  </a:extLst>
+                </a:gridCol>
+                <a:gridCol w="2039257">
+                  <a:extLst>
+                    <a:ext uri="{9D8B030D-6E8A-4147-A177-3AD203B41FA5}">
+                      <a16:colId xmlns:a16="http://schemas.microsoft.com/office/drawing/2014/main" val="1132773219"/>
+                    </a:ext>
+                  </a:extLst>
+                </a:gridCol>
+                <a:gridCol w="1767016">
+                  <a:extLst>
+                    <a:ext uri="{9D8B030D-6E8A-4147-A177-3AD203B41FA5}">
+                      <a16:colId xmlns:a16="http://schemas.microsoft.com/office/drawing/2014/main" val="2675422595"/>
+                    </a:ext>
+                  </a:extLst>
+                </a:gridCol>
+                <a:gridCol w="1000898">
+                  <a:extLst>
+                    <a:ext uri="{9D8B030D-6E8A-4147-A177-3AD203B41FA5}">
+                      <a16:colId xmlns:a16="http://schemas.microsoft.com/office/drawing/2014/main" val="157009392"/>
+                    </a:ext>
+                  </a:extLst>
+                </a:gridCol>
+              </a:tblGrid>
+              <a:tr h="370840">
+                <a:tc>
+                  <a:txBody>
+                    <a:bodyPr/>
+                    <a:lstStyle/>
+                    <a:p>
+                      <a:r>
+                        <a:rPr lang="zh-CN" altLang="en-US" dirty="0"/>
+                        <a:t>川</a:t>
+                      </a:r>
+                      <a:r>
+                        <a:rPr lang="en-US" altLang="zh-CN" dirty="0"/>
+                        <a:t>A0980</a:t>
+                      </a:r>
+                      <a:endParaRPr lang="zh-CN" altLang="en-US" dirty="0"/>
+                    </a:p>
+                  </a:txBody>
+                  <a:tcPr/>
+                </a:tc>
+                <a:tc>
+                  <a:txBody>
+                    <a:bodyPr/>
+                    <a:lstStyle/>
+                    <a:p>
+                      <a:r>
+                        <a:rPr lang="zh-CN" altLang="en-US" dirty="0"/>
+                        <a:t>宝马</a:t>
+                      </a:r>
+                      <a:r>
+                        <a:rPr lang="en-US" altLang="zh-CN" dirty="0"/>
+                        <a:t>320</a:t>
+                      </a:r>
+                      <a:endParaRPr lang="zh-CN" altLang="en-US" dirty="0"/>
+                    </a:p>
+                  </a:txBody>
+                  <a:tcPr/>
+                </a:tc>
+                <a:tc>
+                  <a:txBody>
+                    <a:bodyPr/>
+                    <a:lstStyle/>
+                    <a:p>
+                      <a:r>
+                        <a:rPr lang="zh-CN" altLang="en-US" dirty="0"/>
+                        <a:t>支出 </a:t>
+                      </a:r>
+                      <a:r>
+                        <a:rPr lang="en-US" altLang="zh-CN" dirty="0"/>
+                        <a:t>320000</a:t>
+                      </a:r>
+                      <a:endParaRPr lang="zh-CN" altLang="en-US" dirty="0"/>
+                    </a:p>
+                  </a:txBody>
+                  <a:tcPr/>
+                </a:tc>
+                <a:tc>
+                  <a:txBody>
+                    <a:bodyPr/>
+                    <a:lstStyle/>
+                    <a:p>
+                      <a:r>
+                        <a:rPr lang="en-US" altLang="zh-CN" dirty="0"/>
+                        <a:t>20000</a:t>
+                      </a:r>
+                      <a:endParaRPr lang="zh-CN" altLang="en-US" dirty="0"/>
+                    </a:p>
+                  </a:txBody>
+                  <a:tcPr/>
+                </a:tc>
+                <a:extLst>
+                  <a:ext uri="{0D108BD9-81ED-4DB2-BD59-A6C34878D82A}">
+                    <a16:rowId xmlns:a16="http://schemas.microsoft.com/office/drawing/2014/main" val="604487302"/>
+                  </a:ext>
+                </a:extLst>
+              </a:tr>
+              <a:tr h="370840">
+                <a:tc>
+                  <a:txBody>
+                    <a:bodyPr/>
+                    <a:lstStyle/>
+                    <a:p>
+                      <a:endParaRPr lang="zh-CN" altLang="en-US"/>
+                    </a:p>
+                  </a:txBody>
+                  <a:tcPr/>
+                </a:tc>
+                <a:tc>
+                  <a:txBody>
+                    <a:bodyPr/>
+                    <a:lstStyle/>
+                    <a:p>
+                      <a:r>
+                        <a:rPr lang="en-US" altLang="zh-CN" dirty="0"/>
+                        <a:t>2021</a:t>
+                      </a:r>
+                      <a:r>
+                        <a:rPr lang="zh-CN" altLang="en-US" dirty="0"/>
+                        <a:t>年</a:t>
+                      </a:r>
+                      <a:r>
+                        <a:rPr lang="en-US" altLang="zh-CN" dirty="0"/>
+                        <a:t>1</a:t>
+                      </a:r>
+                      <a:r>
+                        <a:rPr lang="zh-CN" altLang="en-US" dirty="0"/>
+                        <a:t>月</a:t>
+                      </a:r>
+                      <a:r>
+                        <a:rPr lang="en-US" altLang="zh-CN" dirty="0"/>
+                        <a:t>10</a:t>
+                      </a:r>
+                      <a:r>
+                        <a:rPr lang="zh-CN" altLang="en-US" dirty="0"/>
+                        <a:t>售出</a:t>
+                      </a:r>
+                    </a:p>
+                  </a:txBody>
+                  <a:tcPr/>
+                </a:tc>
+                <a:tc>
+                  <a:txBody>
+                    <a:bodyPr/>
+                    <a:lstStyle/>
+                    <a:p>
+                      <a:r>
+                        <a:rPr lang="zh-CN" altLang="en-US" dirty="0"/>
+                        <a:t>收入 </a:t>
+                      </a:r>
+                      <a:r>
+                        <a:rPr lang="en-US" altLang="zh-CN" dirty="0"/>
+                        <a:t>340000</a:t>
+                      </a:r>
+                      <a:endParaRPr lang="zh-CN" altLang="en-US" dirty="0"/>
+                    </a:p>
+                  </a:txBody>
+                  <a:tcPr/>
+                </a:tc>
+                <a:tc>
+                  <a:txBody>
+                    <a:bodyPr/>
+                    <a:lstStyle/>
+                    <a:p>
+                      <a:endParaRPr lang="zh-CN" altLang="en-US"/>
+                    </a:p>
+                  </a:txBody>
+                  <a:tcPr/>
+                </a:tc>
+                <a:extLst>
+                  <a:ext uri="{0D108BD9-81ED-4DB2-BD59-A6C34878D82A}">
+                    <a16:rowId xmlns:a16="http://schemas.microsoft.com/office/drawing/2014/main" val="3326864623"/>
+                  </a:ext>
+                </a:extLst>
+              </a:tr>
+              <a:tr h="370840">
+                <a:tc>
+                  <a:txBody>
+                    <a:bodyPr/>
+                    <a:lstStyle/>
+                    <a:p>
+                      <a:endParaRPr lang="zh-CN" altLang="en-US"/>
+                    </a:p>
+                  </a:txBody>
+                  <a:tcPr/>
+                </a:tc>
+                <a:tc>
+                  <a:txBody>
+                    <a:bodyPr/>
+                    <a:lstStyle/>
+                    <a:p>
+                      <a:endParaRPr lang="zh-CN" altLang="en-US"/>
+                    </a:p>
+                  </a:txBody>
+                  <a:tcPr/>
+                </a:tc>
+                <a:tc>
+                  <a:txBody>
+                    <a:bodyPr/>
+                    <a:lstStyle/>
+                    <a:p>
+                      <a:endParaRPr lang="zh-CN" altLang="en-US"/>
+                    </a:p>
+                  </a:txBody>
+                  <a:tcPr/>
+                </a:tc>
+                <a:tc>
+                  <a:txBody>
+                    <a:bodyPr/>
+                    <a:lstStyle/>
+                    <a:p>
+                      <a:endParaRPr lang="zh-CN" altLang="en-US" dirty="0"/>
+                    </a:p>
+                  </a:txBody>
+                  <a:tcPr/>
+                </a:tc>
+                <a:extLst>
+                  <a:ext uri="{0D108BD9-81ED-4DB2-BD59-A6C34878D82A}">
+                    <a16:rowId xmlns:a16="http://schemas.microsoft.com/office/drawing/2014/main" val="1364830350"/>
+                  </a:ext>
+                </a:extLst>
+              </a:tr>
+            </a:tbl>
+          </a:graphicData>
+        </a:graphic>
+      </p:graphicFrame>
+      <p:sp>
+        <p:nvSpPr>
+          <p:cNvPr id="7" name="矩形 6">
+            <a:extLst>
+              <a:ext uri="{FF2B5EF4-FFF2-40B4-BE49-F238E27FC236}">
+                <a16:creationId xmlns:a16="http://schemas.microsoft.com/office/drawing/2014/main" id="{7AC09B45-E529-B44E-AB9A-D786E983ECA7}"/>
+              </a:ext>
+            </a:extLst>
+          </p:cNvPr>
+          <p:cNvSpPr/>
+          <p:nvPr/>
+        </p:nvSpPr>
+        <p:spPr>
+          <a:xfrm>
+            <a:off x="8254314" y="644063"/>
+            <a:ext cx="3803135" cy="4340607"/>
+          </a:xfrm>
+          <a:prstGeom prst="rect">
+            <a:avLst/>
+          </a:prstGeom>
+        </p:spPr>
+        <p:style>
+          <a:lnRef idx="2">
+            <a:schemeClr val="accent3">
+              <a:shade val="50000"/>
+            </a:schemeClr>
+          </a:lnRef>
+          <a:fillRef idx="1">
+            <a:schemeClr val="accent3"/>
+          </a:fillRef>
+          <a:effectRef idx="0">
+            <a:schemeClr val="accent3"/>
+          </a:effectRef>
+          <a:fontRef idx="minor">
+            <a:schemeClr val="lt1"/>
+          </a:fontRef>
+        </p:style>
+        <p:txBody>
+          <a:bodyPr rtlCol="0" anchor="ctr"/>
+          <a:lstStyle/>
+          <a:p>
+            <a:pPr algn="ctr"/>
+            <a:endParaRPr kumimoji="1" lang="zh-CN" altLang="en-US"/>
+          </a:p>
+        </p:txBody>
+      </p:sp>
+      <p:sp>
+        <p:nvSpPr>
+          <p:cNvPr id="2" name="矩形 1">
+            <a:extLst>
+              <a:ext uri="{FF2B5EF4-FFF2-40B4-BE49-F238E27FC236}">
+                <a16:creationId xmlns:a16="http://schemas.microsoft.com/office/drawing/2014/main" id="{39094C5F-174C-1946-AC88-C4E714932D7C}"/>
+              </a:ext>
+            </a:extLst>
+          </p:cNvPr>
+          <p:cNvSpPr/>
+          <p:nvPr/>
+        </p:nvSpPr>
+        <p:spPr>
+          <a:xfrm>
+            <a:off x="8254314" y="1606378"/>
+            <a:ext cx="3803135" cy="772993"/>
+          </a:xfrm>
+          <a:prstGeom prst="rect">
+            <a:avLst/>
+          </a:prstGeom>
+        </p:spPr>
+        <p:style>
+          <a:lnRef idx="2">
+            <a:schemeClr val="accent1">
+              <a:shade val="50000"/>
+            </a:schemeClr>
+          </a:lnRef>
+          <a:fillRef idx="1">
+            <a:schemeClr val="accent1"/>
+          </a:fillRef>
+          <a:effectRef idx="0">
+            <a:schemeClr val="accent1"/>
+          </a:effectRef>
+          <a:fontRef idx="minor">
+            <a:schemeClr val="lt1"/>
+          </a:fontRef>
+        </p:style>
+        <p:txBody>
+          <a:bodyPr rtlCol="0" anchor="ctr"/>
+          <a:lstStyle/>
+          <a:p>
+            <a:pPr algn="ctr"/>
+            <a:endParaRPr kumimoji="1" lang="zh-CN" altLang="en-US"/>
+          </a:p>
+        </p:txBody>
+      </p:sp>
+      <p:sp>
+        <p:nvSpPr>
+          <p:cNvPr id="3" name="文本框 2">
+            <a:extLst>
+              <a:ext uri="{FF2B5EF4-FFF2-40B4-BE49-F238E27FC236}">
+                <a16:creationId xmlns:a16="http://schemas.microsoft.com/office/drawing/2014/main" id="{60A67AAD-846C-174A-9E77-968F8AAA2524}"/>
+              </a:ext>
+            </a:extLst>
+          </p:cNvPr>
+          <p:cNvSpPr txBox="1"/>
+          <p:nvPr/>
+        </p:nvSpPr>
+        <p:spPr>
+          <a:xfrm>
+            <a:off x="8254314" y="1854374"/>
+            <a:ext cx="848498" cy="276999"/>
+          </a:xfrm>
+          <a:prstGeom prst="rect">
+            <a:avLst/>
+          </a:prstGeom>
+          <a:noFill/>
+        </p:spPr>
+        <p:txBody>
+          <a:bodyPr wrap="square" rtlCol="0">
+            <a:spAutoFit/>
+          </a:bodyPr>
+          <a:lstStyle/>
+          <a:p>
+            <a:r>
+              <a:rPr kumimoji="1" lang="zh-CN" altLang="en-US" sz="1200" dirty="0"/>
+              <a:t>川</a:t>
+            </a:r>
+            <a:r>
+              <a:rPr kumimoji="1" lang="en-US" altLang="zh-CN" sz="1200" dirty="0"/>
+              <a:t>A89098</a:t>
+            </a:r>
+            <a:endParaRPr kumimoji="1" lang="zh-CN" altLang="en-US" sz="1200" dirty="0"/>
+          </a:p>
+        </p:txBody>
+      </p:sp>
+      <p:sp>
+        <p:nvSpPr>
+          <p:cNvPr id="8" name="文本框 7">
+            <a:extLst>
+              <a:ext uri="{FF2B5EF4-FFF2-40B4-BE49-F238E27FC236}">
+                <a16:creationId xmlns:a16="http://schemas.microsoft.com/office/drawing/2014/main" id="{84B141DC-B12F-4F42-8979-4F5E219C5091}"/>
+              </a:ext>
+            </a:extLst>
+          </p:cNvPr>
+          <p:cNvSpPr txBox="1"/>
+          <p:nvPr/>
+        </p:nvSpPr>
+        <p:spPr>
+          <a:xfrm>
+            <a:off x="9102812" y="1815639"/>
+            <a:ext cx="684000" cy="230832"/>
+          </a:xfrm>
+          <a:prstGeom prst="rect">
+            <a:avLst/>
+          </a:prstGeom>
+          <a:noFill/>
+        </p:spPr>
+        <p:txBody>
+          <a:bodyPr wrap="square" rtlCol="0">
+            <a:spAutoFit/>
+          </a:bodyPr>
+          <a:lstStyle/>
+          <a:p>
+            <a:r>
+              <a:rPr kumimoji="1" lang="zh-CN" altLang="en-US" sz="900" dirty="0"/>
+              <a:t>宝马</a:t>
+            </a:r>
+            <a:r>
+              <a:rPr kumimoji="1" lang="en-US" altLang="zh-CN" sz="900" dirty="0"/>
+              <a:t>320i</a:t>
+            </a:r>
+            <a:endParaRPr kumimoji="1" lang="zh-CN" altLang="en-US" sz="900" dirty="0"/>
+          </a:p>
+        </p:txBody>
+      </p:sp>
+      <p:sp>
+        <p:nvSpPr>
+          <p:cNvPr id="9" name="文本框 8">
+            <a:extLst>
+              <a:ext uri="{FF2B5EF4-FFF2-40B4-BE49-F238E27FC236}">
+                <a16:creationId xmlns:a16="http://schemas.microsoft.com/office/drawing/2014/main" id="{B59CB90A-921D-1E4B-9E70-3693DF04DEF4}"/>
+              </a:ext>
+            </a:extLst>
+          </p:cNvPr>
+          <p:cNvSpPr txBox="1"/>
+          <p:nvPr/>
+        </p:nvSpPr>
+        <p:spPr>
+          <a:xfrm>
+            <a:off x="9102811" y="1979281"/>
+            <a:ext cx="779849" cy="230832"/>
+          </a:xfrm>
+          <a:prstGeom prst="rect">
+            <a:avLst/>
+          </a:prstGeom>
+          <a:noFill/>
+        </p:spPr>
+        <p:txBody>
+          <a:bodyPr wrap="square" rtlCol="0">
+            <a:spAutoFit/>
+          </a:bodyPr>
+          <a:lstStyle/>
+          <a:p>
+            <a:r>
+              <a:rPr kumimoji="1" lang="en-US" altLang="zh-CN" sz="900" dirty="0"/>
+              <a:t>2021-10-01</a:t>
+            </a:r>
+            <a:endParaRPr kumimoji="1" lang="zh-CN" altLang="en-US" sz="900" dirty="0"/>
+          </a:p>
+        </p:txBody>
+      </p:sp>
+      <p:sp>
+        <p:nvSpPr>
+          <p:cNvPr id="10" name="文本框 9">
+            <a:extLst>
+              <a:ext uri="{FF2B5EF4-FFF2-40B4-BE49-F238E27FC236}">
+                <a16:creationId xmlns:a16="http://schemas.microsoft.com/office/drawing/2014/main" id="{5821200B-B3D4-9244-93B5-D5BFEE816DC6}"/>
+              </a:ext>
+            </a:extLst>
+          </p:cNvPr>
+          <p:cNvSpPr txBox="1"/>
+          <p:nvPr/>
+        </p:nvSpPr>
+        <p:spPr>
+          <a:xfrm>
+            <a:off x="9992498" y="1835633"/>
+            <a:ext cx="1285102" cy="230832"/>
+          </a:xfrm>
+          <a:prstGeom prst="rect">
+            <a:avLst/>
+          </a:prstGeom>
+          <a:noFill/>
+        </p:spPr>
+        <p:txBody>
+          <a:bodyPr wrap="square" rtlCol="0">
+            <a:spAutoFit/>
+          </a:bodyPr>
+          <a:lstStyle/>
+          <a:p>
+            <a:r>
+              <a:rPr kumimoji="1" lang="zh-CN" altLang="en-US" sz="900" dirty="0"/>
+              <a:t>川</a:t>
+            </a:r>
+            <a:r>
+              <a:rPr kumimoji="1" lang="en-US" altLang="zh-CN" sz="900" dirty="0"/>
+              <a:t>A89098</a:t>
+            </a:r>
+            <a:endParaRPr kumimoji="1" lang="zh-CN" altLang="en-US" sz="900" dirty="0"/>
+          </a:p>
+        </p:txBody>
+      </p:sp>
+      <p:sp>
+        <p:nvSpPr>
+          <p:cNvPr id="11" name="文本框 10">
+            <a:extLst>
+              <a:ext uri="{FF2B5EF4-FFF2-40B4-BE49-F238E27FC236}">
+                <a16:creationId xmlns:a16="http://schemas.microsoft.com/office/drawing/2014/main" id="{762EFC42-1A8F-2A4B-86E9-8F987A5B3748}"/>
+              </a:ext>
+            </a:extLst>
+          </p:cNvPr>
+          <p:cNvSpPr txBox="1"/>
+          <p:nvPr/>
+        </p:nvSpPr>
+        <p:spPr>
+          <a:xfrm>
+            <a:off x="9992498" y="1983049"/>
+            <a:ext cx="1285102" cy="230832"/>
+          </a:xfrm>
+          <a:prstGeom prst="rect">
+            <a:avLst/>
+          </a:prstGeom>
+          <a:noFill/>
+        </p:spPr>
+        <p:txBody>
+          <a:bodyPr wrap="square" rtlCol="0">
+            <a:spAutoFit/>
+          </a:bodyPr>
+          <a:lstStyle/>
+          <a:p>
+            <a:r>
+              <a:rPr kumimoji="1" lang="zh-CN" altLang="en-US" sz="900" dirty="0"/>
+              <a:t>川</a:t>
+            </a:r>
+            <a:r>
+              <a:rPr kumimoji="1" lang="en-US" altLang="zh-CN" sz="900" dirty="0"/>
+              <a:t>A89098</a:t>
+            </a:r>
+            <a:endParaRPr kumimoji="1" lang="zh-CN" altLang="en-US" sz="900" dirty="0"/>
+          </a:p>
+        </p:txBody>
+      </p:sp>
+      <p:sp>
+        <p:nvSpPr>
+          <p:cNvPr id="12" name="文本框 11">
+            <a:extLst>
+              <a:ext uri="{FF2B5EF4-FFF2-40B4-BE49-F238E27FC236}">
+                <a16:creationId xmlns:a16="http://schemas.microsoft.com/office/drawing/2014/main" id="{1D4F55E7-44D6-8B43-9B5E-B5D5A662918A}"/>
+              </a:ext>
+            </a:extLst>
+          </p:cNvPr>
+          <p:cNvSpPr txBox="1"/>
+          <p:nvPr/>
+        </p:nvSpPr>
+        <p:spPr>
+          <a:xfrm>
+            <a:off x="10772347" y="1854374"/>
+            <a:ext cx="1285102" cy="276999"/>
+          </a:xfrm>
+          <a:prstGeom prst="rect">
+            <a:avLst/>
+          </a:prstGeom>
+          <a:noFill/>
+        </p:spPr>
+        <p:txBody>
+          <a:bodyPr wrap="square" rtlCol="0">
+            <a:spAutoFit/>
+          </a:bodyPr>
+          <a:lstStyle/>
+          <a:p>
+            <a:r>
+              <a:rPr kumimoji="1" lang="zh-CN" altLang="en-US" sz="1200" dirty="0"/>
+              <a:t>川</a:t>
+            </a:r>
+            <a:r>
+              <a:rPr kumimoji="1" lang="en-US" altLang="zh-CN" sz="1200" dirty="0"/>
+              <a:t>A89098</a:t>
+            </a:r>
+            <a:endParaRPr kumimoji="1" lang="zh-CN" altLang="en-US" sz="1200" dirty="0"/>
+          </a:p>
+        </p:txBody>
+      </p:sp>
+      <p:sp>
+        <p:nvSpPr>
+          <p:cNvPr id="13" name="L 形 12">
+            <a:extLst>
+              <a:ext uri="{FF2B5EF4-FFF2-40B4-BE49-F238E27FC236}">
+                <a16:creationId xmlns:a16="http://schemas.microsoft.com/office/drawing/2014/main" id="{6F85CE08-2F85-E749-8A71-2BFF301CD979}"/>
+              </a:ext>
+            </a:extLst>
+          </p:cNvPr>
+          <p:cNvSpPr/>
+          <p:nvPr/>
+        </p:nvSpPr>
+        <p:spPr>
+          <a:xfrm rot="8100000">
+            <a:off x="11681496" y="1910117"/>
+            <a:ext cx="197708" cy="197708"/>
+          </a:xfrm>
+          <a:prstGeom prst="corner">
+            <a:avLst/>
+          </a:prstGeom>
+        </p:spPr>
+        <p:style>
+          <a:lnRef idx="0">
+            <a:schemeClr val="accent4"/>
+          </a:lnRef>
+          <a:fillRef idx="3">
+            <a:schemeClr val="accent4"/>
+          </a:fillRef>
+          <a:effectRef idx="3">
+            <a:schemeClr val="accent4"/>
+          </a:effectRef>
+          <a:fontRef idx="minor">
+            <a:schemeClr val="lt1"/>
+          </a:fontRef>
+        </p:style>
+        <p:txBody>
+          <a:bodyPr rtlCol="0" anchor="ctr"/>
+          <a:lstStyle/>
+          <a:p>
+            <a:pPr algn="ctr"/>
+            <a:endParaRPr kumimoji="1" lang="zh-CN" altLang="en-US"/>
+          </a:p>
+        </p:txBody>
+      </p:sp>
+      <p:sp>
+        <p:nvSpPr>
+          <p:cNvPr id="14" name="矩形 13">
+            <a:extLst>
+              <a:ext uri="{FF2B5EF4-FFF2-40B4-BE49-F238E27FC236}">
+                <a16:creationId xmlns:a16="http://schemas.microsoft.com/office/drawing/2014/main" id="{C2EE9D6A-54B3-F847-9B6D-9554779420AA}"/>
+              </a:ext>
+            </a:extLst>
+          </p:cNvPr>
+          <p:cNvSpPr/>
+          <p:nvPr/>
+        </p:nvSpPr>
+        <p:spPr>
+          <a:xfrm>
+            <a:off x="8439665" y="1342755"/>
+            <a:ext cx="212845" cy="212845"/>
+          </a:xfrm>
+          <a:prstGeom prst="rect">
+            <a:avLst/>
+          </a:prstGeom>
+        </p:spPr>
+        <p:style>
+          <a:lnRef idx="2">
+            <a:schemeClr val="accent1">
+              <a:shade val="50000"/>
+            </a:schemeClr>
+          </a:lnRef>
+          <a:fillRef idx="1">
+            <a:schemeClr val="accent1"/>
+          </a:fillRef>
+          <a:effectRef idx="0">
+            <a:schemeClr val="accent1"/>
+          </a:effectRef>
+          <a:fontRef idx="minor">
+            <a:schemeClr val="lt1"/>
+          </a:fontRef>
+        </p:style>
+        <p:txBody>
+          <a:bodyPr rtlCol="0" anchor="ctr"/>
+          <a:lstStyle/>
+          <a:p>
+            <a:pPr algn="ctr"/>
+            <a:endParaRPr kumimoji="1" lang="zh-CN" altLang="en-US"/>
+          </a:p>
+        </p:txBody>
+      </p:sp>
+      <p:sp>
+        <p:nvSpPr>
+          <p:cNvPr id="15" name="矩形 14">
+            <a:extLst>
+              <a:ext uri="{FF2B5EF4-FFF2-40B4-BE49-F238E27FC236}">
+                <a16:creationId xmlns:a16="http://schemas.microsoft.com/office/drawing/2014/main" id="{F150D9B4-70FB-8B48-AC44-FCB082206749}"/>
+              </a:ext>
+            </a:extLst>
+          </p:cNvPr>
+          <p:cNvSpPr/>
+          <p:nvPr/>
+        </p:nvSpPr>
+        <p:spPr>
+          <a:xfrm>
+            <a:off x="9882660" y="1329195"/>
+            <a:ext cx="212845" cy="212845"/>
+          </a:xfrm>
+          <a:prstGeom prst="rect">
+            <a:avLst/>
+          </a:prstGeom>
+        </p:spPr>
+        <p:style>
+          <a:lnRef idx="2">
+            <a:schemeClr val="accent1">
+              <a:shade val="50000"/>
+            </a:schemeClr>
+          </a:lnRef>
+          <a:fillRef idx="1">
+            <a:schemeClr val="accent1"/>
+          </a:fillRef>
+          <a:effectRef idx="0">
+            <a:schemeClr val="accent1"/>
+          </a:effectRef>
+          <a:fontRef idx="minor">
+            <a:schemeClr val="lt1"/>
+          </a:fontRef>
+        </p:style>
+        <p:txBody>
+          <a:bodyPr rtlCol="0" anchor="ctr"/>
+          <a:lstStyle/>
+          <a:p>
+            <a:pPr algn="ctr"/>
+            <a:endParaRPr kumimoji="1" lang="zh-CN" altLang="en-US"/>
+          </a:p>
+        </p:txBody>
+      </p:sp>
+      <p:sp>
+        <p:nvSpPr>
+          <p:cNvPr id="16" name="矩形 15">
+            <a:extLst>
+              <a:ext uri="{FF2B5EF4-FFF2-40B4-BE49-F238E27FC236}">
+                <a16:creationId xmlns:a16="http://schemas.microsoft.com/office/drawing/2014/main" id="{5684E4E5-D744-BF43-9BBE-AA05DB146127}"/>
+              </a:ext>
+            </a:extLst>
+          </p:cNvPr>
+          <p:cNvSpPr/>
+          <p:nvPr/>
+        </p:nvSpPr>
+        <p:spPr>
+          <a:xfrm>
+            <a:off x="11171177" y="1340870"/>
+            <a:ext cx="212845" cy="212845"/>
+          </a:xfrm>
+          <a:prstGeom prst="rect">
+            <a:avLst/>
+          </a:prstGeom>
+        </p:spPr>
+        <p:style>
+          <a:lnRef idx="2">
+            <a:schemeClr val="accent1">
+              <a:shade val="50000"/>
+            </a:schemeClr>
+          </a:lnRef>
+          <a:fillRef idx="1">
+            <a:schemeClr val="accent1"/>
+          </a:fillRef>
+          <a:effectRef idx="0">
+            <a:schemeClr val="accent1"/>
+          </a:effectRef>
+          <a:fontRef idx="minor">
+            <a:schemeClr val="lt1"/>
+          </a:fontRef>
+        </p:style>
+        <p:txBody>
+          <a:bodyPr rtlCol="0" anchor="ctr"/>
+          <a:lstStyle/>
+          <a:p>
+            <a:pPr algn="ctr"/>
+            <a:endParaRPr kumimoji="1" lang="zh-CN" altLang="en-US"/>
+          </a:p>
+        </p:txBody>
+      </p:sp>
+      <p:sp>
+        <p:nvSpPr>
+          <p:cNvPr id="17" name="文本框 16">
+            <a:extLst>
+              <a:ext uri="{FF2B5EF4-FFF2-40B4-BE49-F238E27FC236}">
+                <a16:creationId xmlns:a16="http://schemas.microsoft.com/office/drawing/2014/main" id="{7840619F-86A5-BE42-8A99-061BB0A75E74}"/>
+              </a:ext>
+            </a:extLst>
+          </p:cNvPr>
+          <p:cNvSpPr txBox="1"/>
+          <p:nvPr/>
+        </p:nvSpPr>
+        <p:spPr>
+          <a:xfrm>
+            <a:off x="8653540" y="1303990"/>
+            <a:ext cx="1370570" cy="276999"/>
+          </a:xfrm>
+          <a:prstGeom prst="rect">
+            <a:avLst/>
+          </a:prstGeom>
+          <a:noFill/>
+        </p:spPr>
+        <p:txBody>
+          <a:bodyPr wrap="square" rtlCol="0">
+            <a:spAutoFit/>
+          </a:bodyPr>
+          <a:lstStyle/>
+          <a:p>
+            <a:r>
+              <a:rPr kumimoji="1" lang="zh-CN" altLang="en-US" sz="1200" dirty="0"/>
+              <a:t>按售出时间排序</a:t>
+            </a:r>
+          </a:p>
+        </p:txBody>
+      </p:sp>
+      <p:sp>
+        <p:nvSpPr>
+          <p:cNvPr id="18" name="文本框 17">
+            <a:extLst>
+              <a:ext uri="{FF2B5EF4-FFF2-40B4-BE49-F238E27FC236}">
+                <a16:creationId xmlns:a16="http://schemas.microsoft.com/office/drawing/2014/main" id="{4AE5271A-B2E3-964F-8624-51B169EE617A}"/>
+              </a:ext>
+            </a:extLst>
+          </p:cNvPr>
+          <p:cNvSpPr txBox="1"/>
+          <p:nvPr/>
+        </p:nvSpPr>
+        <p:spPr>
+          <a:xfrm>
+            <a:off x="9989082" y="1314321"/>
+            <a:ext cx="1370570" cy="276999"/>
+          </a:xfrm>
+          <a:prstGeom prst="rect">
+            <a:avLst/>
+          </a:prstGeom>
+          <a:noFill/>
+        </p:spPr>
+        <p:txBody>
+          <a:bodyPr wrap="square" rtlCol="0">
+            <a:spAutoFit/>
+          </a:bodyPr>
+          <a:lstStyle/>
+          <a:p>
+            <a:r>
+              <a:rPr kumimoji="1" lang="zh-CN" altLang="en-US" sz="1200" dirty="0"/>
+              <a:t>按照总支出</a:t>
+            </a:r>
+          </a:p>
+        </p:txBody>
+      </p:sp>
+      <p:sp>
+        <p:nvSpPr>
+          <p:cNvPr id="19" name="文本框 18">
+            <a:extLst>
+              <a:ext uri="{FF2B5EF4-FFF2-40B4-BE49-F238E27FC236}">
+                <a16:creationId xmlns:a16="http://schemas.microsoft.com/office/drawing/2014/main" id="{539881A4-CF5B-B740-84C4-24E1FC9768EC}"/>
+              </a:ext>
+            </a:extLst>
+          </p:cNvPr>
+          <p:cNvSpPr txBox="1"/>
+          <p:nvPr/>
+        </p:nvSpPr>
+        <p:spPr>
+          <a:xfrm>
+            <a:off x="11324625" y="1268356"/>
+            <a:ext cx="1370570" cy="276999"/>
+          </a:xfrm>
+          <a:prstGeom prst="rect">
+            <a:avLst/>
+          </a:prstGeom>
+          <a:noFill/>
+        </p:spPr>
+        <p:txBody>
+          <a:bodyPr wrap="square" rtlCol="0">
+            <a:spAutoFit/>
+          </a:bodyPr>
+          <a:lstStyle/>
+          <a:p>
+            <a:r>
+              <a:rPr kumimoji="1" lang="zh-CN" altLang="en-US" sz="1200" dirty="0"/>
+              <a:t>按照利润</a:t>
+            </a:r>
+          </a:p>
+        </p:txBody>
+      </p:sp>
+    </p:spTree>
+    <p:extLst>
+      <p:ext uri="{BB962C8B-B14F-4D97-AF65-F5344CB8AC3E}">
+        <p14:creationId xmlns:p14="http://schemas.microsoft.com/office/powerpoint/2010/main" val="3793398781"/>
+      </p:ext>
+    </p:extLst>
+  </p:cSld>
+  <p:clrMapOvr>
+    <a:masterClrMapping/>
+  </p:clrMapOvr>
+</p:sld>
+</file>
+
+<file path=ppt/slides/slide31.xml><?xml version="1.0" encoding="utf-8"?>
+<p:sld xmlns:a="http://schemas.openxmlformats.org/drawingml/2006/main" xmlns:r="http://schemas.openxmlformats.org/officeDocument/2006/relationships" xmlns:p="http://schemas.openxmlformats.org/presentationml/2006/main">
+  <p:cSld>
+    <p:spTree>
+      <p:nvGrpSpPr>
+        <p:cNvPr id="1" name=""/>
+        <p:cNvGrpSpPr/>
+        <p:nvPr/>
+      </p:nvGrpSpPr>
+      <p:grpSpPr>
+        <a:xfrm>
+          <a:off x="0" y="0"/>
+          <a:ext cx="0" cy="0"/>
+          <a:chOff x="0" y="0"/>
+          <a:chExt cx="0" cy="0"/>
+        </a:xfrm>
+      </p:grpSpPr>
+      <p:sp>
+        <p:nvSpPr>
+          <p:cNvPr id="5" name="AutoShape 4" descr="為什麼別人的表格這麼好看，原來你也可以，輕鬆套用高大上- 每日頭條">
+            <a:extLst>
+              <a:ext uri="{FF2B5EF4-FFF2-40B4-BE49-F238E27FC236}">
+                <a16:creationId xmlns:a16="http://schemas.microsoft.com/office/drawing/2014/main" id="{D6B97C6D-D8EC-384D-A2EA-CDE21B936623}"/>
+              </a:ext>
+            </a:extLst>
+          </p:cNvPr>
+          <p:cNvSpPr>
+            <a:spLocks noChangeAspect="1" noChangeArrowheads="1"/>
+          </p:cNvSpPr>
+          <p:nvPr/>
+        </p:nvSpPr>
+        <p:spPr bwMode="auto">
+          <a:xfrm>
+            <a:off x="5943600" y="3276600"/>
+            <a:ext cx="304800" cy="304800"/>
+          </a:xfrm>
+          <a:prstGeom prst="rect">
+            <a:avLst/>
+          </a:prstGeom>
+          <a:noFill/>
+          <a:extLst>
+            <a:ext uri="{909E8E84-426E-40DD-AFC4-6F175D3DCCD1}">
+              <a14:hiddenFill xmlns:a14="http://schemas.microsoft.com/office/drawing/2010/main">
+                <a:solidFill>
+                  <a:srgbClr val="FFFFFF"/>
+                </a:solidFill>
+              </a14:hiddenFill>
+            </a:ext>
+          </a:extLst>
+        </p:spPr>
+        <p:txBody>
+          <a:bodyPr vert="horz" wrap="square" lIns="91440" tIns="45720" rIns="91440" bIns="45720" numCol="1" anchor="t" anchorCtr="0" compatLnSpc="1">
+            <a:prstTxWarp prst="textNoShape">
+              <a:avLst/>
+            </a:prstTxWarp>
+          </a:bodyPr>
+          <a:lstStyle/>
+          <a:p>
+            <a:endParaRPr lang="zh-CN" altLang="en-US"/>
+          </a:p>
+        </p:txBody>
+      </p:sp>
+      <p:pic>
+        <p:nvPicPr>
+          <p:cNvPr id="6" name="图片 5">
+            <a:extLst>
+              <a:ext uri="{FF2B5EF4-FFF2-40B4-BE49-F238E27FC236}">
+                <a16:creationId xmlns:a16="http://schemas.microsoft.com/office/drawing/2014/main" id="{E09C94DC-BBAA-2C42-A4FC-3F8ED9CEB562}"/>
+              </a:ext>
+            </a:extLst>
+          </p:cNvPr>
+          <p:cNvPicPr>
+            <a:picLocks noChangeAspect="1"/>
+          </p:cNvPicPr>
+          <p:nvPr/>
+        </p:nvPicPr>
+        <p:blipFill>
+          <a:blip r:embed="rId2"/>
+          <a:stretch>
+            <a:fillRect/>
+          </a:stretch>
+        </p:blipFill>
+        <p:spPr>
+          <a:xfrm>
+            <a:off x="211438" y="378940"/>
+            <a:ext cx="7518400" cy="4419600"/>
+          </a:xfrm>
+          <a:prstGeom prst="rect">
+            <a:avLst/>
+          </a:prstGeom>
+        </p:spPr>
+      </p:pic>
+    </p:spTree>
+    <p:extLst>
+      <p:ext uri="{BB962C8B-B14F-4D97-AF65-F5344CB8AC3E}">
+        <p14:creationId xmlns:p14="http://schemas.microsoft.com/office/powerpoint/2010/main" val="2060840510"/>
+      </p:ext>
+    </p:extLst>
+  </p:cSld>
+  <p:clrMapOvr>
+    <a:masterClrMapping/>
+  </p:clrMapOvr>
+</p:sld>
+</file>
+
 <file path=ppt/slides/slide4.xml><?xml version="1.0" encoding="utf-8"?>
 <p:sld xmlns:a="http://schemas.openxmlformats.org/drawingml/2006/main" xmlns:r="http://schemas.openxmlformats.org/officeDocument/2006/relationships" xmlns:p="http://schemas.openxmlformats.org/presentationml/2006/main">
   <p:cSld>
